--- a/RA-L/pictures/pdf/SquareFill.pptx
+++ b/RA-L/pictures/pdf/SquareFill.pptx
@@ -288,7 +288,7 @@
           <a:p>
             <a:fld id="{E4E64FA6-EB03-AE42-9D16-539ACBA29E8E}" type="datetimeFigureOut">
               <a:rPr lang="en-US" smtClean="0"/>
-              <a:t>1/25/16</a:t>
+              <a:t>9/2/16</a:t>
             </a:fld>
             <a:endParaRPr lang="en-US"/>
           </a:p>
@@ -458,7 +458,7 @@
           <a:p>
             <a:fld id="{E4E64FA6-EB03-AE42-9D16-539ACBA29E8E}" type="datetimeFigureOut">
               <a:rPr lang="en-US" smtClean="0"/>
-              <a:t>1/25/16</a:t>
+              <a:t>9/2/16</a:t>
             </a:fld>
             <a:endParaRPr lang="en-US"/>
           </a:p>
@@ -638,7 +638,7 @@
           <a:p>
             <a:fld id="{E4E64FA6-EB03-AE42-9D16-539ACBA29E8E}" type="datetimeFigureOut">
               <a:rPr lang="en-US" smtClean="0"/>
-              <a:t>1/25/16</a:t>
+              <a:t>9/2/16</a:t>
             </a:fld>
             <a:endParaRPr lang="en-US"/>
           </a:p>
@@ -808,7 +808,7 @@
           <a:p>
             <a:fld id="{E4E64FA6-EB03-AE42-9D16-539ACBA29E8E}" type="datetimeFigureOut">
               <a:rPr lang="en-US" smtClean="0"/>
-              <a:t>1/25/16</a:t>
+              <a:t>9/2/16</a:t>
             </a:fld>
             <a:endParaRPr lang="en-US"/>
           </a:p>
@@ -1054,7 +1054,7 @@
           <a:p>
             <a:fld id="{E4E64FA6-EB03-AE42-9D16-539ACBA29E8E}" type="datetimeFigureOut">
               <a:rPr lang="en-US" smtClean="0"/>
-              <a:t>1/25/16</a:t>
+              <a:t>9/2/16</a:t>
             </a:fld>
             <a:endParaRPr lang="en-US"/>
           </a:p>
@@ -1342,7 +1342,7 @@
           <a:p>
             <a:fld id="{E4E64FA6-EB03-AE42-9D16-539ACBA29E8E}" type="datetimeFigureOut">
               <a:rPr lang="en-US" smtClean="0"/>
-              <a:t>1/25/16</a:t>
+              <a:t>9/2/16</a:t>
             </a:fld>
             <a:endParaRPr lang="en-US"/>
           </a:p>
@@ -1764,7 +1764,7 @@
           <a:p>
             <a:fld id="{E4E64FA6-EB03-AE42-9D16-539ACBA29E8E}" type="datetimeFigureOut">
               <a:rPr lang="en-US" smtClean="0"/>
-              <a:t>1/25/16</a:t>
+              <a:t>9/2/16</a:t>
             </a:fld>
             <a:endParaRPr lang="en-US"/>
           </a:p>
@@ -1882,7 +1882,7 @@
           <a:p>
             <a:fld id="{E4E64FA6-EB03-AE42-9D16-539ACBA29E8E}" type="datetimeFigureOut">
               <a:rPr lang="en-US" smtClean="0"/>
-              <a:t>1/25/16</a:t>
+              <a:t>9/2/16</a:t>
             </a:fld>
             <a:endParaRPr lang="en-US"/>
           </a:p>
@@ -1977,7 +1977,7 @@
           <a:p>
             <a:fld id="{E4E64FA6-EB03-AE42-9D16-539ACBA29E8E}" type="datetimeFigureOut">
               <a:rPr lang="en-US" smtClean="0"/>
-              <a:t>1/25/16</a:t>
+              <a:t>9/2/16</a:t>
             </a:fld>
             <a:endParaRPr lang="en-US"/>
           </a:p>
@@ -2254,7 +2254,7 @@
           <a:p>
             <a:fld id="{E4E64FA6-EB03-AE42-9D16-539ACBA29E8E}" type="datetimeFigureOut">
               <a:rPr lang="en-US" smtClean="0"/>
-              <a:t>1/25/16</a:t>
+              <a:t>9/2/16</a:t>
             </a:fld>
             <a:endParaRPr lang="en-US"/>
           </a:p>
@@ -2507,7 +2507,7 @@
           <a:p>
             <a:fld id="{E4E64FA6-EB03-AE42-9D16-539ACBA29E8E}" type="datetimeFigureOut">
               <a:rPr lang="en-US" smtClean="0"/>
-              <a:t>1/25/16</a:t>
+              <a:t>9/2/16</a:t>
             </a:fld>
             <a:endParaRPr lang="en-US"/>
           </a:p>
@@ -2720,7 +2720,7 @@
           <a:p>
             <a:fld id="{E4E64FA6-EB03-AE42-9D16-539ACBA29E8E}" type="datetimeFigureOut">
               <a:rPr lang="en-US" smtClean="0"/>
-              <a:t>1/25/16</a:t>
+              <a:t>9/2/16</a:t>
             </a:fld>
             <a:endParaRPr lang="en-US"/>
           </a:p>
@@ -3119,30 +3119,6 @@
           </a:prstGeom>
         </p:spPr>
       </p:pic>
-      <p:pic>
-        <p:nvPicPr>
-          <p:cNvPr id="131" name="Picture 130"/>
-          <p:cNvPicPr>
-            <a:picLocks noChangeAspect="1"/>
-          </p:cNvPicPr>
-          <p:nvPr/>
-        </p:nvPicPr>
-        <p:blipFill>
-          <a:blip r:embed="rId3"/>
-          <a:stretch>
-            <a:fillRect/>
-          </a:stretch>
-        </p:blipFill>
-        <p:spPr>
-          <a:xfrm rot="2607298">
-            <a:off x="7584730" y="-603264"/>
-            <a:ext cx="506466" cy="621431"/>
-          </a:xfrm>
-          <a:prstGeom prst="rect">
-            <a:avLst/>
-          </a:prstGeom>
-        </p:spPr>
-      </p:pic>
       <p:grpSp>
         <p:nvGrpSpPr>
           <p:cNvPr id="145" name="Group 144"/>
@@ -3166,7 +3142,7 @@
             <p:nvPr/>
           </p:nvPicPr>
           <p:blipFill>
-            <a:blip r:embed="rId4"/>
+            <a:blip r:embed="rId3"/>
             <a:stretch>
               <a:fillRect/>
             </a:stretch>
@@ -3562,7 +3538,7 @@
         </p:nvGrpSpPr>
         <p:grpSpPr>
           <a:xfrm>
-            <a:off x="3856486" y="62926"/>
+            <a:off x="3856486" y="189904"/>
             <a:ext cx="2697859" cy="2919107"/>
             <a:chOff x="3723884" y="2797338"/>
             <a:chExt cx="2697859" cy="2919107"/>
@@ -3577,7 +3553,7 @@
             <p:nvPr/>
           </p:nvPicPr>
           <p:blipFill>
-            <a:blip r:embed="rId5">
+            <a:blip r:embed="rId4">
               <a:extLst>
                 <a:ext uri="{28A0092B-C50C-407E-A947-70E740481C1C}">
                   <a14:useLocalDpi xmlns:a14="http://schemas.microsoft.com/office/drawing/2010/main" val="0"/>
@@ -3673,7 +3649,7 @@
         </p:nvGrpSpPr>
         <p:grpSpPr>
           <a:xfrm>
-            <a:off x="4075643" y="3127226"/>
+            <a:off x="4266146" y="3233041"/>
             <a:ext cx="2219098" cy="2532556"/>
             <a:chOff x="4024624" y="107175"/>
             <a:chExt cx="2219098" cy="2532556"/>
@@ -3688,7 +3664,7 @@
             <p:nvPr/>
           </p:nvPicPr>
           <p:blipFill>
-            <a:blip r:embed="rId6">
+            <a:blip r:embed="rId5">
               <a:extLst>
                 <a:ext uri="{28A0092B-C50C-407E-A947-70E740481C1C}">
                   <a14:useLocalDpi xmlns:a14="http://schemas.microsoft.com/office/drawing/2010/main" val="0"/>
@@ -3785,7 +3761,7 @@
           <p:nvPr/>
         </p:nvPicPr>
         <p:blipFill>
-          <a:blip r:embed="rId7"/>
+          <a:blip r:embed="rId6"/>
           <a:stretch>
             <a:fillRect/>
           </a:stretch>
@@ -3809,7 +3785,7 @@
           <p:nvPr/>
         </p:nvPicPr>
         <p:blipFill>
-          <a:blip r:embed="rId8"/>
+          <a:blip r:embed="rId7"/>
           <a:stretch>
             <a:fillRect/>
           </a:stretch>
@@ -3833,7 +3809,7 @@
           <p:nvPr/>
         </p:nvPicPr>
         <p:blipFill>
-          <a:blip r:embed="rId9"/>
+          <a:blip r:embed="rId8"/>
           <a:stretch>
             <a:fillRect/>
           </a:stretch>
@@ -3857,7 +3833,7 @@
           <p:nvPr/>
         </p:nvPicPr>
         <p:blipFill>
-          <a:blip r:embed="rId10"/>
+          <a:blip r:embed="rId9"/>
           <a:stretch>
             <a:fillRect/>
           </a:stretch>
@@ -3960,6 +3936,54 @@
           </a:p>
         </p:txBody>
       </p:sp>
+      <p:pic>
+        <p:nvPicPr>
+          <p:cNvPr id="131" name="Picture 130"/>
+          <p:cNvPicPr>
+            <a:picLocks noChangeAspect="1"/>
+          </p:cNvPicPr>
+          <p:nvPr/>
+        </p:nvPicPr>
+        <p:blipFill>
+          <a:blip r:embed="rId10"/>
+          <a:stretch>
+            <a:fillRect/>
+          </a:stretch>
+        </p:blipFill>
+        <p:spPr>
+          <a:xfrm rot="2607298">
+            <a:off x="3526072" y="-88520"/>
+            <a:ext cx="506466" cy="621431"/>
+          </a:xfrm>
+          <a:prstGeom prst="rect">
+            <a:avLst/>
+          </a:prstGeom>
+        </p:spPr>
+      </p:pic>
+      <p:pic>
+        <p:nvPicPr>
+          <p:cNvPr id="28" name="Picture 27"/>
+          <p:cNvPicPr>
+            <a:picLocks noChangeAspect="1"/>
+          </p:cNvPicPr>
+          <p:nvPr/>
+        </p:nvPicPr>
+        <p:blipFill>
+          <a:blip r:embed="rId10"/>
+          <a:stretch>
+            <a:fillRect/>
+          </a:stretch>
+        </p:blipFill>
+        <p:spPr>
+          <a:xfrm rot="2607298">
+            <a:off x="4103007" y="2815278"/>
+            <a:ext cx="506466" cy="621431"/>
+          </a:xfrm>
+          <a:prstGeom prst="rect">
+            <a:avLst/>
+          </a:prstGeom>
+        </p:spPr>
+      </p:pic>
     </p:spTree>
     <p:extLst>
       <p:ext uri="{BB962C8B-B14F-4D97-AF65-F5344CB8AC3E}">

--- a/RA-L/pictures/pdf/SquareFill.pptx
+++ b/RA-L/pictures/pdf/SquareFill.pptx
@@ -4,6 +4,9 @@
   <p:sldMasterIdLst>
     <p:sldMasterId id="2147483648" r:id="rId1"/>
   </p:sldMasterIdLst>
+  <p:notesMasterIdLst>
+    <p:notesMasterId r:id="rId3"/>
+  </p:notesMasterIdLst>
   <p:sldIdLst>
     <p:sldId id="256" r:id="rId2"/>
   </p:sldIdLst>
@@ -105,6 +108,440 @@
     </a:lvl9pPr>
   </p:defaultTextStyle>
 </p:presentation>
+</file>
+
+<file path=ppt/notesMasters/notesMaster1.xml><?xml version="1.0" encoding="utf-8"?>
+<p:notesMaster xmlns:a="http://schemas.openxmlformats.org/drawingml/2006/main" xmlns:r="http://schemas.openxmlformats.org/officeDocument/2006/relationships" xmlns:p="http://schemas.openxmlformats.org/presentationml/2006/main">
+  <p:cSld>
+    <p:bg>
+      <p:bgRef idx="1001">
+        <a:schemeClr val="bg1"/>
+      </p:bgRef>
+    </p:bg>
+    <p:spTree>
+      <p:nvGrpSpPr>
+        <p:cNvPr id="1" name=""/>
+        <p:cNvGrpSpPr/>
+        <p:nvPr/>
+      </p:nvGrpSpPr>
+      <p:grpSpPr>
+        <a:xfrm>
+          <a:off x="0" y="0"/>
+          <a:ext cx="0" cy="0"/>
+          <a:chOff x="0" y="0"/>
+          <a:chExt cx="0" cy="0"/>
+        </a:xfrm>
+      </p:grpSpPr>
+      <p:sp>
+        <p:nvSpPr>
+          <p:cNvPr id="2" name="Header Placeholder 1"/>
+          <p:cNvSpPr>
+            <a:spLocks noGrp="1"/>
+          </p:cNvSpPr>
+          <p:nvPr>
+            <p:ph type="hdr" sz="quarter"/>
+          </p:nvPr>
+        </p:nvSpPr>
+        <p:spPr>
+          <a:xfrm>
+            <a:off x="0" y="0"/>
+            <a:ext cx="2971800" cy="457200"/>
+          </a:xfrm>
+          <a:prstGeom prst="rect">
+            <a:avLst/>
+          </a:prstGeom>
+        </p:spPr>
+        <p:txBody>
+          <a:bodyPr vert="horz" lIns="91440" tIns="45720" rIns="91440" bIns="45720" rtlCol="0"/>
+          <a:lstStyle>
+            <a:lvl1pPr algn="l">
+              <a:defRPr sz="1200"/>
+            </a:lvl1pPr>
+          </a:lstStyle>
+          <a:p>
+            <a:endParaRPr lang="en-US"/>
+          </a:p>
+        </p:txBody>
+      </p:sp>
+      <p:sp>
+        <p:nvSpPr>
+          <p:cNvPr id="3" name="Date Placeholder 2"/>
+          <p:cNvSpPr>
+            <a:spLocks noGrp="1"/>
+          </p:cNvSpPr>
+          <p:nvPr>
+            <p:ph type="dt" idx="1"/>
+          </p:nvPr>
+        </p:nvSpPr>
+        <p:spPr>
+          <a:xfrm>
+            <a:off x="3884613" y="0"/>
+            <a:ext cx="2971800" cy="457200"/>
+          </a:xfrm>
+          <a:prstGeom prst="rect">
+            <a:avLst/>
+          </a:prstGeom>
+        </p:spPr>
+        <p:txBody>
+          <a:bodyPr vert="horz" lIns="91440" tIns="45720" rIns="91440" bIns="45720" rtlCol="0"/>
+          <a:lstStyle>
+            <a:lvl1pPr algn="r">
+              <a:defRPr sz="1200"/>
+            </a:lvl1pPr>
+          </a:lstStyle>
+          <a:p>
+            <a:fld id="{A1342510-F2A4-2B41-A5F2-A9A15E718FE3}" type="datetimeFigureOut">
+              <a:rPr lang="en-US" smtClean="0"/>
+              <a:t>9/2/16</a:t>
+            </a:fld>
+            <a:endParaRPr lang="en-US"/>
+          </a:p>
+        </p:txBody>
+      </p:sp>
+      <p:sp>
+        <p:nvSpPr>
+          <p:cNvPr id="4" name="Slide Image Placeholder 3"/>
+          <p:cNvSpPr>
+            <a:spLocks noGrp="1" noRot="1" noChangeAspect="1"/>
+          </p:cNvSpPr>
+          <p:nvPr>
+            <p:ph type="sldImg" idx="2"/>
+          </p:nvPr>
+        </p:nvSpPr>
+        <p:spPr>
+          <a:xfrm>
+            <a:off x="-1428750" y="685800"/>
+            <a:ext cx="9715500" cy="3429000"/>
+          </a:xfrm>
+          <a:prstGeom prst="rect">
+            <a:avLst/>
+          </a:prstGeom>
+          <a:noFill/>
+          <a:ln w="12700">
+            <a:solidFill>
+              <a:prstClr val="black"/>
+            </a:solidFill>
+          </a:ln>
+        </p:spPr>
+        <p:txBody>
+          <a:bodyPr vert="horz" lIns="91440" tIns="45720" rIns="91440" bIns="45720" rtlCol="0" anchor="ctr"/>
+          <a:lstStyle/>
+          <a:p>
+            <a:endParaRPr lang="en-US"/>
+          </a:p>
+        </p:txBody>
+      </p:sp>
+      <p:sp>
+        <p:nvSpPr>
+          <p:cNvPr id="5" name="Notes Placeholder 4"/>
+          <p:cNvSpPr>
+            <a:spLocks noGrp="1"/>
+          </p:cNvSpPr>
+          <p:nvPr>
+            <p:ph type="body" sz="quarter" idx="3"/>
+          </p:nvPr>
+        </p:nvSpPr>
+        <p:spPr>
+          <a:xfrm>
+            <a:off x="685800" y="4343400"/>
+            <a:ext cx="5486400" cy="4114800"/>
+          </a:xfrm>
+          <a:prstGeom prst="rect">
+            <a:avLst/>
+          </a:prstGeom>
+        </p:spPr>
+        <p:txBody>
+          <a:bodyPr vert="horz" lIns="91440" tIns="45720" rIns="91440" bIns="45720" rtlCol="0"/>
+          <a:lstStyle/>
+          <a:p>
+            <a:pPr lvl="0"/>
+            <a:r>
+              <a:rPr lang="en-US" smtClean="0"/>
+              <a:t>Click to edit Master text styles</a:t>
+            </a:r>
+          </a:p>
+          <a:p>
+            <a:pPr lvl="1"/>
+            <a:r>
+              <a:rPr lang="en-US" smtClean="0"/>
+              <a:t>Second level</a:t>
+            </a:r>
+          </a:p>
+          <a:p>
+            <a:pPr lvl="2"/>
+            <a:r>
+              <a:rPr lang="en-US" smtClean="0"/>
+              <a:t>Third level</a:t>
+            </a:r>
+          </a:p>
+          <a:p>
+            <a:pPr lvl="3"/>
+            <a:r>
+              <a:rPr lang="en-US" smtClean="0"/>
+              <a:t>Fourth level</a:t>
+            </a:r>
+          </a:p>
+          <a:p>
+            <a:pPr lvl="4"/>
+            <a:r>
+              <a:rPr lang="en-US" smtClean="0"/>
+              <a:t>Fifth level</a:t>
+            </a:r>
+            <a:endParaRPr lang="en-US"/>
+          </a:p>
+        </p:txBody>
+      </p:sp>
+      <p:sp>
+        <p:nvSpPr>
+          <p:cNvPr id="6" name="Footer Placeholder 5"/>
+          <p:cNvSpPr>
+            <a:spLocks noGrp="1"/>
+          </p:cNvSpPr>
+          <p:nvPr>
+            <p:ph type="ftr" sz="quarter" idx="4"/>
+          </p:nvPr>
+        </p:nvSpPr>
+        <p:spPr>
+          <a:xfrm>
+            <a:off x="0" y="8685213"/>
+            <a:ext cx="2971800" cy="457200"/>
+          </a:xfrm>
+          <a:prstGeom prst="rect">
+            <a:avLst/>
+          </a:prstGeom>
+        </p:spPr>
+        <p:txBody>
+          <a:bodyPr vert="horz" lIns="91440" tIns="45720" rIns="91440" bIns="45720" rtlCol="0" anchor="b"/>
+          <a:lstStyle>
+            <a:lvl1pPr algn="l">
+              <a:defRPr sz="1200"/>
+            </a:lvl1pPr>
+          </a:lstStyle>
+          <a:p>
+            <a:endParaRPr lang="en-US"/>
+          </a:p>
+        </p:txBody>
+      </p:sp>
+      <p:sp>
+        <p:nvSpPr>
+          <p:cNvPr id="7" name="Slide Number Placeholder 6"/>
+          <p:cNvSpPr>
+            <a:spLocks noGrp="1"/>
+          </p:cNvSpPr>
+          <p:nvPr>
+            <p:ph type="sldNum" sz="quarter" idx="5"/>
+          </p:nvPr>
+        </p:nvSpPr>
+        <p:spPr>
+          <a:xfrm>
+            <a:off x="3884613" y="8685213"/>
+            <a:ext cx="2971800" cy="457200"/>
+          </a:xfrm>
+          <a:prstGeom prst="rect">
+            <a:avLst/>
+          </a:prstGeom>
+        </p:spPr>
+        <p:txBody>
+          <a:bodyPr vert="horz" lIns="91440" tIns="45720" rIns="91440" bIns="45720" rtlCol="0" anchor="b"/>
+          <a:lstStyle>
+            <a:lvl1pPr algn="r">
+              <a:defRPr sz="1200"/>
+            </a:lvl1pPr>
+          </a:lstStyle>
+          <a:p>
+            <a:fld id="{7CE63FFB-B947-4344-A5B9-B4FDF18573B3}" type="slidenum">
+              <a:rPr lang="en-US" smtClean="0"/>
+              <a:t>‹#›</a:t>
+            </a:fld>
+            <a:endParaRPr lang="en-US"/>
+          </a:p>
+        </p:txBody>
+      </p:sp>
+    </p:spTree>
+    <p:extLst>
+      <p:ext uri="{BB962C8B-B14F-4D97-AF65-F5344CB8AC3E}">
+        <p14:creationId xmlns:p14="http://schemas.microsoft.com/office/powerpoint/2010/main" val="2966152557"/>
+      </p:ext>
+    </p:extLst>
+  </p:cSld>
+  <p:clrMap bg1="lt1" tx1="dk1" bg2="lt2" tx2="dk2" accent1="accent1" accent2="accent2" accent3="accent3" accent4="accent4" accent5="accent5" accent6="accent6" hlink="hlink" folHlink="folHlink"/>
+  <p:notesStyle>
+    <a:lvl1pPr marL="0" algn="l" defTabSz="457200" rtl="0" eaLnBrk="1" latinLnBrk="0" hangingPunct="1">
+      <a:defRPr sz="1200" kern="1200">
+        <a:solidFill>
+          <a:schemeClr val="tx1"/>
+        </a:solidFill>
+        <a:latin typeface="+mn-lt"/>
+        <a:ea typeface="+mn-ea"/>
+        <a:cs typeface="+mn-cs"/>
+      </a:defRPr>
+    </a:lvl1pPr>
+    <a:lvl2pPr marL="457200" algn="l" defTabSz="457200" rtl="0" eaLnBrk="1" latinLnBrk="0" hangingPunct="1">
+      <a:defRPr sz="1200" kern="1200">
+        <a:solidFill>
+          <a:schemeClr val="tx1"/>
+        </a:solidFill>
+        <a:latin typeface="+mn-lt"/>
+        <a:ea typeface="+mn-ea"/>
+        <a:cs typeface="+mn-cs"/>
+      </a:defRPr>
+    </a:lvl2pPr>
+    <a:lvl3pPr marL="914400" algn="l" defTabSz="457200" rtl="0" eaLnBrk="1" latinLnBrk="0" hangingPunct="1">
+      <a:defRPr sz="1200" kern="1200">
+        <a:solidFill>
+          <a:schemeClr val="tx1"/>
+        </a:solidFill>
+        <a:latin typeface="+mn-lt"/>
+        <a:ea typeface="+mn-ea"/>
+        <a:cs typeface="+mn-cs"/>
+      </a:defRPr>
+    </a:lvl3pPr>
+    <a:lvl4pPr marL="1371600" algn="l" defTabSz="457200" rtl="0" eaLnBrk="1" latinLnBrk="0" hangingPunct="1">
+      <a:defRPr sz="1200" kern="1200">
+        <a:solidFill>
+          <a:schemeClr val="tx1"/>
+        </a:solidFill>
+        <a:latin typeface="+mn-lt"/>
+        <a:ea typeface="+mn-ea"/>
+        <a:cs typeface="+mn-cs"/>
+      </a:defRPr>
+    </a:lvl4pPr>
+    <a:lvl5pPr marL="1828800" algn="l" defTabSz="457200" rtl="0" eaLnBrk="1" latinLnBrk="0" hangingPunct="1">
+      <a:defRPr sz="1200" kern="1200">
+        <a:solidFill>
+          <a:schemeClr val="tx1"/>
+        </a:solidFill>
+        <a:latin typeface="+mn-lt"/>
+        <a:ea typeface="+mn-ea"/>
+        <a:cs typeface="+mn-cs"/>
+      </a:defRPr>
+    </a:lvl5pPr>
+    <a:lvl6pPr marL="2286000" algn="l" defTabSz="457200" rtl="0" eaLnBrk="1" latinLnBrk="0" hangingPunct="1">
+      <a:defRPr sz="1200" kern="1200">
+        <a:solidFill>
+          <a:schemeClr val="tx1"/>
+        </a:solidFill>
+        <a:latin typeface="+mn-lt"/>
+        <a:ea typeface="+mn-ea"/>
+        <a:cs typeface="+mn-cs"/>
+      </a:defRPr>
+    </a:lvl6pPr>
+    <a:lvl7pPr marL="2743200" algn="l" defTabSz="457200" rtl="0" eaLnBrk="1" latinLnBrk="0" hangingPunct="1">
+      <a:defRPr sz="1200" kern="1200">
+        <a:solidFill>
+          <a:schemeClr val="tx1"/>
+        </a:solidFill>
+        <a:latin typeface="+mn-lt"/>
+        <a:ea typeface="+mn-ea"/>
+        <a:cs typeface="+mn-cs"/>
+      </a:defRPr>
+    </a:lvl7pPr>
+    <a:lvl8pPr marL="3200400" algn="l" defTabSz="457200" rtl="0" eaLnBrk="1" latinLnBrk="0" hangingPunct="1">
+      <a:defRPr sz="1200" kern="1200">
+        <a:solidFill>
+          <a:schemeClr val="tx1"/>
+        </a:solidFill>
+        <a:latin typeface="+mn-lt"/>
+        <a:ea typeface="+mn-ea"/>
+        <a:cs typeface="+mn-cs"/>
+      </a:defRPr>
+    </a:lvl8pPr>
+    <a:lvl9pPr marL="3657600" algn="l" defTabSz="457200" rtl="0" eaLnBrk="1" latinLnBrk="0" hangingPunct="1">
+      <a:defRPr sz="1200" kern="1200">
+        <a:solidFill>
+          <a:schemeClr val="tx1"/>
+        </a:solidFill>
+        <a:latin typeface="+mn-lt"/>
+        <a:ea typeface="+mn-ea"/>
+        <a:cs typeface="+mn-cs"/>
+      </a:defRPr>
+    </a:lvl9pPr>
+  </p:notesStyle>
+</p:notesMaster>
+</file>
+
+<file path=ppt/notesSlides/notesSlide1.xml><?xml version="1.0" encoding="utf-8"?>
+<p:notes xmlns:a="http://schemas.openxmlformats.org/drawingml/2006/main" xmlns:r="http://schemas.openxmlformats.org/officeDocument/2006/relationships" xmlns:p="http://schemas.openxmlformats.org/presentationml/2006/main">
+  <p:cSld>
+    <p:spTree>
+      <p:nvGrpSpPr>
+        <p:cNvPr id="1" name=""/>
+        <p:cNvGrpSpPr/>
+        <p:nvPr/>
+      </p:nvGrpSpPr>
+      <p:grpSpPr>
+        <a:xfrm>
+          <a:off x="0" y="0"/>
+          <a:ext cx="0" cy="0"/>
+          <a:chOff x="0" y="0"/>
+          <a:chExt cx="0" cy="0"/>
+        </a:xfrm>
+      </p:grpSpPr>
+      <p:sp>
+        <p:nvSpPr>
+          <p:cNvPr id="2" name="Slide Image Placeholder 1"/>
+          <p:cNvSpPr>
+            <a:spLocks noGrp="1" noRot="1" noChangeAspect="1"/>
+          </p:cNvSpPr>
+          <p:nvPr>
+            <p:ph type="sldImg"/>
+          </p:nvPr>
+        </p:nvSpPr>
+        <p:spPr/>
+      </p:sp>
+      <p:sp>
+        <p:nvSpPr>
+          <p:cNvPr id="3" name="Notes Placeholder 2"/>
+          <p:cNvSpPr>
+            <a:spLocks noGrp="1"/>
+          </p:cNvSpPr>
+          <p:nvPr>
+            <p:ph type="body" idx="1"/>
+          </p:nvPr>
+        </p:nvSpPr>
+        <p:spPr/>
+        <p:txBody>
+          <a:bodyPr/>
+          <a:lstStyle/>
+          <a:p>
+            <a:endParaRPr lang="en-US" dirty="0"/>
+          </a:p>
+        </p:txBody>
+      </p:sp>
+      <p:sp>
+        <p:nvSpPr>
+          <p:cNvPr id="4" name="Slide Number Placeholder 3"/>
+          <p:cNvSpPr>
+            <a:spLocks noGrp="1"/>
+          </p:cNvSpPr>
+          <p:nvPr>
+            <p:ph type="sldNum" sz="quarter" idx="10"/>
+          </p:nvPr>
+        </p:nvSpPr>
+        <p:spPr/>
+        <p:txBody>
+          <a:bodyPr/>
+          <a:lstStyle/>
+          <a:p>
+            <a:fld id="{7CE63FFB-B947-4344-A5B9-B4FDF18573B3}" type="slidenum">
+              <a:rPr lang="en-US" smtClean="0"/>
+              <a:t>1</a:t>
+            </a:fld>
+            <a:endParaRPr lang="en-US"/>
+          </a:p>
+        </p:txBody>
+      </p:sp>
+    </p:spTree>
+    <p:extLst>
+      <p:ext uri="{BB962C8B-B14F-4D97-AF65-F5344CB8AC3E}">
+        <p14:creationId xmlns:p14="http://schemas.microsoft.com/office/powerpoint/2010/main" val="676112157"/>
+      </p:ext>
+    </p:extLst>
+  </p:cSld>
+  <p:clrMapOvr>
+    <a:masterClrMapping/>
+  </p:clrMapOvr>
+</p:notes>
 </file>
 
 <file path=ppt/slideLayouts/slideLayout1.xml><?xml version="1.0" encoding="utf-8"?>
@@ -3097,6 +3534,126 @@
       </p:grpSpPr>
       <p:pic>
         <p:nvPicPr>
+          <p:cNvPr id="7" name="Picture 6"/>
+          <p:cNvPicPr>
+            <a:picLocks noChangeAspect="1"/>
+          </p:cNvPicPr>
+          <p:nvPr/>
+        </p:nvPicPr>
+        <p:blipFill>
+          <a:blip r:embed="rId4"/>
+          <a:stretch>
+            <a:fillRect/>
+          </a:stretch>
+        </p:blipFill>
+        <p:spPr>
+          <a:xfrm>
+            <a:off x="6583532" y="13409"/>
+            <a:ext cx="4572000" cy="2794000"/>
+          </a:xfrm>
+          <a:prstGeom prst="rect">
+            <a:avLst/>
+          </a:prstGeom>
+        </p:spPr>
+      </p:pic>
+      <p:pic>
+        <p:nvPicPr>
+          <p:cNvPr id="8" name="Picture 7"/>
+          <p:cNvPicPr>
+            <a:picLocks noChangeAspect="1"/>
+          </p:cNvPicPr>
+          <p:nvPr/>
+        </p:nvPicPr>
+        <p:blipFill>
+          <a:blip r:embed="rId5"/>
+          <a:stretch>
+            <a:fillRect/>
+          </a:stretch>
+        </p:blipFill>
+        <p:spPr>
+          <a:xfrm>
+            <a:off x="11004805" y="49038"/>
+            <a:ext cx="4572000" cy="2616200"/>
+          </a:xfrm>
+          <a:prstGeom prst="rect">
+            <a:avLst/>
+          </a:prstGeom>
+        </p:spPr>
+      </p:pic>
+      <p:pic>
+        <p:nvPicPr>
+          <p:cNvPr id="9" name="Picture 8"/>
+          <p:cNvPicPr>
+            <a:picLocks noChangeAspect="1"/>
+          </p:cNvPicPr>
+          <p:nvPr/>
+        </p:nvPicPr>
+        <p:blipFill>
+          <a:blip r:embed="rId6"/>
+          <a:stretch>
+            <a:fillRect/>
+          </a:stretch>
+        </p:blipFill>
+        <p:spPr>
+          <a:xfrm>
+            <a:off x="6500537" y="2769696"/>
+            <a:ext cx="4572000" cy="2781300"/>
+          </a:xfrm>
+          <a:prstGeom prst="rect">
+            <a:avLst/>
+          </a:prstGeom>
+        </p:spPr>
+      </p:pic>
+      <p:pic>
+        <p:nvPicPr>
+          <p:cNvPr id="11" name="Picture 10"/>
+          <p:cNvPicPr>
+            <a:picLocks noChangeAspect="1"/>
+          </p:cNvPicPr>
+          <p:nvPr/>
+        </p:nvPicPr>
+        <p:blipFill>
+          <a:blip r:embed="rId7"/>
+          <a:stretch>
+            <a:fillRect/>
+          </a:stretch>
+        </p:blipFill>
+        <p:spPr>
+          <a:xfrm>
+            <a:off x="11072537" y="2832100"/>
+            <a:ext cx="4493964" cy="2654300"/>
+          </a:xfrm>
+          <a:prstGeom prst="rect">
+            <a:avLst/>
+          </a:prstGeom>
+        </p:spPr>
+      </p:pic>
+      <p:pic>
+        <p:nvPicPr>
+          <p:cNvPr id="2" name="Picture 1"/>
+          <p:cNvPicPr>
+            <a:picLocks noChangeAspect="1"/>
+          </p:cNvPicPr>
+          <p:nvPr/>
+        </p:nvPicPr>
+        <p:blipFill>
+          <a:blip r:embed="rId8"/>
+          <a:stretch>
+            <a:fillRect/>
+          </a:stretch>
+        </p:blipFill>
+        <p:spPr>
+          <a:xfrm>
+            <a:off x="-126749" y="527617"/>
+            <a:ext cx="4350561" cy="4350561"/>
+          </a:xfrm>
+          <a:prstGeom prst="rect">
+            <a:avLst/>
+          </a:prstGeom>
+        </p:spPr>
+      </p:pic>
+      <p:pic>
+        <p:nvPicPr>
           <p:cNvPr id="106" name="Picture 105"/>
           <p:cNvPicPr>
             <a:picLocks noChangeAspect="1"/>
@@ -3104,7 +3661,7 @@
           <p:nvPr/>
         </p:nvPicPr>
         <p:blipFill>
-          <a:blip r:embed="rId2"/>
+          <a:blip r:embed="rId9"/>
           <a:stretch>
             <a:fillRect/>
           </a:stretch>
@@ -3119,417 +3676,378 @@
           </a:prstGeom>
         </p:spPr>
       </p:pic>
-      <p:grpSp>
-        <p:nvGrpSpPr>
-          <p:cNvPr id="145" name="Group 144"/>
-          <p:cNvGrpSpPr/>
+      <p:sp>
+        <p:nvSpPr>
+          <p:cNvPr id="123" name="Rectangle 122"/>
+          <p:cNvSpPr/>
           <p:nvPr/>
-        </p:nvGrpSpPr>
-        <p:grpSpPr>
+        </p:nvSpPr>
+        <p:spPr>
           <a:xfrm>
-            <a:off x="-90000" y="558429"/>
-            <a:ext cx="4309098" cy="4309098"/>
-            <a:chOff x="65744" y="0"/>
-            <a:chExt cx="4309098" cy="4309098"/>
+            <a:off x="2081507" y="2336475"/>
+            <a:ext cx="901961" cy="369332"/>
           </a:xfrm>
-        </p:grpSpPr>
-        <p:pic>
-          <p:nvPicPr>
-            <p:cNvPr id="138" name="Picture 137"/>
-            <p:cNvPicPr>
-              <a:picLocks noChangeAspect="1"/>
-            </p:cNvPicPr>
-            <p:nvPr/>
-          </p:nvPicPr>
-          <p:blipFill>
-            <a:blip r:embed="rId3"/>
-            <a:stretch>
-              <a:fillRect/>
-            </a:stretch>
-          </p:blipFill>
-          <p:spPr>
-            <a:xfrm>
-              <a:off x="65744" y="0"/>
-              <a:ext cx="4309098" cy="4309098"/>
-            </a:xfrm>
-            <a:prstGeom prst="rect">
-              <a:avLst/>
-            </a:prstGeom>
-          </p:spPr>
-        </p:pic>
-        <p:sp>
-          <p:nvSpPr>
-            <p:cNvPr id="123" name="Rectangle 122"/>
-            <p:cNvSpPr/>
-            <p:nvPr/>
-          </p:nvSpPr>
-          <p:spPr>
-            <a:xfrm>
-              <a:off x="2237251" y="1778046"/>
-              <a:ext cx="901961" cy="369332"/>
-            </a:xfrm>
-            <a:prstGeom prst="rect">
-              <a:avLst/>
-            </a:prstGeom>
-          </p:spPr>
-          <p:txBody>
-            <a:bodyPr wrap="square">
-              <a:spAutoFit/>
-            </a:bodyPr>
-            <a:lstStyle/>
-            <a:p>
-              <a:r>
-                <a:rPr lang="en-US" i="1" dirty="0">
-                  <a:latin typeface="Times New Roman"/>
-                  <a:cs typeface="Times New Roman"/>
-                </a:rPr>
-                <a:t>β</a:t>
-              </a:r>
-              <a:r>
-                <a:rPr lang="en-US" dirty="0" smtClean="0">
-                  <a:effectLst/>
-                  <a:latin typeface="Times New Roman"/>
-                  <a:cs typeface="Times New Roman"/>
-                </a:rPr>
-                <a:t> </a:t>
-              </a:r>
-              <a:endParaRPr lang="en-US" dirty="0">
+          <a:prstGeom prst="rect">
+            <a:avLst/>
+          </a:prstGeom>
+        </p:spPr>
+        <p:txBody>
+          <a:bodyPr wrap="square">
+            <a:spAutoFit/>
+          </a:bodyPr>
+          <a:lstStyle/>
+          <a:p>
+            <a:r>
+              <a:rPr lang="en-US" i="1" dirty="0">
                 <a:latin typeface="Times New Roman"/>
                 <a:cs typeface="Times New Roman"/>
-              </a:endParaRPr>
-            </a:p>
-          </p:txBody>
-        </p:sp>
-        <p:sp>
-          <p:nvSpPr>
-            <p:cNvPr id="124" name="Circular Arrow 123"/>
-            <p:cNvSpPr/>
-            <p:nvPr/>
-          </p:nvSpPr>
-          <p:spPr>
-            <a:xfrm rot="4728370" flipH="1">
-              <a:off x="1612070" y="1582350"/>
-              <a:ext cx="1149449" cy="1176757"/>
-            </a:xfrm>
-            <a:prstGeom prst="circularArrow">
-              <a:avLst>
-                <a:gd name="adj1" fmla="val 4666"/>
-                <a:gd name="adj2" fmla="val 893644"/>
-                <a:gd name="adj3" fmla="val 20535443"/>
-                <a:gd name="adj4" fmla="val 15674191"/>
-                <a:gd name="adj5" fmla="val 5581"/>
-              </a:avLst>
-            </a:prstGeom>
+              </a:rPr>
+              <a:t>β</a:t>
+            </a:r>
+            <a:r>
+              <a:rPr lang="en-US" dirty="0" smtClean="0">
+                <a:effectLst/>
+                <a:latin typeface="Times New Roman"/>
+                <a:cs typeface="Times New Roman"/>
+              </a:rPr>
+              <a:t> </a:t>
+            </a:r>
+            <a:endParaRPr lang="en-US" dirty="0">
+              <a:latin typeface="Times New Roman"/>
+              <a:cs typeface="Times New Roman"/>
+            </a:endParaRPr>
+          </a:p>
+        </p:txBody>
+      </p:sp>
+      <p:sp>
+        <p:nvSpPr>
+          <p:cNvPr id="124" name="Circular Arrow 123"/>
+          <p:cNvSpPr/>
+          <p:nvPr/>
+        </p:nvSpPr>
+        <p:spPr>
+          <a:xfrm rot="4728370" flipH="1">
+            <a:off x="1456326" y="2140779"/>
+            <a:ext cx="1149449" cy="1176757"/>
+          </a:xfrm>
+          <a:prstGeom prst="circularArrow">
+            <a:avLst>
+              <a:gd name="adj1" fmla="val 4666"/>
+              <a:gd name="adj2" fmla="val 893644"/>
+              <a:gd name="adj3" fmla="val 20535443"/>
+              <a:gd name="adj4" fmla="val 15674191"/>
+              <a:gd name="adj5" fmla="val 5581"/>
+            </a:avLst>
+          </a:prstGeom>
+          <a:solidFill>
+            <a:schemeClr val="tx1"/>
+          </a:solidFill>
+          <a:ln>
+            <a:noFill/>
+          </a:ln>
+        </p:spPr>
+        <p:style>
+          <a:lnRef idx="1">
+            <a:schemeClr val="accent1"/>
+          </a:lnRef>
+          <a:fillRef idx="3">
+            <a:schemeClr val="accent1"/>
+          </a:fillRef>
+          <a:effectRef idx="2">
+            <a:schemeClr val="accent1"/>
+          </a:effectRef>
+          <a:fontRef idx="minor">
+            <a:schemeClr val="lt1"/>
+          </a:fontRef>
+        </p:style>
+        <p:txBody>
+          <a:bodyPr rtlCol="0" anchor="ctr"/>
+          <a:lstStyle/>
+          <a:p>
+            <a:pPr algn="ctr"/>
+            <a:endParaRPr lang="en-US">
+              <a:solidFill>
+                <a:schemeClr val="tx1"/>
+              </a:solidFill>
+            </a:endParaRPr>
+          </a:p>
+        </p:txBody>
+      </p:sp>
+      <p:cxnSp>
+        <p:nvCxnSpPr>
+          <p:cNvPr id="126" name="Straight Connector 125"/>
+          <p:cNvCxnSpPr/>
+          <p:nvPr/>
+        </p:nvCxnSpPr>
+        <p:spPr>
+          <a:xfrm>
+            <a:off x="2081507" y="2705807"/>
+            <a:ext cx="1233766" cy="0"/>
+          </a:xfrm>
+          <a:prstGeom prst="line">
+            <a:avLst/>
+          </a:prstGeom>
+          <a:ln>
             <a:solidFill>
               <a:schemeClr val="tx1"/>
             </a:solidFill>
-            <a:ln>
-              <a:noFill/>
-            </a:ln>
-          </p:spPr>
-          <p:style>
-            <a:lnRef idx="1">
-              <a:schemeClr val="accent1"/>
-            </a:lnRef>
-            <a:fillRef idx="3">
-              <a:schemeClr val="accent1"/>
-            </a:fillRef>
-            <a:effectRef idx="2">
-              <a:schemeClr val="accent1"/>
-            </a:effectRef>
-            <a:fontRef idx="minor">
-              <a:schemeClr val="lt1"/>
-            </a:fontRef>
-          </p:style>
-          <p:txBody>
-            <a:bodyPr rtlCol="0" anchor="ctr"/>
-            <a:lstStyle/>
-            <a:p>
-              <a:pPr algn="ctr"/>
-              <a:endParaRPr lang="en-US">
-                <a:solidFill>
-                  <a:schemeClr val="tx1"/>
-                </a:solidFill>
-              </a:endParaRPr>
-            </a:p>
-          </p:txBody>
-        </p:sp>
-        <p:cxnSp>
-          <p:nvCxnSpPr>
-            <p:cNvPr id="126" name="Straight Connector 125"/>
-            <p:cNvCxnSpPr/>
-            <p:nvPr/>
-          </p:nvCxnSpPr>
-          <p:spPr>
-            <a:xfrm>
-              <a:off x="2237251" y="2147378"/>
-              <a:ext cx="1233766" cy="0"/>
-            </a:xfrm>
-            <a:prstGeom prst="line">
-              <a:avLst/>
-            </a:prstGeom>
-            <a:ln>
-              <a:solidFill>
-                <a:schemeClr val="tx1"/>
-              </a:solidFill>
-            </a:ln>
-            <a:effectLst/>
-          </p:spPr>
-          <p:style>
-            <a:lnRef idx="2">
-              <a:schemeClr val="accent1"/>
-            </a:lnRef>
-            <a:fillRef idx="0">
-              <a:schemeClr val="accent1"/>
-            </a:fillRef>
-            <a:effectRef idx="1">
-              <a:schemeClr val="accent1"/>
-            </a:effectRef>
-            <a:fontRef idx="minor">
-              <a:schemeClr val="tx1"/>
-            </a:fontRef>
-          </p:style>
-        </p:cxnSp>
-        <p:sp>
-          <p:nvSpPr>
-            <p:cNvPr id="139" name="Rectangle 138"/>
-            <p:cNvSpPr/>
-            <p:nvPr/>
-          </p:nvSpPr>
-          <p:spPr>
-            <a:xfrm>
-              <a:off x="1866264" y="2352359"/>
-              <a:ext cx="742976" cy="369332"/>
-            </a:xfrm>
-            <a:prstGeom prst="rect">
-              <a:avLst/>
-            </a:prstGeom>
-            <a:solidFill>
-              <a:schemeClr val="bg1">
-                <a:alpha val="63000"/>
-              </a:schemeClr>
-            </a:solidFill>
-          </p:spPr>
-          <p:txBody>
-            <a:bodyPr wrap="square">
-              <a:spAutoFit/>
-            </a:bodyPr>
-            <a:lstStyle/>
-            <a:p>
-              <a:r>
-                <a:rPr lang="en-US" i="1" dirty="0" smtClean="0">
-                  <a:latin typeface="Times New Roman"/>
-                  <a:cs typeface="Times New Roman"/>
-                </a:rPr>
-                <a:t>A</a:t>
-              </a:r>
-              <a:r>
-                <a:rPr lang="en-US" dirty="0" smtClean="0">
-                  <a:latin typeface="Times New Roman"/>
-                  <a:cs typeface="Times New Roman"/>
-                </a:rPr>
-                <a:t>=3/4</a:t>
-              </a:r>
-              <a:r>
-                <a:rPr lang="en-US" dirty="0" smtClean="0">
-                  <a:effectLst/>
-                  <a:latin typeface="Times New Roman"/>
-                  <a:cs typeface="Times New Roman"/>
-                </a:rPr>
-                <a:t> </a:t>
-              </a:r>
-              <a:endParaRPr lang="en-US" dirty="0">
+          </a:ln>
+          <a:effectLst/>
+        </p:spPr>
+        <p:style>
+          <a:lnRef idx="2">
+            <a:schemeClr val="accent1"/>
+          </a:lnRef>
+          <a:fillRef idx="0">
+            <a:schemeClr val="accent1"/>
+          </a:fillRef>
+          <a:effectRef idx="1">
+            <a:schemeClr val="accent1"/>
+          </a:effectRef>
+          <a:fontRef idx="minor">
+            <a:schemeClr val="tx1"/>
+          </a:fontRef>
+        </p:style>
+      </p:cxnSp>
+      <p:sp>
+        <p:nvSpPr>
+          <p:cNvPr id="139" name="Rectangle 138"/>
+          <p:cNvSpPr/>
+          <p:nvPr/>
+        </p:nvSpPr>
+        <p:spPr>
+          <a:xfrm>
+            <a:off x="1710520" y="2910788"/>
+            <a:ext cx="742976" cy="369332"/>
+          </a:xfrm>
+          <a:prstGeom prst="rect">
+            <a:avLst/>
+          </a:prstGeom>
+          <a:solidFill>
+            <a:schemeClr val="bg1">
+              <a:alpha val="63000"/>
+            </a:schemeClr>
+          </a:solidFill>
+        </p:spPr>
+        <p:txBody>
+          <a:bodyPr wrap="square">
+            <a:spAutoFit/>
+          </a:bodyPr>
+          <a:lstStyle/>
+          <a:p>
+            <a:r>
+              <a:rPr lang="en-US" i="1" dirty="0" smtClean="0">
                 <a:latin typeface="Times New Roman"/>
                 <a:cs typeface="Times New Roman"/>
-              </a:endParaRPr>
-            </a:p>
-          </p:txBody>
-        </p:sp>
-        <p:sp>
-          <p:nvSpPr>
-            <p:cNvPr id="140" name="Rectangle 139"/>
-            <p:cNvSpPr/>
-            <p:nvPr/>
-          </p:nvSpPr>
-          <p:spPr>
-            <a:xfrm>
-              <a:off x="2018664" y="2689425"/>
-              <a:ext cx="513608" cy="369332"/>
-            </a:xfrm>
-            <a:prstGeom prst="rect">
-              <a:avLst/>
-            </a:prstGeom>
-            <a:solidFill>
-              <a:schemeClr val="bg1">
-                <a:alpha val="63000"/>
-              </a:schemeClr>
-            </a:solidFill>
-          </p:spPr>
-          <p:txBody>
-            <a:bodyPr wrap="square">
-              <a:spAutoFit/>
-            </a:bodyPr>
-            <a:lstStyle/>
-            <a:p>
-              <a:r>
-                <a:rPr lang="en-US" dirty="0" smtClean="0">
-                  <a:latin typeface="Times New Roman"/>
-                  <a:cs typeface="Times New Roman"/>
-                </a:rPr>
-                <a:t>1/2</a:t>
-              </a:r>
-              <a:r>
-                <a:rPr lang="en-US" dirty="0" smtClean="0">
-                  <a:effectLst/>
-                  <a:latin typeface="Times New Roman"/>
-                  <a:cs typeface="Times New Roman"/>
-                </a:rPr>
-                <a:t> </a:t>
-              </a:r>
-              <a:endParaRPr lang="en-US" dirty="0">
+              </a:rPr>
+              <a:t>A</a:t>
+            </a:r>
+            <a:r>
+              <a:rPr lang="en-US" dirty="0" smtClean="0">
                 <a:latin typeface="Times New Roman"/>
                 <a:cs typeface="Times New Roman"/>
-              </a:endParaRPr>
-            </a:p>
-          </p:txBody>
-        </p:sp>
-        <p:sp>
-          <p:nvSpPr>
-            <p:cNvPr id="141" name="Rectangle 140"/>
-            <p:cNvSpPr/>
-            <p:nvPr/>
-          </p:nvSpPr>
-          <p:spPr>
-            <a:xfrm>
-              <a:off x="2132575" y="3058757"/>
-              <a:ext cx="476665" cy="369332"/>
-            </a:xfrm>
-            <a:prstGeom prst="rect">
-              <a:avLst/>
-            </a:prstGeom>
-            <a:solidFill>
-              <a:schemeClr val="bg1">
-                <a:alpha val="63000"/>
-              </a:schemeClr>
-            </a:solidFill>
-          </p:spPr>
-          <p:txBody>
-            <a:bodyPr wrap="square">
-              <a:spAutoFit/>
-            </a:bodyPr>
-            <a:lstStyle/>
-            <a:p>
-              <a:r>
-                <a:rPr lang="en-US" dirty="0" smtClean="0">
-                  <a:latin typeface="Times New Roman"/>
-                  <a:cs typeface="Times New Roman"/>
-                </a:rPr>
-                <a:t>1/4</a:t>
-              </a:r>
-              <a:r>
-                <a:rPr lang="en-US" dirty="0" smtClean="0">
-                  <a:effectLst/>
-                  <a:latin typeface="Times New Roman"/>
-                  <a:cs typeface="Times New Roman"/>
-                </a:rPr>
-                <a:t> </a:t>
-              </a:r>
-              <a:endParaRPr lang="en-US" dirty="0">
+              </a:rPr>
+              <a:t>=3/4</a:t>
+            </a:r>
+            <a:r>
+              <a:rPr lang="en-US" dirty="0" smtClean="0">
+                <a:effectLst/>
                 <a:latin typeface="Times New Roman"/>
                 <a:cs typeface="Times New Roman"/>
-              </a:endParaRPr>
-            </a:p>
-          </p:txBody>
-        </p:sp>
-        <p:sp>
-          <p:nvSpPr>
-            <p:cNvPr id="143" name="Rectangle 142"/>
-            <p:cNvSpPr/>
-            <p:nvPr/>
-          </p:nvSpPr>
-          <p:spPr>
-            <a:xfrm>
-              <a:off x="2486090" y="3211157"/>
-              <a:ext cx="476665" cy="369332"/>
-            </a:xfrm>
-            <a:prstGeom prst="rect">
-              <a:avLst/>
-            </a:prstGeom>
-            <a:solidFill>
-              <a:schemeClr val="bg1">
-                <a:alpha val="63000"/>
-              </a:schemeClr>
-            </a:solidFill>
-          </p:spPr>
-          <p:txBody>
-            <a:bodyPr wrap="square">
-              <a:spAutoFit/>
-            </a:bodyPr>
-            <a:lstStyle/>
-            <a:p>
-              <a:r>
-                <a:rPr lang="en-US" dirty="0" smtClean="0">
-                  <a:latin typeface="Times New Roman"/>
-                  <a:cs typeface="Times New Roman"/>
-                </a:rPr>
-                <a:t>1/8</a:t>
-              </a:r>
-              <a:endParaRPr lang="en-US" dirty="0">
+              </a:rPr>
+              <a:t> </a:t>
+            </a:r>
+            <a:endParaRPr lang="en-US" dirty="0">
+              <a:latin typeface="Times New Roman"/>
+              <a:cs typeface="Times New Roman"/>
+            </a:endParaRPr>
+          </a:p>
+        </p:txBody>
+      </p:sp>
+      <p:sp>
+        <p:nvSpPr>
+          <p:cNvPr id="140" name="Rectangle 139"/>
+          <p:cNvSpPr/>
+          <p:nvPr/>
+        </p:nvSpPr>
+        <p:spPr>
+          <a:xfrm>
+            <a:off x="1862920" y="3247854"/>
+            <a:ext cx="513608" cy="369332"/>
+          </a:xfrm>
+          <a:prstGeom prst="rect">
+            <a:avLst/>
+          </a:prstGeom>
+          <a:solidFill>
+            <a:schemeClr val="bg1">
+              <a:alpha val="63000"/>
+            </a:schemeClr>
+          </a:solidFill>
+        </p:spPr>
+        <p:txBody>
+          <a:bodyPr wrap="square">
+            <a:spAutoFit/>
+          </a:bodyPr>
+          <a:lstStyle/>
+          <a:p>
+            <a:r>
+              <a:rPr lang="en-US" dirty="0" smtClean="0">
                 <a:latin typeface="Times New Roman"/>
                 <a:cs typeface="Times New Roman"/>
-              </a:endParaRPr>
-            </a:p>
-          </p:txBody>
-        </p:sp>
-        <p:sp>
-          <p:nvSpPr>
-            <p:cNvPr id="144" name="Rectangle 143"/>
-            <p:cNvSpPr/>
-            <p:nvPr/>
-          </p:nvSpPr>
-          <p:spPr>
-            <a:xfrm>
-              <a:off x="2962755" y="3395823"/>
-              <a:ext cx="670170" cy="369332"/>
-            </a:xfrm>
-            <a:prstGeom prst="rect">
-              <a:avLst/>
-            </a:prstGeom>
-            <a:solidFill>
-              <a:schemeClr val="bg1">
-                <a:alpha val="63000"/>
-              </a:schemeClr>
-            </a:solidFill>
-          </p:spPr>
-          <p:txBody>
-            <a:bodyPr wrap="square">
-              <a:spAutoFit/>
-            </a:bodyPr>
-            <a:lstStyle/>
-            <a:p>
-              <a:r>
-                <a:rPr lang="en-US" dirty="0" smtClean="0">
-                  <a:latin typeface="Times New Roman"/>
-                  <a:cs typeface="Times New Roman"/>
-                </a:rPr>
-                <a:t>1/16</a:t>
-              </a:r>
-              <a:r>
-                <a:rPr lang="en-US" dirty="0" smtClean="0">
-                  <a:effectLst/>
-                  <a:latin typeface="Times New Roman"/>
-                  <a:cs typeface="Times New Roman"/>
-                </a:rPr>
-                <a:t> </a:t>
-              </a:r>
-              <a:endParaRPr lang="en-US" dirty="0">
+              </a:rPr>
+              <a:t>1/2</a:t>
+            </a:r>
+            <a:r>
+              <a:rPr lang="en-US" dirty="0" smtClean="0">
+                <a:effectLst/>
                 <a:latin typeface="Times New Roman"/>
                 <a:cs typeface="Times New Roman"/>
-              </a:endParaRPr>
-            </a:p>
-          </p:txBody>
-        </p:sp>
-      </p:grpSp>
+              </a:rPr>
+              <a:t> </a:t>
+            </a:r>
+            <a:endParaRPr lang="en-US" dirty="0">
+              <a:latin typeface="Times New Roman"/>
+              <a:cs typeface="Times New Roman"/>
+            </a:endParaRPr>
+          </a:p>
+        </p:txBody>
+      </p:sp>
+      <p:sp>
+        <p:nvSpPr>
+          <p:cNvPr id="141" name="Rectangle 140"/>
+          <p:cNvSpPr/>
+          <p:nvPr/>
+        </p:nvSpPr>
+        <p:spPr>
+          <a:xfrm>
+            <a:off x="1976831" y="3617186"/>
+            <a:ext cx="476665" cy="369332"/>
+          </a:xfrm>
+          <a:prstGeom prst="rect">
+            <a:avLst/>
+          </a:prstGeom>
+          <a:solidFill>
+            <a:schemeClr val="bg1">
+              <a:alpha val="63000"/>
+            </a:schemeClr>
+          </a:solidFill>
+        </p:spPr>
+        <p:txBody>
+          <a:bodyPr wrap="square">
+            <a:spAutoFit/>
+          </a:bodyPr>
+          <a:lstStyle/>
+          <a:p>
+            <a:r>
+              <a:rPr lang="en-US" dirty="0" smtClean="0">
+                <a:latin typeface="Times New Roman"/>
+                <a:cs typeface="Times New Roman"/>
+              </a:rPr>
+              <a:t>1/4</a:t>
+            </a:r>
+            <a:r>
+              <a:rPr lang="en-US" dirty="0" smtClean="0">
+                <a:effectLst/>
+                <a:latin typeface="Times New Roman"/>
+                <a:cs typeface="Times New Roman"/>
+              </a:rPr>
+              <a:t> </a:t>
+            </a:r>
+            <a:endParaRPr lang="en-US" dirty="0">
+              <a:latin typeface="Times New Roman"/>
+              <a:cs typeface="Times New Roman"/>
+            </a:endParaRPr>
+          </a:p>
+        </p:txBody>
+      </p:sp>
+      <p:sp>
+        <p:nvSpPr>
+          <p:cNvPr id="143" name="Rectangle 142"/>
+          <p:cNvSpPr/>
+          <p:nvPr/>
+        </p:nvSpPr>
+        <p:spPr>
+          <a:xfrm>
+            <a:off x="2330346" y="3769586"/>
+            <a:ext cx="476665" cy="369332"/>
+          </a:xfrm>
+          <a:prstGeom prst="rect">
+            <a:avLst/>
+          </a:prstGeom>
+          <a:solidFill>
+            <a:schemeClr val="bg1">
+              <a:alpha val="63000"/>
+            </a:schemeClr>
+          </a:solidFill>
+        </p:spPr>
+        <p:txBody>
+          <a:bodyPr wrap="square">
+            <a:spAutoFit/>
+          </a:bodyPr>
+          <a:lstStyle/>
+          <a:p>
+            <a:r>
+              <a:rPr lang="en-US" dirty="0" smtClean="0">
+                <a:latin typeface="Times New Roman"/>
+                <a:cs typeface="Times New Roman"/>
+              </a:rPr>
+              <a:t>1/8</a:t>
+            </a:r>
+            <a:endParaRPr lang="en-US" dirty="0">
+              <a:latin typeface="Times New Roman"/>
+              <a:cs typeface="Times New Roman"/>
+            </a:endParaRPr>
+          </a:p>
+        </p:txBody>
+      </p:sp>
+      <p:sp>
+        <p:nvSpPr>
+          <p:cNvPr id="144" name="Rectangle 143"/>
+          <p:cNvSpPr/>
+          <p:nvPr/>
+        </p:nvSpPr>
+        <p:spPr>
+          <a:xfrm>
+            <a:off x="2807011" y="3954252"/>
+            <a:ext cx="670170" cy="369332"/>
+          </a:xfrm>
+          <a:prstGeom prst="rect">
+            <a:avLst/>
+          </a:prstGeom>
+          <a:solidFill>
+            <a:schemeClr val="bg1">
+              <a:alpha val="63000"/>
+            </a:schemeClr>
+          </a:solidFill>
+        </p:spPr>
+        <p:txBody>
+          <a:bodyPr wrap="square">
+            <a:spAutoFit/>
+          </a:bodyPr>
+          <a:lstStyle/>
+          <a:p>
+            <a:r>
+              <a:rPr lang="en-US" dirty="0" smtClean="0">
+                <a:latin typeface="Times New Roman"/>
+                <a:cs typeface="Times New Roman"/>
+              </a:rPr>
+              <a:t>1/16</a:t>
+            </a:r>
+            <a:r>
+              <a:rPr lang="en-US" dirty="0" smtClean="0">
+                <a:effectLst/>
+                <a:latin typeface="Times New Roman"/>
+                <a:cs typeface="Times New Roman"/>
+              </a:rPr>
+              <a:t> </a:t>
+            </a:r>
+            <a:endParaRPr lang="en-US" dirty="0">
+              <a:latin typeface="Times New Roman"/>
+              <a:cs typeface="Times New Roman"/>
+            </a:endParaRPr>
+          </a:p>
+        </p:txBody>
+      </p:sp>
       <p:grpSp>
         <p:nvGrpSpPr>
           <p:cNvPr id="155" name="Group 154"/>
@@ -3553,7 +4071,7 @@
             <p:nvPr/>
           </p:nvPicPr>
           <p:blipFill>
-            <a:blip r:embed="rId4">
+            <a:blip r:embed="rId10">
               <a:extLst>
                 <a:ext uri="{28A0092B-C50C-407E-A947-70E740481C1C}">
                   <a14:useLocalDpi xmlns:a14="http://schemas.microsoft.com/office/drawing/2010/main" val="0"/>
@@ -3664,7 +4182,7 @@
             <p:nvPr/>
           </p:nvPicPr>
           <p:blipFill>
-            <a:blip r:embed="rId5">
+            <a:blip r:embed="rId11">
               <a:extLst>
                 <a:ext uri="{28A0092B-C50C-407E-A947-70E740481C1C}">
                   <a14:useLocalDpi xmlns:a14="http://schemas.microsoft.com/office/drawing/2010/main" val="0"/>
@@ -3754,190 +4272,6 @@
       </p:grpSp>
       <p:pic>
         <p:nvPicPr>
-          <p:cNvPr id="149" name="Picture 148"/>
-          <p:cNvPicPr>
-            <a:picLocks noChangeAspect="1"/>
-          </p:cNvPicPr>
-          <p:nvPr/>
-        </p:nvPicPr>
-        <p:blipFill>
-          <a:blip r:embed="rId6"/>
-          <a:stretch>
-            <a:fillRect/>
-          </a:stretch>
-        </p:blipFill>
-        <p:spPr>
-          <a:xfrm>
-            <a:off x="10992739" y="-22083"/>
-            <a:ext cx="4450460" cy="2756813"/>
-          </a:xfrm>
-          <a:prstGeom prst="rect">
-            <a:avLst/>
-          </a:prstGeom>
-        </p:spPr>
-      </p:pic>
-      <p:pic>
-        <p:nvPicPr>
-          <p:cNvPr id="150" name="Picture 149"/>
-          <p:cNvPicPr>
-            <a:picLocks noChangeAspect="1"/>
-          </p:cNvPicPr>
-          <p:nvPr/>
-        </p:nvPicPr>
-        <p:blipFill>
-          <a:blip r:embed="rId7"/>
-          <a:stretch>
-            <a:fillRect/>
-          </a:stretch>
-        </p:blipFill>
-        <p:spPr>
-          <a:xfrm>
-            <a:off x="11072537" y="2734730"/>
-            <a:ext cx="4450460" cy="2793900"/>
-          </a:xfrm>
-          <a:prstGeom prst="rect">
-            <a:avLst/>
-          </a:prstGeom>
-        </p:spPr>
-      </p:pic>
-      <p:pic>
-        <p:nvPicPr>
-          <p:cNvPr id="151" name="Picture 150"/>
-          <p:cNvPicPr>
-            <a:picLocks noChangeAspect="1"/>
-          </p:cNvPicPr>
-          <p:nvPr/>
-        </p:nvPicPr>
-        <p:blipFill>
-          <a:blip r:embed="rId8"/>
-          <a:stretch>
-            <a:fillRect/>
-          </a:stretch>
-        </p:blipFill>
-        <p:spPr>
-          <a:xfrm>
-            <a:off x="6486613" y="2561366"/>
-            <a:ext cx="4405955" cy="2937303"/>
-          </a:xfrm>
-          <a:prstGeom prst="rect">
-            <a:avLst/>
-          </a:prstGeom>
-        </p:spPr>
-      </p:pic>
-      <p:pic>
-        <p:nvPicPr>
-          <p:cNvPr id="152" name="Picture 151"/>
-          <p:cNvPicPr>
-            <a:picLocks noChangeAspect="1"/>
-          </p:cNvPicPr>
-          <p:nvPr/>
-        </p:nvPicPr>
-        <p:blipFill>
-          <a:blip r:embed="rId9"/>
-          <a:stretch>
-            <a:fillRect/>
-          </a:stretch>
-        </p:blipFill>
-        <p:spPr>
-          <a:xfrm>
-            <a:off x="6554345" y="-141803"/>
-            <a:ext cx="4450460" cy="2868074"/>
-          </a:xfrm>
-          <a:prstGeom prst="rect">
-            <a:avLst/>
-          </a:prstGeom>
-        </p:spPr>
-      </p:pic>
-      <p:sp>
-        <p:nvSpPr>
-          <p:cNvPr id="153" name="TextBox 152"/>
-          <p:cNvSpPr txBox="1"/>
-          <p:nvPr/>
-        </p:nvSpPr>
-        <p:spPr>
-          <a:xfrm>
-            <a:off x="6853673" y="67567"/>
-            <a:ext cx="813480" cy="338554"/>
-          </a:xfrm>
-          <a:prstGeom prst="rect">
-            <a:avLst/>
-          </a:prstGeom>
-          <a:noFill/>
-        </p:spPr>
-        <p:txBody>
-          <a:bodyPr wrap="square" rtlCol="0">
-            <a:spAutoFit/>
-          </a:bodyPr>
-          <a:lstStyle/>
-          <a:p>
-            <a:r>
-              <a:rPr lang="en-US" sz="1600" i="1" dirty="0" smtClean="0">
-                <a:solidFill>
-                  <a:schemeClr val="tx1">
-                    <a:lumMod val="50000"/>
-                    <a:lumOff val="50000"/>
-                  </a:schemeClr>
-                </a:solidFill>
-              </a:rPr>
-              <a:t>x</a:t>
-            </a:r>
-            <a:endParaRPr lang="en-US" sz="1600" i="1" dirty="0">
-              <a:solidFill>
-                <a:schemeClr val="tx1">
-                  <a:lumMod val="50000"/>
-                  <a:lumOff val="50000"/>
-                </a:schemeClr>
-              </a:solidFill>
-            </a:endParaRPr>
-          </a:p>
-        </p:txBody>
-      </p:sp>
-      <p:sp>
-        <p:nvSpPr>
-          <p:cNvPr id="154" name="TextBox 153"/>
-          <p:cNvSpPr txBox="1"/>
-          <p:nvPr/>
-        </p:nvSpPr>
-        <p:spPr>
-          <a:xfrm>
-            <a:off x="6874364" y="-90323"/>
-            <a:ext cx="813480" cy="338554"/>
-          </a:xfrm>
-          <a:prstGeom prst="rect">
-            <a:avLst/>
-          </a:prstGeom>
-          <a:noFill/>
-        </p:spPr>
-        <p:txBody>
-          <a:bodyPr wrap="square" rtlCol="0">
-            <a:spAutoFit/>
-          </a:bodyPr>
-          <a:lstStyle/>
-          <a:p>
-            <a:r>
-              <a:rPr lang="en-US" sz="1600" i="1" dirty="0" smtClean="0">
-                <a:solidFill>
-                  <a:schemeClr val="tx1">
-                    <a:lumMod val="50000"/>
-                    <a:lumOff val="50000"/>
-                  </a:schemeClr>
-                </a:solidFill>
-              </a:rPr>
-              <a:t>_</a:t>
-            </a:r>
-            <a:endParaRPr lang="en-US" sz="1600" i="1" dirty="0">
-              <a:solidFill>
-                <a:schemeClr val="tx1">
-                  <a:lumMod val="50000"/>
-                  <a:lumOff val="50000"/>
-                </a:schemeClr>
-              </a:solidFill>
-            </a:endParaRPr>
-          </a:p>
-        </p:txBody>
-      </p:sp>
-      <p:pic>
-        <p:nvPicPr>
           <p:cNvPr id="131" name="Picture 130"/>
           <p:cNvPicPr>
             <a:picLocks noChangeAspect="1"/>
@@ -3945,14 +4279,14 @@
           <p:nvPr/>
         </p:nvPicPr>
         <p:blipFill>
-          <a:blip r:embed="rId10"/>
+          <a:blip r:embed="rId12"/>
           <a:stretch>
             <a:fillRect/>
           </a:stretch>
         </p:blipFill>
         <p:spPr>
-          <a:xfrm rot="2607298">
-            <a:off x="3526072" y="-88520"/>
+          <a:xfrm rot="8275030">
+            <a:off x="3521972" y="138647"/>
             <a:ext cx="506466" cy="621431"/>
           </a:xfrm>
           <a:prstGeom prst="rect">
@@ -3969,14 +4303,14 @@
           <p:nvPr/>
         </p:nvPicPr>
         <p:blipFill>
-          <a:blip r:embed="rId10"/>
+          <a:blip r:embed="rId12"/>
           <a:stretch>
             <a:fillRect/>
           </a:stretch>
         </p:blipFill>
         <p:spPr>
-          <a:xfrm rot="2607298">
-            <a:off x="4103007" y="2815278"/>
+          <a:xfrm rot="8808167">
+            <a:off x="4061551" y="2822671"/>
             <a:ext cx="506466" cy="621431"/>
           </a:xfrm>
           <a:prstGeom prst="rect">
@@ -3984,6 +4318,462 @@
           </a:prstGeom>
         </p:spPr>
       </p:pic>
+      <p:graphicFrame>
+        <p:nvGraphicFramePr>
+          <p:cNvPr id="31" name="Object 30"/>
+          <p:cNvGraphicFramePr>
+            <a:graphicFrameLocks noChangeAspect="1"/>
+          </p:cNvGraphicFramePr>
+          <p:nvPr>
+            <p:extLst>
+              <p:ext uri="{D42A27DB-BD31-4B8C-83A1-F6EECF244321}">
+                <p14:modId xmlns:p14="http://schemas.microsoft.com/office/powerpoint/2010/main" val="414380794"/>
+              </p:ext>
+            </p:extLst>
+          </p:nvPr>
+        </p:nvGraphicFramePr>
+        <p:xfrm>
+          <a:off x="6886304" y="2873051"/>
+          <a:ext cx="488060" cy="579571"/>
+        </p:xfrm>
+        <a:graphic>
+          <a:graphicData uri="http://schemas.openxmlformats.org/presentationml/2006/ole">
+            <mc:AlternateContent xmlns:mc="http://schemas.openxmlformats.org/markup-compatibility/2006">
+              <mc:Choice xmlns:v="urn:schemas-microsoft-com:vml" Requires="v">
+                <p:oleObj spid="_x0000_s1038" name="Equation" r:id="rId13" imgW="203200" imgH="241300" progId="Equation.3">
+                  <p:embed/>
+                </p:oleObj>
+              </mc:Choice>
+              <mc:Fallback>
+                <p:oleObj name="Equation" r:id="rId13" imgW="203200" imgH="241300" progId="Equation.3">
+                  <p:embed/>
+                  <p:pic>
+                    <p:nvPicPr>
+                      <p:cNvPr id="0" name=""/>
+                      <p:cNvPicPr/>
+                      <p:nvPr/>
+                    </p:nvPicPr>
+                    <p:blipFill>
+                      <a:blip r:embed="rId14"/>
+                      <a:stretch>
+                        <a:fillRect/>
+                      </a:stretch>
+                    </p:blipFill>
+                    <p:spPr>
+                      <a:xfrm>
+                        <a:off x="6886304" y="2873051"/>
+                        <a:ext cx="488060" cy="579571"/>
+                      </a:xfrm>
+                      <a:prstGeom prst="rect">
+                        <a:avLst/>
+                      </a:prstGeom>
+                    </p:spPr>
+                  </p:pic>
+                </p:oleObj>
+              </mc:Fallback>
+            </mc:AlternateContent>
+          </a:graphicData>
+        </a:graphic>
+      </p:graphicFrame>
+      <p:graphicFrame>
+        <p:nvGraphicFramePr>
+          <p:cNvPr id="32" name="Object 31"/>
+          <p:cNvGraphicFramePr>
+            <a:graphicFrameLocks noChangeAspect="1"/>
+          </p:cNvGraphicFramePr>
+          <p:nvPr>
+            <p:extLst>
+              <p:ext uri="{D42A27DB-BD31-4B8C-83A1-F6EECF244321}">
+                <p14:modId xmlns:p14="http://schemas.microsoft.com/office/powerpoint/2010/main" val="1155614512"/>
+              </p:ext>
+            </p:extLst>
+          </p:nvPr>
+        </p:nvGraphicFramePr>
+        <p:xfrm>
+          <a:off x="11417826" y="3097029"/>
+          <a:ext cx="549275" cy="549275"/>
+        </p:xfrm>
+        <a:graphic>
+          <a:graphicData uri="http://schemas.openxmlformats.org/presentationml/2006/ole">
+            <mc:AlternateContent xmlns:mc="http://schemas.openxmlformats.org/markup-compatibility/2006">
+              <mc:Choice xmlns:v="urn:schemas-microsoft-com:vml" Requires="v">
+                <p:oleObj spid="_x0000_s1039" name="Equation" r:id="rId15" imgW="228600" imgH="228600" progId="Equation.3">
+                  <p:embed/>
+                </p:oleObj>
+              </mc:Choice>
+              <mc:Fallback>
+                <p:oleObj name="Equation" r:id="rId15" imgW="228600" imgH="228600" progId="Equation.3">
+                  <p:embed/>
+                  <p:pic>
+                    <p:nvPicPr>
+                      <p:cNvPr id="0" name=""/>
+                      <p:cNvPicPr/>
+                      <p:nvPr/>
+                    </p:nvPicPr>
+                    <p:blipFill>
+                      <a:blip r:embed="rId16"/>
+                      <a:stretch>
+                        <a:fillRect/>
+                      </a:stretch>
+                    </p:blipFill>
+                    <p:spPr>
+                      <a:xfrm>
+                        <a:off x="11417826" y="3097029"/>
+                        <a:ext cx="549275" cy="549275"/>
+                      </a:xfrm>
+                      <a:prstGeom prst="rect">
+                        <a:avLst/>
+                      </a:prstGeom>
+                    </p:spPr>
+                  </p:pic>
+                </p:oleObj>
+              </mc:Fallback>
+            </mc:AlternateContent>
+          </a:graphicData>
+        </a:graphic>
+      </p:graphicFrame>
+      <p:graphicFrame>
+        <p:nvGraphicFramePr>
+          <p:cNvPr id="33" name="Object 32"/>
+          <p:cNvGraphicFramePr>
+            <a:graphicFrameLocks noChangeAspect="1"/>
+          </p:cNvGraphicFramePr>
+          <p:nvPr>
+            <p:extLst>
+              <p:ext uri="{D42A27DB-BD31-4B8C-83A1-F6EECF244321}">
+                <p14:modId xmlns:p14="http://schemas.microsoft.com/office/powerpoint/2010/main" val="2176131459"/>
+              </p:ext>
+            </p:extLst>
+          </p:nvPr>
+        </p:nvGraphicFramePr>
+        <p:xfrm>
+          <a:off x="11443230" y="-25933"/>
+          <a:ext cx="581025" cy="549275"/>
+        </p:xfrm>
+        <a:graphic>
+          <a:graphicData uri="http://schemas.openxmlformats.org/presentationml/2006/ole">
+            <mc:AlternateContent xmlns:mc="http://schemas.openxmlformats.org/markup-compatibility/2006">
+              <mc:Choice xmlns:v="urn:schemas-microsoft-com:vml" Requires="v">
+                <p:oleObj spid="_x0000_s1040" name="Equation" r:id="rId17" imgW="241300" imgH="228600" progId="Equation.3">
+                  <p:embed/>
+                </p:oleObj>
+              </mc:Choice>
+              <mc:Fallback>
+                <p:oleObj name="Equation" r:id="rId17" imgW="241300" imgH="228600" progId="Equation.3">
+                  <p:embed/>
+                  <p:pic>
+                    <p:nvPicPr>
+                      <p:cNvPr id="0" name=""/>
+                      <p:cNvPicPr/>
+                      <p:nvPr/>
+                    </p:nvPicPr>
+                    <p:blipFill>
+                      <a:blip r:embed="rId18"/>
+                      <a:stretch>
+                        <a:fillRect/>
+                      </a:stretch>
+                    </p:blipFill>
+                    <p:spPr>
+                      <a:xfrm>
+                        <a:off x="11443230" y="-25933"/>
+                        <a:ext cx="581025" cy="549275"/>
+                      </a:xfrm>
+                      <a:prstGeom prst="rect">
+                        <a:avLst/>
+                      </a:prstGeom>
+                    </p:spPr>
+                  </p:pic>
+                </p:oleObj>
+              </mc:Fallback>
+            </mc:AlternateContent>
+          </a:graphicData>
+        </a:graphic>
+      </p:graphicFrame>
+      <p:graphicFrame>
+        <p:nvGraphicFramePr>
+          <p:cNvPr id="34" name="Object 33"/>
+          <p:cNvGraphicFramePr>
+            <a:graphicFrameLocks noChangeAspect="1"/>
+          </p:cNvGraphicFramePr>
+          <p:nvPr>
+            <p:extLst>
+              <p:ext uri="{D42A27DB-BD31-4B8C-83A1-F6EECF244321}">
+                <p14:modId xmlns:p14="http://schemas.microsoft.com/office/powerpoint/2010/main" val="3363504058"/>
+              </p:ext>
+            </p:extLst>
+          </p:nvPr>
+        </p:nvGraphicFramePr>
+        <p:xfrm>
+          <a:off x="7206089" y="49038"/>
+          <a:ext cx="336550" cy="395288"/>
+        </p:xfrm>
+        <a:graphic>
+          <a:graphicData uri="http://schemas.openxmlformats.org/presentationml/2006/ole">
+            <mc:AlternateContent xmlns:mc="http://schemas.openxmlformats.org/markup-compatibility/2006">
+              <mc:Choice xmlns:v="urn:schemas-microsoft-com:vml" Requires="v">
+                <p:oleObj spid="_x0000_s1041" name="Equation" r:id="rId19" imgW="139700" imgH="165100" progId="Equation.3">
+                  <p:embed/>
+                </p:oleObj>
+              </mc:Choice>
+              <mc:Fallback>
+                <p:oleObj name="Equation" r:id="rId19" imgW="139700" imgH="165100" progId="Equation.3">
+                  <p:embed/>
+                  <p:pic>
+                    <p:nvPicPr>
+                      <p:cNvPr id="0" name=""/>
+                      <p:cNvPicPr/>
+                      <p:nvPr/>
+                    </p:nvPicPr>
+                    <p:blipFill>
+                      <a:blip r:embed="rId20"/>
+                      <a:stretch>
+                        <a:fillRect/>
+                      </a:stretch>
+                    </p:blipFill>
+                    <p:spPr>
+                      <a:xfrm>
+                        <a:off x="7206089" y="49038"/>
+                        <a:ext cx="336550" cy="395288"/>
+                      </a:xfrm>
+                      <a:prstGeom prst="rect">
+                        <a:avLst/>
+                      </a:prstGeom>
+                    </p:spPr>
+                  </p:pic>
+                </p:oleObj>
+              </mc:Fallback>
+            </mc:AlternateContent>
+          </a:graphicData>
+        </a:graphic>
+      </p:graphicFrame>
+      <p:graphicFrame>
+        <p:nvGraphicFramePr>
+          <p:cNvPr id="44" name="Object 43"/>
+          <p:cNvGraphicFramePr>
+            <a:graphicFrameLocks noChangeAspect="1"/>
+          </p:cNvGraphicFramePr>
+          <p:nvPr>
+            <p:extLst>
+              <p:ext uri="{D42A27DB-BD31-4B8C-83A1-F6EECF244321}">
+                <p14:modId xmlns:p14="http://schemas.microsoft.com/office/powerpoint/2010/main" val="2173942228"/>
+              </p:ext>
+            </p:extLst>
+          </p:nvPr>
+        </p:nvGraphicFramePr>
+        <p:xfrm>
+          <a:off x="10626201" y="2153912"/>
+          <a:ext cx="368300" cy="365125"/>
+        </p:xfrm>
+        <a:graphic>
+          <a:graphicData uri="http://schemas.openxmlformats.org/presentationml/2006/ole">
+            <mc:AlternateContent xmlns:mc="http://schemas.openxmlformats.org/markup-compatibility/2006">
+              <mc:Choice xmlns:v="urn:schemas-microsoft-com:vml" Requires="v">
+                <p:oleObj spid="_x0000_s1042" name="Equation" r:id="rId21" imgW="152400" imgH="152400" progId="Equation.3">
+                  <p:embed/>
+                </p:oleObj>
+              </mc:Choice>
+              <mc:Fallback>
+                <p:oleObj name="Equation" r:id="rId21" imgW="152400" imgH="152400" progId="Equation.3">
+                  <p:embed/>
+                  <p:pic>
+                    <p:nvPicPr>
+                      <p:cNvPr id="0" name=""/>
+                      <p:cNvPicPr/>
+                      <p:nvPr/>
+                    </p:nvPicPr>
+                    <p:blipFill>
+                      <a:blip r:embed="rId22"/>
+                      <a:stretch>
+                        <a:fillRect/>
+                      </a:stretch>
+                    </p:blipFill>
+                    <p:spPr>
+                      <a:xfrm>
+                        <a:off x="10626201" y="2153912"/>
+                        <a:ext cx="368300" cy="365125"/>
+                      </a:xfrm>
+                      <a:prstGeom prst="rect">
+                        <a:avLst/>
+                      </a:prstGeom>
+                    </p:spPr>
+                  </p:pic>
+                </p:oleObj>
+              </mc:Fallback>
+            </mc:AlternateContent>
+          </a:graphicData>
+        </a:graphic>
+      </p:graphicFrame>
+      <p:graphicFrame>
+        <p:nvGraphicFramePr>
+          <p:cNvPr id="45" name="Object 44"/>
+          <p:cNvGraphicFramePr>
+            <a:graphicFrameLocks noChangeAspect="1"/>
+          </p:cNvGraphicFramePr>
+          <p:nvPr>
+            <p:extLst>
+              <p:ext uri="{D42A27DB-BD31-4B8C-83A1-F6EECF244321}">
+                <p14:modId xmlns:p14="http://schemas.microsoft.com/office/powerpoint/2010/main" val="3469908124"/>
+              </p:ext>
+            </p:extLst>
+          </p:nvPr>
+        </p:nvGraphicFramePr>
+        <p:xfrm>
+          <a:off x="10594451" y="4878178"/>
+          <a:ext cx="368300" cy="365125"/>
+        </p:xfrm>
+        <a:graphic>
+          <a:graphicData uri="http://schemas.openxmlformats.org/presentationml/2006/ole">
+            <mc:AlternateContent xmlns:mc="http://schemas.openxmlformats.org/markup-compatibility/2006">
+              <mc:Choice xmlns:v="urn:schemas-microsoft-com:vml" Requires="v">
+                <p:oleObj spid="_x0000_s1043" name="Equation" r:id="rId23" imgW="152400" imgH="152400" progId="Equation.3">
+                  <p:embed/>
+                </p:oleObj>
+              </mc:Choice>
+              <mc:Fallback>
+                <p:oleObj name="Equation" r:id="rId23" imgW="152400" imgH="152400" progId="Equation.3">
+                  <p:embed/>
+                  <p:pic>
+                    <p:nvPicPr>
+                      <p:cNvPr id="0" name=""/>
+                      <p:cNvPicPr/>
+                      <p:nvPr/>
+                    </p:nvPicPr>
+                    <p:blipFill>
+                      <a:blip r:embed="rId22"/>
+                      <a:stretch>
+                        <a:fillRect/>
+                      </a:stretch>
+                    </p:blipFill>
+                    <p:spPr>
+                      <a:xfrm>
+                        <a:off x="10594451" y="4878178"/>
+                        <a:ext cx="368300" cy="365125"/>
+                      </a:xfrm>
+                      <a:prstGeom prst="rect">
+                        <a:avLst/>
+                      </a:prstGeom>
+                    </p:spPr>
+                  </p:pic>
+                </p:oleObj>
+              </mc:Fallback>
+            </mc:AlternateContent>
+          </a:graphicData>
+        </a:graphic>
+      </p:graphicFrame>
+      <p:graphicFrame>
+        <p:nvGraphicFramePr>
+          <p:cNvPr id="46" name="Object 45"/>
+          <p:cNvGraphicFramePr>
+            <a:graphicFrameLocks noChangeAspect="1"/>
+          </p:cNvGraphicFramePr>
+          <p:nvPr>
+            <p:extLst>
+              <p:ext uri="{D42A27DB-BD31-4B8C-83A1-F6EECF244321}">
+                <p14:modId xmlns:p14="http://schemas.microsoft.com/office/powerpoint/2010/main" val="3123288980"/>
+              </p:ext>
+            </p:extLst>
+          </p:nvPr>
+        </p:nvGraphicFramePr>
+        <p:xfrm>
+          <a:off x="15062200" y="2151208"/>
+          <a:ext cx="368300" cy="365125"/>
+        </p:xfrm>
+        <a:graphic>
+          <a:graphicData uri="http://schemas.openxmlformats.org/presentationml/2006/ole">
+            <mc:AlternateContent xmlns:mc="http://schemas.openxmlformats.org/markup-compatibility/2006">
+              <mc:Choice xmlns:v="urn:schemas-microsoft-com:vml" Requires="v">
+                <p:oleObj spid="_x0000_s1044" name="Equation" r:id="rId24" imgW="152400" imgH="152400" progId="Equation.3">
+                  <p:embed/>
+                </p:oleObj>
+              </mc:Choice>
+              <mc:Fallback>
+                <p:oleObj name="Equation" r:id="rId24" imgW="152400" imgH="152400" progId="Equation.3">
+                  <p:embed/>
+                  <p:pic>
+                    <p:nvPicPr>
+                      <p:cNvPr id="0" name=""/>
+                      <p:cNvPicPr/>
+                      <p:nvPr/>
+                    </p:nvPicPr>
+                    <p:blipFill>
+                      <a:blip r:embed="rId22"/>
+                      <a:stretch>
+                        <a:fillRect/>
+                      </a:stretch>
+                    </p:blipFill>
+                    <p:spPr>
+                      <a:xfrm>
+                        <a:off x="15062200" y="2151208"/>
+                        <a:ext cx="368300" cy="365125"/>
+                      </a:xfrm>
+                      <a:prstGeom prst="rect">
+                        <a:avLst/>
+                      </a:prstGeom>
+                    </p:spPr>
+                  </p:pic>
+                </p:oleObj>
+              </mc:Fallback>
+            </mc:AlternateContent>
+          </a:graphicData>
+        </a:graphic>
+      </p:graphicFrame>
+      <p:graphicFrame>
+        <p:nvGraphicFramePr>
+          <p:cNvPr id="47" name="Object 46"/>
+          <p:cNvGraphicFramePr>
+            <a:graphicFrameLocks noChangeAspect="1"/>
+          </p:cNvGraphicFramePr>
+          <p:nvPr>
+            <p:extLst>
+              <p:ext uri="{D42A27DB-BD31-4B8C-83A1-F6EECF244321}">
+                <p14:modId xmlns:p14="http://schemas.microsoft.com/office/powerpoint/2010/main" val="2955285718"/>
+              </p:ext>
+            </p:extLst>
+          </p:nvPr>
+        </p:nvGraphicFramePr>
+        <p:xfrm>
+          <a:off x="14992350" y="4862259"/>
+          <a:ext cx="368300" cy="365125"/>
+        </p:xfrm>
+        <a:graphic>
+          <a:graphicData uri="http://schemas.openxmlformats.org/presentationml/2006/ole">
+            <mc:AlternateContent xmlns:mc="http://schemas.openxmlformats.org/markup-compatibility/2006">
+              <mc:Choice xmlns:v="urn:schemas-microsoft-com:vml" Requires="v">
+                <p:oleObj spid="_x0000_s1045" name="Equation" r:id="rId25" imgW="152400" imgH="152400" progId="Equation.3">
+                  <p:embed/>
+                </p:oleObj>
+              </mc:Choice>
+              <mc:Fallback>
+                <p:oleObj name="Equation" r:id="rId25" imgW="152400" imgH="152400" progId="Equation.3">
+                  <p:embed/>
+                  <p:pic>
+                    <p:nvPicPr>
+                      <p:cNvPr id="0" name=""/>
+                      <p:cNvPicPr/>
+                      <p:nvPr/>
+                    </p:nvPicPr>
+                    <p:blipFill>
+                      <a:blip r:embed="rId22"/>
+                      <a:stretch>
+                        <a:fillRect/>
+                      </a:stretch>
+                    </p:blipFill>
+                    <p:spPr>
+                      <a:xfrm>
+                        <a:off x="14992350" y="4862259"/>
+                        <a:ext cx="368300" cy="365125"/>
+                      </a:xfrm>
+                      <a:prstGeom prst="rect">
+                        <a:avLst/>
+                      </a:prstGeom>
+                    </p:spPr>
+                  </p:pic>
+                </p:oleObj>
+              </mc:Fallback>
+            </mc:AlternateContent>
+          </a:graphicData>
+        </a:graphic>
+      </p:graphicFrame>
     </p:spTree>
     <p:extLst>
       <p:ext uri="{BB962C8B-B14F-4D97-AF65-F5344CB8AC3E}">
@@ -4315,4 +5105,324 @@
   </a:objectDefaults>
   <a:extraClrSchemeLst/>
 </a:theme>
+</file>
+
+<file path=ppt/theme/theme2.xml><?xml version="1.0" encoding="utf-8"?>
+<a:theme xmlns:a="http://schemas.openxmlformats.org/drawingml/2006/main" name="Office Theme">
+  <a:themeElements>
+    <a:clrScheme name="Office">
+      <a:dk1>
+        <a:sysClr val="windowText" lastClr="000000"/>
+      </a:dk1>
+      <a:lt1>
+        <a:sysClr val="window" lastClr="FFFFFF"/>
+      </a:lt1>
+      <a:dk2>
+        <a:srgbClr val="1F497D"/>
+      </a:dk2>
+      <a:lt2>
+        <a:srgbClr val="EEECE1"/>
+      </a:lt2>
+      <a:accent1>
+        <a:srgbClr val="4F81BD"/>
+      </a:accent1>
+      <a:accent2>
+        <a:srgbClr val="C0504D"/>
+      </a:accent2>
+      <a:accent3>
+        <a:srgbClr val="9BBB59"/>
+      </a:accent3>
+      <a:accent4>
+        <a:srgbClr val="8064A2"/>
+      </a:accent4>
+      <a:accent5>
+        <a:srgbClr val="4BACC6"/>
+      </a:accent5>
+      <a:accent6>
+        <a:srgbClr val="F79646"/>
+      </a:accent6>
+      <a:hlink>
+        <a:srgbClr val="0000FF"/>
+      </a:hlink>
+      <a:folHlink>
+        <a:srgbClr val="800080"/>
+      </a:folHlink>
+    </a:clrScheme>
+    <a:fontScheme name="Office">
+      <a:majorFont>
+        <a:latin typeface="Calibri"/>
+        <a:ea typeface=""/>
+        <a:cs typeface=""/>
+        <a:font script="Jpan" typeface="ＭＳ Ｐゴシック"/>
+        <a:font script="Hang" typeface="맑은 고딕"/>
+        <a:font script="Hans" typeface="宋体"/>
+        <a:font script="Hant" typeface="新細明體"/>
+        <a:font script="Arab" typeface="Times New Roman"/>
+        <a:font script="Hebr" typeface="Times New Roman"/>
+        <a:font script="Thai" typeface="Angsana New"/>
+        <a:font script="Ethi" typeface="Nyala"/>
+        <a:font script="Beng" typeface="Vrinda"/>
+        <a:font script="Gujr" typeface="Shruti"/>
+        <a:font script="Khmr" typeface="MoolBoran"/>
+        <a:font script="Knda" typeface="Tunga"/>
+        <a:font script="Guru" typeface="Raavi"/>
+        <a:font script="Cans" typeface="Euphemia"/>
+        <a:font script="Cher" typeface="Plantagenet Cherokee"/>
+        <a:font script="Yiii" typeface="Microsoft Yi Baiti"/>
+        <a:font script="Tibt" typeface="Microsoft Himalaya"/>
+        <a:font script="Thaa" typeface="MV Boli"/>
+        <a:font script="Deva" typeface="Mangal"/>
+        <a:font script="Telu" typeface="Gautami"/>
+        <a:font script="Taml" typeface="Latha"/>
+        <a:font script="Syrc" typeface="Estrangelo Edessa"/>
+        <a:font script="Orya" typeface="Kalinga"/>
+        <a:font script="Mlym" typeface="Kartika"/>
+        <a:font script="Laoo" typeface="DokChampa"/>
+        <a:font script="Sinh" typeface="Iskoola Pota"/>
+        <a:font script="Mong" typeface="Mongolian Baiti"/>
+        <a:font script="Viet" typeface="Times New Roman"/>
+        <a:font script="Uigh" typeface="Microsoft Uighur"/>
+        <a:font script="Geor" typeface="Sylfaen"/>
+      </a:majorFont>
+      <a:minorFont>
+        <a:latin typeface="Calibri"/>
+        <a:ea typeface=""/>
+        <a:cs typeface=""/>
+        <a:font script="Jpan" typeface="ＭＳ Ｐゴシック"/>
+        <a:font script="Hang" typeface="맑은 고딕"/>
+        <a:font script="Hans" typeface="宋体"/>
+        <a:font script="Hant" typeface="新細明體"/>
+        <a:font script="Arab" typeface="Arial"/>
+        <a:font script="Hebr" typeface="Arial"/>
+        <a:font script="Thai" typeface="Cordia New"/>
+        <a:font script="Ethi" typeface="Nyala"/>
+        <a:font script="Beng" typeface="Vrinda"/>
+        <a:font script="Gujr" typeface="Shruti"/>
+        <a:font script="Khmr" typeface="DaunPenh"/>
+        <a:font script="Knda" typeface="Tunga"/>
+        <a:font script="Guru" typeface="Raavi"/>
+        <a:font script="Cans" typeface="Euphemia"/>
+        <a:font script="Cher" typeface="Plantagenet Cherokee"/>
+        <a:font script="Yiii" typeface="Microsoft Yi Baiti"/>
+        <a:font script="Tibt" typeface="Microsoft Himalaya"/>
+        <a:font script="Thaa" typeface="MV Boli"/>
+        <a:font script="Deva" typeface="Mangal"/>
+        <a:font script="Telu" typeface="Gautami"/>
+        <a:font script="Taml" typeface="Latha"/>
+        <a:font script="Syrc" typeface="Estrangelo Edessa"/>
+        <a:font script="Orya" typeface="Kalinga"/>
+        <a:font script="Mlym" typeface="Kartika"/>
+        <a:font script="Laoo" typeface="DokChampa"/>
+        <a:font script="Sinh" typeface="Iskoola Pota"/>
+        <a:font script="Mong" typeface="Mongolian Baiti"/>
+        <a:font script="Viet" typeface="Arial"/>
+        <a:font script="Uigh" typeface="Microsoft Uighur"/>
+        <a:font script="Geor" typeface="Sylfaen"/>
+      </a:minorFont>
+    </a:fontScheme>
+    <a:fmtScheme name="Office">
+      <a:fillStyleLst>
+        <a:solidFill>
+          <a:schemeClr val="phClr"/>
+        </a:solidFill>
+        <a:gradFill rotWithShape="1">
+          <a:gsLst>
+            <a:gs pos="0">
+              <a:schemeClr val="phClr">
+                <a:tint val="50000"/>
+                <a:satMod val="300000"/>
+              </a:schemeClr>
+            </a:gs>
+            <a:gs pos="35000">
+              <a:schemeClr val="phClr">
+                <a:tint val="37000"/>
+                <a:satMod val="300000"/>
+              </a:schemeClr>
+            </a:gs>
+            <a:gs pos="100000">
+              <a:schemeClr val="phClr">
+                <a:tint val="15000"/>
+                <a:satMod val="350000"/>
+              </a:schemeClr>
+            </a:gs>
+          </a:gsLst>
+          <a:lin ang="16200000" scaled="1"/>
+        </a:gradFill>
+        <a:gradFill rotWithShape="1">
+          <a:gsLst>
+            <a:gs pos="0">
+              <a:schemeClr val="phClr">
+                <a:tint val="100000"/>
+                <a:shade val="100000"/>
+                <a:satMod val="130000"/>
+              </a:schemeClr>
+            </a:gs>
+            <a:gs pos="100000">
+              <a:schemeClr val="phClr">
+                <a:tint val="50000"/>
+                <a:shade val="100000"/>
+                <a:satMod val="350000"/>
+              </a:schemeClr>
+            </a:gs>
+          </a:gsLst>
+          <a:lin ang="16200000" scaled="0"/>
+        </a:gradFill>
+      </a:fillStyleLst>
+      <a:lnStyleLst>
+        <a:ln w="9525" cap="flat" cmpd="sng" algn="ctr">
+          <a:solidFill>
+            <a:schemeClr val="phClr">
+              <a:shade val="95000"/>
+              <a:satMod val="105000"/>
+            </a:schemeClr>
+          </a:solidFill>
+          <a:prstDash val="solid"/>
+        </a:ln>
+        <a:ln w="25400" cap="flat" cmpd="sng" algn="ctr">
+          <a:solidFill>
+            <a:schemeClr val="phClr"/>
+          </a:solidFill>
+          <a:prstDash val="solid"/>
+        </a:ln>
+        <a:ln w="38100" cap="flat" cmpd="sng" algn="ctr">
+          <a:solidFill>
+            <a:schemeClr val="phClr"/>
+          </a:solidFill>
+          <a:prstDash val="solid"/>
+        </a:ln>
+      </a:lnStyleLst>
+      <a:effectStyleLst>
+        <a:effectStyle>
+          <a:effectLst>
+            <a:outerShdw blurRad="40000" dist="20000" dir="5400000" rotWithShape="0">
+              <a:srgbClr val="000000">
+                <a:alpha val="38000"/>
+              </a:srgbClr>
+            </a:outerShdw>
+          </a:effectLst>
+        </a:effectStyle>
+        <a:effectStyle>
+          <a:effectLst>
+            <a:outerShdw blurRad="40000" dist="23000" dir="5400000" rotWithShape="0">
+              <a:srgbClr val="000000">
+                <a:alpha val="35000"/>
+              </a:srgbClr>
+            </a:outerShdw>
+          </a:effectLst>
+        </a:effectStyle>
+        <a:effectStyle>
+          <a:effectLst>
+            <a:outerShdw blurRad="40000" dist="23000" dir="5400000" rotWithShape="0">
+              <a:srgbClr val="000000">
+                <a:alpha val="35000"/>
+              </a:srgbClr>
+            </a:outerShdw>
+          </a:effectLst>
+          <a:scene3d>
+            <a:camera prst="orthographicFront">
+              <a:rot lat="0" lon="0" rev="0"/>
+            </a:camera>
+            <a:lightRig rig="threePt" dir="t">
+              <a:rot lat="0" lon="0" rev="1200000"/>
+            </a:lightRig>
+          </a:scene3d>
+          <a:sp3d>
+            <a:bevelT w="63500" h="25400"/>
+          </a:sp3d>
+        </a:effectStyle>
+      </a:effectStyleLst>
+      <a:bgFillStyleLst>
+        <a:solidFill>
+          <a:schemeClr val="phClr"/>
+        </a:solidFill>
+        <a:gradFill rotWithShape="1">
+          <a:gsLst>
+            <a:gs pos="0">
+              <a:schemeClr val="phClr">
+                <a:tint val="40000"/>
+                <a:satMod val="350000"/>
+              </a:schemeClr>
+            </a:gs>
+            <a:gs pos="40000">
+              <a:schemeClr val="phClr">
+                <a:tint val="45000"/>
+                <a:shade val="99000"/>
+                <a:satMod val="350000"/>
+              </a:schemeClr>
+            </a:gs>
+            <a:gs pos="100000">
+              <a:schemeClr val="phClr">
+                <a:shade val="20000"/>
+                <a:satMod val="255000"/>
+              </a:schemeClr>
+            </a:gs>
+          </a:gsLst>
+          <a:path path="circle">
+            <a:fillToRect l="50000" t="-80000" r="50000" b="180000"/>
+          </a:path>
+        </a:gradFill>
+        <a:gradFill rotWithShape="1">
+          <a:gsLst>
+            <a:gs pos="0">
+              <a:schemeClr val="phClr">
+                <a:tint val="80000"/>
+                <a:satMod val="300000"/>
+              </a:schemeClr>
+            </a:gs>
+            <a:gs pos="100000">
+              <a:schemeClr val="phClr">
+                <a:shade val="30000"/>
+                <a:satMod val="200000"/>
+              </a:schemeClr>
+            </a:gs>
+          </a:gsLst>
+          <a:path path="circle">
+            <a:fillToRect l="50000" t="50000" r="50000" b="50000"/>
+          </a:path>
+        </a:gradFill>
+      </a:bgFillStyleLst>
+    </a:fmtScheme>
+  </a:themeElements>
+  <a:objectDefaults>
+    <a:spDef>
+      <a:spPr/>
+      <a:bodyPr/>
+      <a:lstStyle/>
+      <a:style>
+        <a:lnRef idx="1">
+          <a:schemeClr val="accent1"/>
+        </a:lnRef>
+        <a:fillRef idx="3">
+          <a:schemeClr val="accent1"/>
+        </a:fillRef>
+        <a:effectRef idx="2">
+          <a:schemeClr val="accent1"/>
+        </a:effectRef>
+        <a:fontRef idx="minor">
+          <a:schemeClr val="lt1"/>
+        </a:fontRef>
+      </a:style>
+    </a:spDef>
+    <a:lnDef>
+      <a:spPr/>
+      <a:bodyPr/>
+      <a:lstStyle/>
+      <a:style>
+        <a:lnRef idx="2">
+          <a:schemeClr val="accent1"/>
+        </a:lnRef>
+        <a:fillRef idx="0">
+          <a:schemeClr val="accent1"/>
+        </a:fillRef>
+        <a:effectRef idx="1">
+          <a:schemeClr val="accent1"/>
+        </a:effectRef>
+        <a:fontRef idx="minor">
+          <a:schemeClr val="tx1"/>
+        </a:fontRef>
+      </a:style>
+    </a:lnDef>
+  </a:objectDefaults>
+  <a:extraClrSchemeLst/>
+</a:theme>
 </file>
--- a/RA-L/pictures/pdf/SquareFill.pptx
+++ b/RA-L/pictures/pdf/SquareFill.pptx
@@ -192,7 +192,7 @@
           <a:p>
             <a:fld id="{A1342510-F2A4-2B41-A5F2-A9A15E718FE3}" type="datetimeFigureOut">
               <a:rPr lang="en-US" smtClean="0"/>
-              <a:t>9/2/16</a:t>
+              <a:t>9/6/16</a:t>
             </a:fld>
             <a:endParaRPr lang="en-US"/>
           </a:p>
@@ -725,7 +725,7 @@
           <a:p>
             <a:fld id="{E4E64FA6-EB03-AE42-9D16-539ACBA29E8E}" type="datetimeFigureOut">
               <a:rPr lang="en-US" smtClean="0"/>
-              <a:t>9/2/16</a:t>
+              <a:t>9/6/16</a:t>
             </a:fld>
             <a:endParaRPr lang="en-US"/>
           </a:p>
@@ -895,7 +895,7 @@
           <a:p>
             <a:fld id="{E4E64FA6-EB03-AE42-9D16-539ACBA29E8E}" type="datetimeFigureOut">
               <a:rPr lang="en-US" smtClean="0"/>
-              <a:t>9/2/16</a:t>
+              <a:t>9/6/16</a:t>
             </a:fld>
             <a:endParaRPr lang="en-US"/>
           </a:p>
@@ -1075,7 +1075,7 @@
           <a:p>
             <a:fld id="{E4E64FA6-EB03-AE42-9D16-539ACBA29E8E}" type="datetimeFigureOut">
               <a:rPr lang="en-US" smtClean="0"/>
-              <a:t>9/2/16</a:t>
+              <a:t>9/6/16</a:t>
             </a:fld>
             <a:endParaRPr lang="en-US"/>
           </a:p>
@@ -1245,7 +1245,7 @@
           <a:p>
             <a:fld id="{E4E64FA6-EB03-AE42-9D16-539ACBA29E8E}" type="datetimeFigureOut">
               <a:rPr lang="en-US" smtClean="0"/>
-              <a:t>9/2/16</a:t>
+              <a:t>9/6/16</a:t>
             </a:fld>
             <a:endParaRPr lang="en-US"/>
           </a:p>
@@ -1491,7 +1491,7 @@
           <a:p>
             <a:fld id="{E4E64FA6-EB03-AE42-9D16-539ACBA29E8E}" type="datetimeFigureOut">
               <a:rPr lang="en-US" smtClean="0"/>
-              <a:t>9/2/16</a:t>
+              <a:t>9/6/16</a:t>
             </a:fld>
             <a:endParaRPr lang="en-US"/>
           </a:p>
@@ -1779,7 +1779,7 @@
           <a:p>
             <a:fld id="{E4E64FA6-EB03-AE42-9D16-539ACBA29E8E}" type="datetimeFigureOut">
               <a:rPr lang="en-US" smtClean="0"/>
-              <a:t>9/2/16</a:t>
+              <a:t>9/6/16</a:t>
             </a:fld>
             <a:endParaRPr lang="en-US"/>
           </a:p>
@@ -2201,7 +2201,7 @@
           <a:p>
             <a:fld id="{E4E64FA6-EB03-AE42-9D16-539ACBA29E8E}" type="datetimeFigureOut">
               <a:rPr lang="en-US" smtClean="0"/>
-              <a:t>9/2/16</a:t>
+              <a:t>9/6/16</a:t>
             </a:fld>
             <a:endParaRPr lang="en-US"/>
           </a:p>
@@ -2319,7 +2319,7 @@
           <a:p>
             <a:fld id="{E4E64FA6-EB03-AE42-9D16-539ACBA29E8E}" type="datetimeFigureOut">
               <a:rPr lang="en-US" smtClean="0"/>
-              <a:t>9/2/16</a:t>
+              <a:t>9/6/16</a:t>
             </a:fld>
             <a:endParaRPr lang="en-US"/>
           </a:p>
@@ -2414,7 +2414,7 @@
           <a:p>
             <a:fld id="{E4E64FA6-EB03-AE42-9D16-539ACBA29E8E}" type="datetimeFigureOut">
               <a:rPr lang="en-US" smtClean="0"/>
-              <a:t>9/2/16</a:t>
+              <a:t>9/6/16</a:t>
             </a:fld>
             <a:endParaRPr lang="en-US"/>
           </a:p>
@@ -2691,7 +2691,7 @@
           <a:p>
             <a:fld id="{E4E64FA6-EB03-AE42-9D16-539ACBA29E8E}" type="datetimeFigureOut">
               <a:rPr lang="en-US" smtClean="0"/>
-              <a:t>9/2/16</a:t>
+              <a:t>9/6/16</a:t>
             </a:fld>
             <a:endParaRPr lang="en-US"/>
           </a:p>
@@ -2944,7 +2944,7 @@
           <a:p>
             <a:fld id="{E4E64FA6-EB03-AE42-9D16-539ACBA29E8E}" type="datetimeFigureOut">
               <a:rPr lang="en-US" smtClean="0"/>
-              <a:t>9/2/16</a:t>
+              <a:t>9/6/16</a:t>
             </a:fld>
             <a:endParaRPr lang="en-US"/>
           </a:p>
@@ -3157,7 +3157,7 @@
           <a:p>
             <a:fld id="{E4E64FA6-EB03-AE42-9D16-539ACBA29E8E}" type="datetimeFigureOut">
               <a:rPr lang="en-US" smtClean="0"/>
-              <a:t>9/2/16</a:t>
+              <a:t>9/6/16</a:t>
             </a:fld>
             <a:endParaRPr lang="en-US"/>
           </a:p>
@@ -4071,10 +4071,10 @@
             <p:nvPr/>
           </p:nvPicPr>
           <p:blipFill>
-            <a:blip r:embed="rId10">
+            <a:blip r:embed="rId10" cstate="email">
               <a:extLst>
                 <a:ext uri="{28A0092B-C50C-407E-A947-70E740481C1C}">
-                  <a14:useLocalDpi xmlns:a14="http://schemas.microsoft.com/office/drawing/2010/main" val="0"/>
+                  <a14:useLocalDpi xmlns:a14="http://schemas.microsoft.com/office/drawing/2010/main"/>
                 </a:ext>
               </a:extLst>
             </a:blip>
@@ -4182,10 +4182,10 @@
             <p:nvPr/>
           </p:nvPicPr>
           <p:blipFill>
-            <a:blip r:embed="rId11">
+            <a:blip r:embed="rId11" cstate="email">
               <a:extLst>
                 <a:ext uri="{28A0092B-C50C-407E-A947-70E740481C1C}">
-                  <a14:useLocalDpi xmlns:a14="http://schemas.microsoft.com/office/drawing/2010/main" val="0"/>
+                  <a14:useLocalDpi xmlns:a14="http://schemas.microsoft.com/office/drawing/2010/main"/>
                 </a:ext>
               </a:extLst>
             </a:blip>
@@ -4279,7 +4279,13 @@
           <p:nvPr/>
         </p:nvPicPr>
         <p:blipFill>
-          <a:blip r:embed="rId12"/>
+          <a:blip r:embed="rId12" cstate="email">
+            <a:extLst>
+              <a:ext uri="{28A0092B-C50C-407E-A947-70E740481C1C}">
+                <a14:useLocalDpi xmlns:a14="http://schemas.microsoft.com/office/drawing/2010/main"/>
+              </a:ext>
+            </a:extLst>
+          </a:blip>
           <a:stretch>
             <a:fillRect/>
           </a:stretch>
@@ -4303,7 +4309,13 @@
           <p:nvPr/>
         </p:nvPicPr>
         <p:blipFill>
-          <a:blip r:embed="rId12"/>
+          <a:blip r:embed="rId12" cstate="email">
+            <a:extLst>
+              <a:ext uri="{28A0092B-C50C-407E-A947-70E740481C1C}">
+                <a14:useLocalDpi xmlns:a14="http://schemas.microsoft.com/office/drawing/2010/main"/>
+              </a:ext>
+            </a:extLst>
+          </a:blip>
           <a:stretch>
             <a:fillRect/>
           </a:stretch>
@@ -4340,7 +4352,7 @@
           <a:graphicData uri="http://schemas.openxmlformats.org/presentationml/2006/ole">
             <mc:AlternateContent xmlns:mc="http://schemas.openxmlformats.org/markup-compatibility/2006">
               <mc:Choice xmlns:v="urn:schemas-microsoft-com:vml" Requires="v">
-                <p:oleObj spid="_x0000_s1038" name="Equation" r:id="rId13" imgW="203200" imgH="241300" progId="Equation.3">
+                <p:oleObj spid="_x0000_s1063" name="Equation" r:id="rId13" imgW="203200" imgH="241300" progId="Equation.3">
                   <p:embed/>
                 </p:oleObj>
               </mc:Choice>
@@ -4397,7 +4409,7 @@
           <a:graphicData uri="http://schemas.openxmlformats.org/presentationml/2006/ole">
             <mc:AlternateContent xmlns:mc="http://schemas.openxmlformats.org/markup-compatibility/2006">
               <mc:Choice xmlns:v="urn:schemas-microsoft-com:vml" Requires="v">
-                <p:oleObj spid="_x0000_s1039" name="Equation" r:id="rId15" imgW="228600" imgH="228600" progId="Equation.3">
+                <p:oleObj spid="_x0000_s1064" name="Equation" r:id="rId15" imgW="228600" imgH="228600" progId="Equation.3">
                   <p:embed/>
                 </p:oleObj>
               </mc:Choice>
@@ -4454,7 +4466,7 @@
           <a:graphicData uri="http://schemas.openxmlformats.org/presentationml/2006/ole">
             <mc:AlternateContent xmlns:mc="http://schemas.openxmlformats.org/markup-compatibility/2006">
               <mc:Choice xmlns:v="urn:schemas-microsoft-com:vml" Requires="v">
-                <p:oleObj spid="_x0000_s1040" name="Equation" r:id="rId17" imgW="241300" imgH="228600" progId="Equation.3">
+                <p:oleObj spid="_x0000_s1065" name="Equation" r:id="rId17" imgW="241300" imgH="228600" progId="Equation.3">
                   <p:embed/>
                 </p:oleObj>
               </mc:Choice>
@@ -4511,7 +4523,7 @@
           <a:graphicData uri="http://schemas.openxmlformats.org/presentationml/2006/ole">
             <mc:AlternateContent xmlns:mc="http://schemas.openxmlformats.org/markup-compatibility/2006">
               <mc:Choice xmlns:v="urn:schemas-microsoft-com:vml" Requires="v">
-                <p:oleObj spid="_x0000_s1041" name="Equation" r:id="rId19" imgW="139700" imgH="165100" progId="Equation.3">
+                <p:oleObj spid="_x0000_s1066" name="Equation" r:id="rId19" imgW="139700" imgH="165100" progId="Equation.3">
                   <p:embed/>
                 </p:oleObj>
               </mc:Choice>
@@ -4568,7 +4580,7 @@
           <a:graphicData uri="http://schemas.openxmlformats.org/presentationml/2006/ole">
             <mc:AlternateContent xmlns:mc="http://schemas.openxmlformats.org/markup-compatibility/2006">
               <mc:Choice xmlns:v="urn:schemas-microsoft-com:vml" Requires="v">
-                <p:oleObj spid="_x0000_s1042" name="Equation" r:id="rId21" imgW="152400" imgH="152400" progId="Equation.3">
+                <p:oleObj spid="_x0000_s1067" name="Equation" r:id="rId21" imgW="152400" imgH="152400" progId="Equation.3">
                   <p:embed/>
                 </p:oleObj>
               </mc:Choice>
@@ -4625,7 +4637,7 @@
           <a:graphicData uri="http://schemas.openxmlformats.org/presentationml/2006/ole">
             <mc:AlternateContent xmlns:mc="http://schemas.openxmlformats.org/markup-compatibility/2006">
               <mc:Choice xmlns:v="urn:schemas-microsoft-com:vml" Requires="v">
-                <p:oleObj spid="_x0000_s1043" name="Equation" r:id="rId23" imgW="152400" imgH="152400" progId="Equation.3">
+                <p:oleObj spid="_x0000_s1068" name="Equation" r:id="rId23" imgW="152400" imgH="152400" progId="Equation.3">
                   <p:embed/>
                 </p:oleObj>
               </mc:Choice>
@@ -4682,7 +4694,7 @@
           <a:graphicData uri="http://schemas.openxmlformats.org/presentationml/2006/ole">
             <mc:AlternateContent xmlns:mc="http://schemas.openxmlformats.org/markup-compatibility/2006">
               <mc:Choice xmlns:v="urn:schemas-microsoft-com:vml" Requires="v">
-                <p:oleObj spid="_x0000_s1044" name="Equation" r:id="rId24" imgW="152400" imgH="152400" progId="Equation.3">
+                <p:oleObj spid="_x0000_s1069" name="Equation" r:id="rId24" imgW="152400" imgH="152400" progId="Equation.3">
                   <p:embed/>
                 </p:oleObj>
               </mc:Choice>
@@ -4739,7 +4751,7 @@
           <a:graphicData uri="http://schemas.openxmlformats.org/presentationml/2006/ole">
             <mc:AlternateContent xmlns:mc="http://schemas.openxmlformats.org/markup-compatibility/2006">
               <mc:Choice xmlns:v="urn:schemas-microsoft-com:vml" Requires="v">
-                <p:oleObj spid="_x0000_s1045" name="Equation" r:id="rId25" imgW="152400" imgH="152400" progId="Equation.3">
+                <p:oleObj spid="_x0000_s1070" name="Equation" r:id="rId25" imgW="152400" imgH="152400" progId="Equation.3">
                   <p:embed/>
                 </p:oleObj>
               </mc:Choice>

--- a/RA-L/pictures/pdf/SquareFill.pptx
+++ b/RA-L/pictures/pdf/SquareFill.pptx
@@ -192,7 +192,7 @@
           <a:p>
             <a:fld id="{A1342510-F2A4-2B41-A5F2-A9A15E718FE3}" type="datetimeFigureOut">
               <a:rPr lang="en-US" smtClean="0"/>
-              <a:t>9/6/16</a:t>
+              <a:t>9/10/16</a:t>
             </a:fld>
             <a:endParaRPr lang="en-US"/>
           </a:p>
@@ -725,7 +725,7 @@
           <a:p>
             <a:fld id="{E4E64FA6-EB03-AE42-9D16-539ACBA29E8E}" type="datetimeFigureOut">
               <a:rPr lang="en-US" smtClean="0"/>
-              <a:t>9/6/16</a:t>
+              <a:t>9/10/16</a:t>
             </a:fld>
             <a:endParaRPr lang="en-US"/>
           </a:p>
@@ -895,7 +895,7 @@
           <a:p>
             <a:fld id="{E4E64FA6-EB03-AE42-9D16-539ACBA29E8E}" type="datetimeFigureOut">
               <a:rPr lang="en-US" smtClean="0"/>
-              <a:t>9/6/16</a:t>
+              <a:t>9/10/16</a:t>
             </a:fld>
             <a:endParaRPr lang="en-US"/>
           </a:p>
@@ -1075,7 +1075,7 @@
           <a:p>
             <a:fld id="{E4E64FA6-EB03-AE42-9D16-539ACBA29E8E}" type="datetimeFigureOut">
               <a:rPr lang="en-US" smtClean="0"/>
-              <a:t>9/6/16</a:t>
+              <a:t>9/10/16</a:t>
             </a:fld>
             <a:endParaRPr lang="en-US"/>
           </a:p>
@@ -1245,7 +1245,7 @@
           <a:p>
             <a:fld id="{E4E64FA6-EB03-AE42-9D16-539ACBA29E8E}" type="datetimeFigureOut">
               <a:rPr lang="en-US" smtClean="0"/>
-              <a:t>9/6/16</a:t>
+              <a:t>9/10/16</a:t>
             </a:fld>
             <a:endParaRPr lang="en-US"/>
           </a:p>
@@ -1491,7 +1491,7 @@
           <a:p>
             <a:fld id="{E4E64FA6-EB03-AE42-9D16-539ACBA29E8E}" type="datetimeFigureOut">
               <a:rPr lang="en-US" smtClean="0"/>
-              <a:t>9/6/16</a:t>
+              <a:t>9/10/16</a:t>
             </a:fld>
             <a:endParaRPr lang="en-US"/>
           </a:p>
@@ -1779,7 +1779,7 @@
           <a:p>
             <a:fld id="{E4E64FA6-EB03-AE42-9D16-539ACBA29E8E}" type="datetimeFigureOut">
               <a:rPr lang="en-US" smtClean="0"/>
-              <a:t>9/6/16</a:t>
+              <a:t>9/10/16</a:t>
             </a:fld>
             <a:endParaRPr lang="en-US"/>
           </a:p>
@@ -2201,7 +2201,7 @@
           <a:p>
             <a:fld id="{E4E64FA6-EB03-AE42-9D16-539ACBA29E8E}" type="datetimeFigureOut">
               <a:rPr lang="en-US" smtClean="0"/>
-              <a:t>9/6/16</a:t>
+              <a:t>9/10/16</a:t>
             </a:fld>
             <a:endParaRPr lang="en-US"/>
           </a:p>
@@ -2319,7 +2319,7 @@
           <a:p>
             <a:fld id="{E4E64FA6-EB03-AE42-9D16-539ACBA29E8E}" type="datetimeFigureOut">
               <a:rPr lang="en-US" smtClean="0"/>
-              <a:t>9/6/16</a:t>
+              <a:t>9/10/16</a:t>
             </a:fld>
             <a:endParaRPr lang="en-US"/>
           </a:p>
@@ -2414,7 +2414,7 @@
           <a:p>
             <a:fld id="{E4E64FA6-EB03-AE42-9D16-539ACBA29E8E}" type="datetimeFigureOut">
               <a:rPr lang="en-US" smtClean="0"/>
-              <a:t>9/6/16</a:t>
+              <a:t>9/10/16</a:t>
             </a:fld>
             <a:endParaRPr lang="en-US"/>
           </a:p>
@@ -2691,7 +2691,7 @@
           <a:p>
             <a:fld id="{E4E64FA6-EB03-AE42-9D16-539ACBA29E8E}" type="datetimeFigureOut">
               <a:rPr lang="en-US" smtClean="0"/>
-              <a:t>9/6/16</a:t>
+              <a:t>9/10/16</a:t>
             </a:fld>
             <a:endParaRPr lang="en-US"/>
           </a:p>
@@ -2944,7 +2944,7 @@
           <a:p>
             <a:fld id="{E4E64FA6-EB03-AE42-9D16-539ACBA29E8E}" type="datetimeFigureOut">
               <a:rPr lang="en-US" smtClean="0"/>
-              <a:t>9/6/16</a:t>
+              <a:t>9/10/16</a:t>
             </a:fld>
             <a:endParaRPr lang="en-US"/>
           </a:p>
@@ -3157,7 +3157,7 @@
           <a:p>
             <a:fld id="{E4E64FA6-EB03-AE42-9D16-539ACBA29E8E}" type="datetimeFigureOut">
               <a:rPr lang="en-US" smtClean="0"/>
-              <a:t>9/6/16</a:t>
+              <a:t>9/10/16</a:t>
             </a:fld>
             <a:endParaRPr lang="en-US"/>
           </a:p>
@@ -3596,7 +3596,7 @@
         </p:blipFill>
         <p:spPr>
           <a:xfrm>
-            <a:off x="6500537" y="2769696"/>
+            <a:off x="6500537" y="2752763"/>
             <a:ext cx="4572000" cy="2781300"/>
           </a:xfrm>
           <a:prstGeom prst="rect">
@@ -3620,7 +3620,7 @@
         </p:blipFill>
         <p:spPr>
           <a:xfrm>
-            <a:off x="11072537" y="2832100"/>
+            <a:off x="11072537" y="2815167"/>
             <a:ext cx="4493964" cy="2654300"/>
           </a:xfrm>
           <a:prstGeom prst="rect">
@@ -4352,7 +4352,7 @@
           <a:graphicData uri="http://schemas.openxmlformats.org/presentationml/2006/ole">
             <mc:AlternateContent xmlns:mc="http://schemas.openxmlformats.org/markup-compatibility/2006">
               <mc:Choice xmlns:v="urn:schemas-microsoft-com:vml" Requires="v">
-                <p:oleObj spid="_x0000_s1063" name="Equation" r:id="rId13" imgW="203200" imgH="241300" progId="Equation.3">
+                <p:oleObj spid="_x0000_s1072" name="Equation" r:id="rId13" imgW="203200" imgH="241300" progId="Equation.3">
                   <p:embed/>
                 </p:oleObj>
               </mc:Choice>
@@ -4409,7 +4409,7 @@
           <a:graphicData uri="http://schemas.openxmlformats.org/presentationml/2006/ole">
             <mc:AlternateContent xmlns:mc="http://schemas.openxmlformats.org/markup-compatibility/2006">
               <mc:Choice xmlns:v="urn:schemas-microsoft-com:vml" Requires="v">
-                <p:oleObj spid="_x0000_s1064" name="Equation" r:id="rId15" imgW="228600" imgH="228600" progId="Equation.3">
+                <p:oleObj spid="_x0000_s1073" name="Equation" r:id="rId15" imgW="228600" imgH="228600" progId="Equation.3">
                   <p:embed/>
                 </p:oleObj>
               </mc:Choice>
@@ -4466,7 +4466,7 @@
           <a:graphicData uri="http://schemas.openxmlformats.org/presentationml/2006/ole">
             <mc:AlternateContent xmlns:mc="http://schemas.openxmlformats.org/markup-compatibility/2006">
               <mc:Choice xmlns:v="urn:schemas-microsoft-com:vml" Requires="v">
-                <p:oleObj spid="_x0000_s1065" name="Equation" r:id="rId17" imgW="241300" imgH="228600" progId="Equation.3">
+                <p:oleObj spid="_x0000_s1074" name="Equation" r:id="rId17" imgW="241300" imgH="228600" progId="Equation.3">
                   <p:embed/>
                 </p:oleObj>
               </mc:Choice>
@@ -4523,7 +4523,7 @@
           <a:graphicData uri="http://schemas.openxmlformats.org/presentationml/2006/ole">
             <mc:AlternateContent xmlns:mc="http://schemas.openxmlformats.org/markup-compatibility/2006">
               <mc:Choice xmlns:v="urn:schemas-microsoft-com:vml" Requires="v">
-                <p:oleObj spid="_x0000_s1066" name="Equation" r:id="rId19" imgW="139700" imgH="165100" progId="Equation.3">
+                <p:oleObj spid="_x0000_s1075" name="Equation" r:id="rId19" imgW="139700" imgH="165100" progId="Equation.3">
                   <p:embed/>
                 </p:oleObj>
               </mc:Choice>
@@ -4580,7 +4580,7 @@
           <a:graphicData uri="http://schemas.openxmlformats.org/presentationml/2006/ole">
             <mc:AlternateContent xmlns:mc="http://schemas.openxmlformats.org/markup-compatibility/2006">
               <mc:Choice xmlns:v="urn:schemas-microsoft-com:vml" Requires="v">
-                <p:oleObj spid="_x0000_s1067" name="Equation" r:id="rId21" imgW="152400" imgH="152400" progId="Equation.3">
+                <p:oleObj spid="_x0000_s1076" name="Equation" r:id="rId21" imgW="152400" imgH="152400" progId="Equation.3">
                   <p:embed/>
                 </p:oleObj>
               </mc:Choice>
@@ -4637,7 +4637,7 @@
           <a:graphicData uri="http://schemas.openxmlformats.org/presentationml/2006/ole">
             <mc:AlternateContent xmlns:mc="http://schemas.openxmlformats.org/markup-compatibility/2006">
               <mc:Choice xmlns:v="urn:schemas-microsoft-com:vml" Requires="v">
-                <p:oleObj spid="_x0000_s1068" name="Equation" r:id="rId23" imgW="152400" imgH="152400" progId="Equation.3">
+                <p:oleObj spid="_x0000_s1077" name="Equation" r:id="rId23" imgW="152400" imgH="152400" progId="Equation.3">
                   <p:embed/>
                 </p:oleObj>
               </mc:Choice>
@@ -4694,7 +4694,7 @@
           <a:graphicData uri="http://schemas.openxmlformats.org/presentationml/2006/ole">
             <mc:AlternateContent xmlns:mc="http://schemas.openxmlformats.org/markup-compatibility/2006">
               <mc:Choice xmlns:v="urn:schemas-microsoft-com:vml" Requires="v">
-                <p:oleObj spid="_x0000_s1069" name="Equation" r:id="rId24" imgW="152400" imgH="152400" progId="Equation.3">
+                <p:oleObj spid="_x0000_s1078" name="Equation" r:id="rId24" imgW="152400" imgH="152400" progId="Equation.3">
                   <p:embed/>
                 </p:oleObj>
               </mc:Choice>
@@ -4751,7 +4751,7 @@
           <a:graphicData uri="http://schemas.openxmlformats.org/presentationml/2006/ole">
             <mc:AlternateContent xmlns:mc="http://schemas.openxmlformats.org/markup-compatibility/2006">
               <mc:Choice xmlns:v="urn:schemas-microsoft-com:vml" Requires="v">
-                <p:oleObj spid="_x0000_s1070" name="Equation" r:id="rId25" imgW="152400" imgH="152400" progId="Equation.3">
+                <p:oleObj spid="_x0000_s1079" name="Equation" r:id="rId25" imgW="152400" imgH="152400" progId="Equation.3">
                   <p:embed/>
                 </p:oleObj>
               </mc:Choice>

--- a/RA-L/pictures/pdf/SquareFill.pptx
+++ b/RA-L/pictures/pdf/SquareFill.pptx
@@ -10,14 +10,14 @@
   <p:sldIdLst>
     <p:sldId id="256" r:id="rId2"/>
   </p:sldIdLst>
-  <p:sldSz cx="15544800" cy="5486400"/>
+  <p:sldSz cx="7772400" cy="2743200"/>
   <p:notesSz cx="6858000" cy="9144000"/>
   <p:defaultTextStyle>
     <a:defPPr>
       <a:defRPr lang="en-US"/>
     </a:defPPr>
-    <a:lvl1pPr marL="0" algn="l" defTabSz="457200" rtl="0" eaLnBrk="1" latinLnBrk="0" hangingPunct="1">
-      <a:defRPr sz="1800" kern="1200">
+    <a:lvl1pPr marL="0" algn="l" defTabSz="228600" rtl="0" eaLnBrk="1" latinLnBrk="0" hangingPunct="1">
+      <a:defRPr sz="900" kern="1200">
         <a:solidFill>
           <a:schemeClr val="tx1"/>
         </a:solidFill>
@@ -26,8 +26,8 @@
         <a:cs typeface="+mn-cs"/>
       </a:defRPr>
     </a:lvl1pPr>
-    <a:lvl2pPr marL="457200" algn="l" defTabSz="457200" rtl="0" eaLnBrk="1" latinLnBrk="0" hangingPunct="1">
-      <a:defRPr sz="1800" kern="1200">
+    <a:lvl2pPr marL="228600" algn="l" defTabSz="228600" rtl="0" eaLnBrk="1" latinLnBrk="0" hangingPunct="1">
+      <a:defRPr sz="900" kern="1200">
         <a:solidFill>
           <a:schemeClr val="tx1"/>
         </a:solidFill>
@@ -36,8 +36,8 @@
         <a:cs typeface="+mn-cs"/>
       </a:defRPr>
     </a:lvl2pPr>
-    <a:lvl3pPr marL="914400" algn="l" defTabSz="457200" rtl="0" eaLnBrk="1" latinLnBrk="0" hangingPunct="1">
-      <a:defRPr sz="1800" kern="1200">
+    <a:lvl3pPr marL="457200" algn="l" defTabSz="228600" rtl="0" eaLnBrk="1" latinLnBrk="0" hangingPunct="1">
+      <a:defRPr sz="900" kern="1200">
         <a:solidFill>
           <a:schemeClr val="tx1"/>
         </a:solidFill>
@@ -46,8 +46,8 @@
         <a:cs typeface="+mn-cs"/>
       </a:defRPr>
     </a:lvl3pPr>
-    <a:lvl4pPr marL="1371600" algn="l" defTabSz="457200" rtl="0" eaLnBrk="1" latinLnBrk="0" hangingPunct="1">
-      <a:defRPr sz="1800" kern="1200">
+    <a:lvl4pPr marL="685800" algn="l" defTabSz="228600" rtl="0" eaLnBrk="1" latinLnBrk="0" hangingPunct="1">
+      <a:defRPr sz="900" kern="1200">
         <a:solidFill>
           <a:schemeClr val="tx1"/>
         </a:solidFill>
@@ -56,8 +56,8 @@
         <a:cs typeface="+mn-cs"/>
       </a:defRPr>
     </a:lvl4pPr>
-    <a:lvl5pPr marL="1828800" algn="l" defTabSz="457200" rtl="0" eaLnBrk="1" latinLnBrk="0" hangingPunct="1">
-      <a:defRPr sz="1800" kern="1200">
+    <a:lvl5pPr marL="914400" algn="l" defTabSz="228600" rtl="0" eaLnBrk="1" latinLnBrk="0" hangingPunct="1">
+      <a:defRPr sz="900" kern="1200">
         <a:solidFill>
           <a:schemeClr val="tx1"/>
         </a:solidFill>
@@ -66,8 +66,8 @@
         <a:cs typeface="+mn-cs"/>
       </a:defRPr>
     </a:lvl5pPr>
-    <a:lvl6pPr marL="2286000" algn="l" defTabSz="457200" rtl="0" eaLnBrk="1" latinLnBrk="0" hangingPunct="1">
-      <a:defRPr sz="1800" kern="1200">
+    <a:lvl6pPr marL="1143000" algn="l" defTabSz="228600" rtl="0" eaLnBrk="1" latinLnBrk="0" hangingPunct="1">
+      <a:defRPr sz="900" kern="1200">
         <a:solidFill>
           <a:schemeClr val="tx1"/>
         </a:solidFill>
@@ -76,8 +76,8 @@
         <a:cs typeface="+mn-cs"/>
       </a:defRPr>
     </a:lvl6pPr>
-    <a:lvl7pPr marL="2743200" algn="l" defTabSz="457200" rtl="0" eaLnBrk="1" latinLnBrk="0" hangingPunct="1">
-      <a:defRPr sz="1800" kern="1200">
+    <a:lvl7pPr marL="1371600" algn="l" defTabSz="228600" rtl="0" eaLnBrk="1" latinLnBrk="0" hangingPunct="1">
+      <a:defRPr sz="900" kern="1200">
         <a:solidFill>
           <a:schemeClr val="tx1"/>
         </a:solidFill>
@@ -86,8 +86,8 @@
         <a:cs typeface="+mn-cs"/>
       </a:defRPr>
     </a:lvl7pPr>
-    <a:lvl8pPr marL="3200400" algn="l" defTabSz="457200" rtl="0" eaLnBrk="1" latinLnBrk="0" hangingPunct="1">
-      <a:defRPr sz="1800" kern="1200">
+    <a:lvl8pPr marL="1600200" algn="l" defTabSz="228600" rtl="0" eaLnBrk="1" latinLnBrk="0" hangingPunct="1">
+      <a:defRPr sz="900" kern="1200">
         <a:solidFill>
           <a:schemeClr val="tx1"/>
         </a:solidFill>
@@ -96,8 +96,8 @@
         <a:cs typeface="+mn-cs"/>
       </a:defRPr>
     </a:lvl8pPr>
-    <a:lvl9pPr marL="3657600" algn="l" defTabSz="457200" rtl="0" eaLnBrk="1" latinLnBrk="0" hangingPunct="1">
-      <a:defRPr sz="1800" kern="1200">
+    <a:lvl9pPr marL="1828800" algn="l" defTabSz="228600" rtl="0" eaLnBrk="1" latinLnBrk="0" hangingPunct="1">
+      <a:defRPr sz="900" kern="1200">
         <a:solidFill>
           <a:schemeClr val="tx1"/>
         </a:solidFill>
@@ -192,7 +192,7 @@
           <a:p>
             <a:fld id="{A1342510-F2A4-2B41-A5F2-A9A15E718FE3}" type="datetimeFigureOut">
               <a:rPr lang="en-US" smtClean="0"/>
-              <a:t>9/10/16</a:t>
+              <a:t>9/6/16</a:t>
             </a:fld>
             <a:endParaRPr lang="en-US"/>
           </a:p>
@@ -366,8 +366,8 @@
   </p:cSld>
   <p:clrMap bg1="lt1" tx1="dk1" bg2="lt2" tx2="dk2" accent1="accent1" accent2="accent2" accent3="accent3" accent4="accent4" accent5="accent5" accent6="accent6" hlink="hlink" folHlink="folHlink"/>
   <p:notesStyle>
-    <a:lvl1pPr marL="0" algn="l" defTabSz="457200" rtl="0" eaLnBrk="1" latinLnBrk="0" hangingPunct="1">
-      <a:defRPr sz="1200" kern="1200">
+    <a:lvl1pPr marL="0" algn="l" defTabSz="228600" rtl="0" eaLnBrk="1" latinLnBrk="0" hangingPunct="1">
+      <a:defRPr sz="600" kern="1200">
         <a:solidFill>
           <a:schemeClr val="tx1"/>
         </a:solidFill>
@@ -376,8 +376,8 @@
         <a:cs typeface="+mn-cs"/>
       </a:defRPr>
     </a:lvl1pPr>
-    <a:lvl2pPr marL="457200" algn="l" defTabSz="457200" rtl="0" eaLnBrk="1" latinLnBrk="0" hangingPunct="1">
-      <a:defRPr sz="1200" kern="1200">
+    <a:lvl2pPr marL="228600" algn="l" defTabSz="228600" rtl="0" eaLnBrk="1" latinLnBrk="0" hangingPunct="1">
+      <a:defRPr sz="600" kern="1200">
         <a:solidFill>
           <a:schemeClr val="tx1"/>
         </a:solidFill>
@@ -386,8 +386,8 @@
         <a:cs typeface="+mn-cs"/>
       </a:defRPr>
     </a:lvl2pPr>
-    <a:lvl3pPr marL="914400" algn="l" defTabSz="457200" rtl="0" eaLnBrk="1" latinLnBrk="0" hangingPunct="1">
-      <a:defRPr sz="1200" kern="1200">
+    <a:lvl3pPr marL="457200" algn="l" defTabSz="228600" rtl="0" eaLnBrk="1" latinLnBrk="0" hangingPunct="1">
+      <a:defRPr sz="600" kern="1200">
         <a:solidFill>
           <a:schemeClr val="tx1"/>
         </a:solidFill>
@@ -396,8 +396,8 @@
         <a:cs typeface="+mn-cs"/>
       </a:defRPr>
     </a:lvl3pPr>
-    <a:lvl4pPr marL="1371600" algn="l" defTabSz="457200" rtl="0" eaLnBrk="1" latinLnBrk="0" hangingPunct="1">
-      <a:defRPr sz="1200" kern="1200">
+    <a:lvl4pPr marL="685800" algn="l" defTabSz="228600" rtl="0" eaLnBrk="1" latinLnBrk="0" hangingPunct="1">
+      <a:defRPr sz="600" kern="1200">
         <a:solidFill>
           <a:schemeClr val="tx1"/>
         </a:solidFill>
@@ -406,8 +406,8 @@
         <a:cs typeface="+mn-cs"/>
       </a:defRPr>
     </a:lvl4pPr>
-    <a:lvl5pPr marL="1828800" algn="l" defTabSz="457200" rtl="0" eaLnBrk="1" latinLnBrk="0" hangingPunct="1">
-      <a:defRPr sz="1200" kern="1200">
+    <a:lvl5pPr marL="914400" algn="l" defTabSz="228600" rtl="0" eaLnBrk="1" latinLnBrk="0" hangingPunct="1">
+      <a:defRPr sz="600" kern="1200">
         <a:solidFill>
           <a:schemeClr val="tx1"/>
         </a:solidFill>
@@ -416,8 +416,8 @@
         <a:cs typeface="+mn-cs"/>
       </a:defRPr>
     </a:lvl5pPr>
-    <a:lvl6pPr marL="2286000" algn="l" defTabSz="457200" rtl="0" eaLnBrk="1" latinLnBrk="0" hangingPunct="1">
-      <a:defRPr sz="1200" kern="1200">
+    <a:lvl6pPr marL="1143000" algn="l" defTabSz="228600" rtl="0" eaLnBrk="1" latinLnBrk="0" hangingPunct="1">
+      <a:defRPr sz="600" kern="1200">
         <a:solidFill>
           <a:schemeClr val="tx1"/>
         </a:solidFill>
@@ -426,8 +426,8 @@
         <a:cs typeface="+mn-cs"/>
       </a:defRPr>
     </a:lvl6pPr>
-    <a:lvl7pPr marL="2743200" algn="l" defTabSz="457200" rtl="0" eaLnBrk="1" latinLnBrk="0" hangingPunct="1">
-      <a:defRPr sz="1200" kern="1200">
+    <a:lvl7pPr marL="1371600" algn="l" defTabSz="228600" rtl="0" eaLnBrk="1" latinLnBrk="0" hangingPunct="1">
+      <a:defRPr sz="600" kern="1200">
         <a:solidFill>
           <a:schemeClr val="tx1"/>
         </a:solidFill>
@@ -436,8 +436,8 @@
         <a:cs typeface="+mn-cs"/>
       </a:defRPr>
     </a:lvl7pPr>
-    <a:lvl8pPr marL="3200400" algn="l" defTabSz="457200" rtl="0" eaLnBrk="1" latinLnBrk="0" hangingPunct="1">
-      <a:defRPr sz="1200" kern="1200">
+    <a:lvl8pPr marL="1600200" algn="l" defTabSz="228600" rtl="0" eaLnBrk="1" latinLnBrk="0" hangingPunct="1">
+      <a:defRPr sz="600" kern="1200">
         <a:solidFill>
           <a:schemeClr val="tx1"/>
         </a:solidFill>
@@ -446,8 +446,8 @@
         <a:cs typeface="+mn-cs"/>
       </a:defRPr>
     </a:lvl8pPr>
-    <a:lvl9pPr marL="3657600" algn="l" defTabSz="457200" rtl="0" eaLnBrk="1" latinLnBrk="0" hangingPunct="1">
-      <a:defRPr sz="1200" kern="1200">
+    <a:lvl9pPr marL="1828800" algn="l" defTabSz="228600" rtl="0" eaLnBrk="1" latinLnBrk="0" hangingPunct="1">
+      <a:defRPr sz="600" kern="1200">
         <a:solidFill>
           <a:schemeClr val="tx1"/>
         </a:solidFill>
@@ -573,8 +573,8 @@
         </p:nvSpPr>
         <p:spPr>
           <a:xfrm>
-            <a:off x="1165860" y="1704342"/>
-            <a:ext cx="13213080" cy="1176020"/>
+            <a:off x="582930" y="852171"/>
+            <a:ext cx="6606540" cy="588010"/>
           </a:xfrm>
         </p:spPr>
         <p:txBody>
@@ -601,8 +601,8 @@
         </p:nvSpPr>
         <p:spPr>
           <a:xfrm>
-            <a:off x="2331720" y="3108960"/>
-            <a:ext cx="10881360" cy="1402080"/>
+            <a:off x="1165860" y="1554480"/>
+            <a:ext cx="5440680" cy="701040"/>
           </a:xfrm>
         </p:spPr>
         <p:txBody>
@@ -618,7 +618,7 @@
                 </a:solidFill>
               </a:defRPr>
             </a:lvl1pPr>
-            <a:lvl2pPr marL="457200" indent="0" algn="ctr">
+            <a:lvl2pPr marL="228600" indent="0" algn="ctr">
               <a:buNone/>
               <a:defRPr>
                 <a:solidFill>
@@ -628,7 +628,7 @@
                 </a:solidFill>
               </a:defRPr>
             </a:lvl2pPr>
-            <a:lvl3pPr marL="914400" indent="0" algn="ctr">
+            <a:lvl3pPr marL="457200" indent="0" algn="ctr">
               <a:buNone/>
               <a:defRPr>
                 <a:solidFill>
@@ -638,7 +638,7 @@
                 </a:solidFill>
               </a:defRPr>
             </a:lvl3pPr>
-            <a:lvl4pPr marL="1371600" indent="0" algn="ctr">
+            <a:lvl4pPr marL="685800" indent="0" algn="ctr">
               <a:buNone/>
               <a:defRPr>
                 <a:solidFill>
@@ -648,7 +648,7 @@
                 </a:solidFill>
               </a:defRPr>
             </a:lvl4pPr>
-            <a:lvl5pPr marL="1828800" indent="0" algn="ctr">
+            <a:lvl5pPr marL="914400" indent="0" algn="ctr">
               <a:buNone/>
               <a:defRPr>
                 <a:solidFill>
@@ -658,7 +658,7 @@
                 </a:solidFill>
               </a:defRPr>
             </a:lvl5pPr>
-            <a:lvl6pPr marL="2286000" indent="0" algn="ctr">
+            <a:lvl6pPr marL="1143000" indent="0" algn="ctr">
               <a:buNone/>
               <a:defRPr>
                 <a:solidFill>
@@ -668,7 +668,7 @@
                 </a:solidFill>
               </a:defRPr>
             </a:lvl6pPr>
-            <a:lvl7pPr marL="2743200" indent="0" algn="ctr">
+            <a:lvl7pPr marL="1371600" indent="0" algn="ctr">
               <a:buNone/>
               <a:defRPr>
                 <a:solidFill>
@@ -678,7 +678,7 @@
                 </a:solidFill>
               </a:defRPr>
             </a:lvl7pPr>
-            <a:lvl8pPr marL="3200400" indent="0" algn="ctr">
+            <a:lvl8pPr marL="1600200" indent="0" algn="ctr">
               <a:buNone/>
               <a:defRPr>
                 <a:solidFill>
@@ -688,7 +688,7 @@
                 </a:solidFill>
               </a:defRPr>
             </a:lvl8pPr>
-            <a:lvl9pPr marL="3657600" indent="0" algn="ctr">
+            <a:lvl9pPr marL="1828800" indent="0" algn="ctr">
               <a:buNone/>
               <a:defRPr>
                 <a:solidFill>
@@ -725,7 +725,7 @@
           <a:p>
             <a:fld id="{E4E64FA6-EB03-AE42-9D16-539ACBA29E8E}" type="datetimeFigureOut">
               <a:rPr lang="en-US" smtClean="0"/>
-              <a:t>9/10/16</a:t>
+              <a:t>9/6/16</a:t>
             </a:fld>
             <a:endParaRPr lang="en-US"/>
           </a:p>
@@ -895,7 +895,7 @@
           <a:p>
             <a:fld id="{E4E64FA6-EB03-AE42-9D16-539ACBA29E8E}" type="datetimeFigureOut">
               <a:rPr lang="en-US" smtClean="0"/>
-              <a:t>9/10/16</a:t>
+              <a:t>9/6/16</a:t>
             </a:fld>
             <a:endParaRPr lang="en-US"/>
           </a:p>
@@ -985,8 +985,8 @@
         </p:nvSpPr>
         <p:spPr>
           <a:xfrm>
-            <a:off x="11269980" y="219711"/>
-            <a:ext cx="3497580" cy="4681220"/>
+            <a:off x="5634990" y="109856"/>
+            <a:ext cx="1748790" cy="2340610"/>
           </a:xfrm>
         </p:spPr>
         <p:txBody>
@@ -1013,8 +1013,8 @@
         </p:nvSpPr>
         <p:spPr>
           <a:xfrm>
-            <a:off x="777240" y="219711"/>
-            <a:ext cx="10233660" cy="4681220"/>
+            <a:off x="388620" y="109856"/>
+            <a:ext cx="5116830" cy="2340610"/>
           </a:xfrm>
         </p:spPr>
         <p:txBody>
@@ -1075,7 +1075,7 @@
           <a:p>
             <a:fld id="{E4E64FA6-EB03-AE42-9D16-539ACBA29E8E}" type="datetimeFigureOut">
               <a:rPr lang="en-US" smtClean="0"/>
-              <a:t>9/10/16</a:t>
+              <a:t>9/6/16</a:t>
             </a:fld>
             <a:endParaRPr lang="en-US"/>
           </a:p>
@@ -1245,7 +1245,7 @@
           <a:p>
             <a:fld id="{E4E64FA6-EB03-AE42-9D16-539ACBA29E8E}" type="datetimeFigureOut">
               <a:rPr lang="en-US" smtClean="0"/>
-              <a:t>9/10/16</a:t>
+              <a:t>9/6/16</a:t>
             </a:fld>
             <a:endParaRPr lang="en-US"/>
           </a:p>
@@ -1335,15 +1335,15 @@
         </p:nvSpPr>
         <p:spPr>
           <a:xfrm>
-            <a:off x="1227933" y="3525521"/>
-            <a:ext cx="13213080" cy="1089660"/>
+            <a:off x="613967" y="1762761"/>
+            <a:ext cx="6606540" cy="544830"/>
           </a:xfrm>
         </p:spPr>
         <p:txBody>
           <a:bodyPr anchor="t"/>
           <a:lstStyle>
             <a:lvl1pPr algn="l">
-              <a:defRPr sz="4000" b="1" cap="all"/>
+              <a:defRPr sz="2000" b="1" cap="all"/>
             </a:lvl1pPr>
           </a:lstStyle>
           <a:p>
@@ -1367,8 +1367,8 @@
         </p:nvSpPr>
         <p:spPr>
           <a:xfrm>
-            <a:off x="1227933" y="2325371"/>
-            <a:ext cx="13213080" cy="1200150"/>
+            <a:off x="613967" y="1162686"/>
+            <a:ext cx="6606540" cy="600075"/>
           </a:xfrm>
         </p:spPr>
         <p:txBody>
@@ -1376,7 +1376,7 @@
           <a:lstStyle>
             <a:lvl1pPr marL="0" indent="0">
               <a:buNone/>
-              <a:defRPr sz="2000">
+              <a:defRPr sz="1000">
                 <a:solidFill>
                   <a:schemeClr val="tx1">
                     <a:tint val="75000"/>
@@ -1384,9 +1384,9 @@
                 </a:solidFill>
               </a:defRPr>
             </a:lvl1pPr>
-            <a:lvl2pPr marL="457200" indent="0">
-              <a:buNone/>
-              <a:defRPr sz="1800">
+            <a:lvl2pPr marL="228600" indent="0">
+              <a:buNone/>
+              <a:defRPr sz="900">
                 <a:solidFill>
                   <a:schemeClr val="tx1">
                     <a:tint val="75000"/>
@@ -1394,9 +1394,9 @@
                 </a:solidFill>
               </a:defRPr>
             </a:lvl2pPr>
-            <a:lvl3pPr marL="914400" indent="0">
-              <a:buNone/>
-              <a:defRPr sz="1600">
+            <a:lvl3pPr marL="457200" indent="0">
+              <a:buNone/>
+              <a:defRPr sz="800">
                 <a:solidFill>
                   <a:schemeClr val="tx1">
                     <a:tint val="75000"/>
@@ -1404,9 +1404,9 @@
                 </a:solidFill>
               </a:defRPr>
             </a:lvl3pPr>
-            <a:lvl4pPr marL="1371600" indent="0">
-              <a:buNone/>
-              <a:defRPr sz="1400">
+            <a:lvl4pPr marL="685800" indent="0">
+              <a:buNone/>
+              <a:defRPr sz="700">
                 <a:solidFill>
                   <a:schemeClr val="tx1">
                     <a:tint val="75000"/>
@@ -1414,9 +1414,9 @@
                 </a:solidFill>
               </a:defRPr>
             </a:lvl4pPr>
-            <a:lvl5pPr marL="1828800" indent="0">
-              <a:buNone/>
-              <a:defRPr sz="1400">
+            <a:lvl5pPr marL="914400" indent="0">
+              <a:buNone/>
+              <a:defRPr sz="700">
                 <a:solidFill>
                   <a:schemeClr val="tx1">
                     <a:tint val="75000"/>
@@ -1424,9 +1424,9 @@
                 </a:solidFill>
               </a:defRPr>
             </a:lvl5pPr>
-            <a:lvl6pPr marL="2286000" indent="0">
-              <a:buNone/>
-              <a:defRPr sz="1400">
+            <a:lvl6pPr marL="1143000" indent="0">
+              <a:buNone/>
+              <a:defRPr sz="700">
                 <a:solidFill>
                   <a:schemeClr val="tx1">
                     <a:tint val="75000"/>
@@ -1434,9 +1434,9 @@
                 </a:solidFill>
               </a:defRPr>
             </a:lvl6pPr>
-            <a:lvl7pPr marL="2743200" indent="0">
-              <a:buNone/>
-              <a:defRPr sz="1400">
+            <a:lvl7pPr marL="1371600" indent="0">
+              <a:buNone/>
+              <a:defRPr sz="700">
                 <a:solidFill>
                   <a:schemeClr val="tx1">
                     <a:tint val="75000"/>
@@ -1444,9 +1444,9 @@
                 </a:solidFill>
               </a:defRPr>
             </a:lvl7pPr>
-            <a:lvl8pPr marL="3200400" indent="0">
-              <a:buNone/>
-              <a:defRPr sz="1400">
+            <a:lvl8pPr marL="1600200" indent="0">
+              <a:buNone/>
+              <a:defRPr sz="700">
                 <a:solidFill>
                   <a:schemeClr val="tx1">
                     <a:tint val="75000"/>
@@ -1454,9 +1454,9 @@
                 </a:solidFill>
               </a:defRPr>
             </a:lvl8pPr>
-            <a:lvl9pPr marL="3657600" indent="0">
-              <a:buNone/>
-              <a:defRPr sz="1400">
+            <a:lvl9pPr marL="1828800" indent="0">
+              <a:buNone/>
+              <a:defRPr sz="700">
                 <a:solidFill>
                   <a:schemeClr val="tx1">
                     <a:tint val="75000"/>
@@ -1491,7 +1491,7 @@
           <a:p>
             <a:fld id="{E4E64FA6-EB03-AE42-9D16-539ACBA29E8E}" type="datetimeFigureOut">
               <a:rPr lang="en-US" smtClean="0"/>
-              <a:t>9/10/16</a:t>
+              <a:t>9/6/16</a:t>
             </a:fld>
             <a:endParaRPr lang="en-US"/>
           </a:p>
@@ -1604,39 +1604,39 @@
         </p:nvSpPr>
         <p:spPr>
           <a:xfrm>
-            <a:off x="777240" y="1280161"/>
-            <a:ext cx="6865620" cy="3620771"/>
+            <a:off x="388620" y="640080"/>
+            <a:ext cx="3432810" cy="1810386"/>
           </a:xfrm>
         </p:spPr>
         <p:txBody>
           <a:bodyPr/>
           <a:lstStyle>
             <a:lvl1pPr>
-              <a:defRPr sz="2800"/>
+              <a:defRPr sz="1400"/>
             </a:lvl1pPr>
             <a:lvl2pPr>
-              <a:defRPr sz="2400"/>
+              <a:defRPr sz="1200"/>
             </a:lvl2pPr>
             <a:lvl3pPr>
-              <a:defRPr sz="2000"/>
+              <a:defRPr sz="1000"/>
             </a:lvl3pPr>
             <a:lvl4pPr>
-              <a:defRPr sz="1800"/>
+              <a:defRPr sz="900"/>
             </a:lvl4pPr>
             <a:lvl5pPr>
-              <a:defRPr sz="1800"/>
+              <a:defRPr sz="900"/>
             </a:lvl5pPr>
             <a:lvl6pPr>
-              <a:defRPr sz="1800"/>
+              <a:defRPr sz="900"/>
             </a:lvl6pPr>
             <a:lvl7pPr>
-              <a:defRPr sz="1800"/>
+              <a:defRPr sz="900"/>
             </a:lvl7pPr>
             <a:lvl8pPr>
-              <a:defRPr sz="1800"/>
+              <a:defRPr sz="900"/>
             </a:lvl8pPr>
             <a:lvl9pPr>
-              <a:defRPr sz="1800"/>
+              <a:defRPr sz="900"/>
             </a:lvl9pPr>
           </a:lstStyle>
           <a:p>
@@ -1689,39 +1689,39 @@
         </p:nvSpPr>
         <p:spPr>
           <a:xfrm>
-            <a:off x="7901940" y="1280161"/>
-            <a:ext cx="6865620" cy="3620771"/>
+            <a:off x="3950970" y="640080"/>
+            <a:ext cx="3432810" cy="1810386"/>
           </a:xfrm>
         </p:spPr>
         <p:txBody>
           <a:bodyPr/>
           <a:lstStyle>
             <a:lvl1pPr>
-              <a:defRPr sz="2800"/>
+              <a:defRPr sz="1400"/>
             </a:lvl1pPr>
             <a:lvl2pPr>
-              <a:defRPr sz="2400"/>
+              <a:defRPr sz="1200"/>
             </a:lvl2pPr>
             <a:lvl3pPr>
-              <a:defRPr sz="2000"/>
+              <a:defRPr sz="1000"/>
             </a:lvl3pPr>
             <a:lvl4pPr>
-              <a:defRPr sz="1800"/>
+              <a:defRPr sz="900"/>
             </a:lvl4pPr>
             <a:lvl5pPr>
-              <a:defRPr sz="1800"/>
+              <a:defRPr sz="900"/>
             </a:lvl5pPr>
             <a:lvl6pPr>
-              <a:defRPr sz="1800"/>
+              <a:defRPr sz="900"/>
             </a:lvl6pPr>
             <a:lvl7pPr>
-              <a:defRPr sz="1800"/>
+              <a:defRPr sz="900"/>
             </a:lvl7pPr>
             <a:lvl8pPr>
-              <a:defRPr sz="1800"/>
+              <a:defRPr sz="900"/>
             </a:lvl8pPr>
             <a:lvl9pPr>
-              <a:defRPr sz="1800"/>
+              <a:defRPr sz="900"/>
             </a:lvl9pPr>
           </a:lstStyle>
           <a:p>
@@ -1779,7 +1779,7 @@
           <a:p>
             <a:fld id="{E4E64FA6-EB03-AE42-9D16-539ACBA29E8E}" type="datetimeFigureOut">
               <a:rPr lang="en-US" smtClean="0"/>
-              <a:t>9/10/16</a:t>
+              <a:t>9/6/16</a:t>
             </a:fld>
             <a:endParaRPr lang="en-US"/>
           </a:p>
@@ -1896,8 +1896,8 @@
         </p:nvSpPr>
         <p:spPr>
           <a:xfrm>
-            <a:off x="777240" y="1228091"/>
-            <a:ext cx="6868320" cy="511810"/>
+            <a:off x="388620" y="614046"/>
+            <a:ext cx="3434160" cy="255905"/>
           </a:xfrm>
         </p:spPr>
         <p:txBody>
@@ -1905,39 +1905,39 @@
           <a:lstStyle>
             <a:lvl1pPr marL="0" indent="0">
               <a:buNone/>
-              <a:defRPr sz="2400" b="1"/>
+              <a:defRPr sz="1200" b="1"/>
             </a:lvl1pPr>
-            <a:lvl2pPr marL="457200" indent="0">
-              <a:buNone/>
-              <a:defRPr sz="2000" b="1"/>
+            <a:lvl2pPr marL="228600" indent="0">
+              <a:buNone/>
+              <a:defRPr sz="1000" b="1"/>
             </a:lvl2pPr>
-            <a:lvl3pPr marL="914400" indent="0">
-              <a:buNone/>
-              <a:defRPr sz="1800" b="1"/>
+            <a:lvl3pPr marL="457200" indent="0">
+              <a:buNone/>
+              <a:defRPr sz="900" b="1"/>
             </a:lvl3pPr>
-            <a:lvl4pPr marL="1371600" indent="0">
-              <a:buNone/>
-              <a:defRPr sz="1600" b="1"/>
+            <a:lvl4pPr marL="685800" indent="0">
+              <a:buNone/>
+              <a:defRPr sz="800" b="1"/>
             </a:lvl4pPr>
-            <a:lvl5pPr marL="1828800" indent="0">
-              <a:buNone/>
-              <a:defRPr sz="1600" b="1"/>
+            <a:lvl5pPr marL="914400" indent="0">
+              <a:buNone/>
+              <a:defRPr sz="800" b="1"/>
             </a:lvl5pPr>
-            <a:lvl6pPr marL="2286000" indent="0">
-              <a:buNone/>
-              <a:defRPr sz="1600" b="1"/>
+            <a:lvl6pPr marL="1143000" indent="0">
+              <a:buNone/>
+              <a:defRPr sz="800" b="1"/>
             </a:lvl6pPr>
-            <a:lvl7pPr marL="2743200" indent="0">
-              <a:buNone/>
-              <a:defRPr sz="1600" b="1"/>
+            <a:lvl7pPr marL="1371600" indent="0">
+              <a:buNone/>
+              <a:defRPr sz="800" b="1"/>
             </a:lvl7pPr>
-            <a:lvl8pPr marL="3200400" indent="0">
-              <a:buNone/>
-              <a:defRPr sz="1600" b="1"/>
+            <a:lvl8pPr marL="1600200" indent="0">
+              <a:buNone/>
+              <a:defRPr sz="800" b="1"/>
             </a:lvl8pPr>
-            <a:lvl9pPr marL="3657600" indent="0">
-              <a:buNone/>
-              <a:defRPr sz="1600" b="1"/>
+            <a:lvl9pPr marL="1828800" indent="0">
+              <a:buNone/>
+              <a:defRPr sz="800" b="1"/>
             </a:lvl9pPr>
           </a:lstStyle>
           <a:p>
@@ -1961,39 +1961,39 @@
         </p:nvSpPr>
         <p:spPr>
           <a:xfrm>
-            <a:off x="777240" y="1739901"/>
-            <a:ext cx="6868320" cy="3161030"/>
+            <a:off x="388620" y="869950"/>
+            <a:ext cx="3434160" cy="1580515"/>
           </a:xfrm>
         </p:spPr>
         <p:txBody>
           <a:bodyPr/>
           <a:lstStyle>
             <a:lvl1pPr>
-              <a:defRPr sz="2400"/>
+              <a:defRPr sz="1200"/>
             </a:lvl1pPr>
             <a:lvl2pPr>
-              <a:defRPr sz="2000"/>
+              <a:defRPr sz="1000"/>
             </a:lvl2pPr>
             <a:lvl3pPr>
-              <a:defRPr sz="1800"/>
+              <a:defRPr sz="900"/>
             </a:lvl3pPr>
             <a:lvl4pPr>
-              <a:defRPr sz="1600"/>
+              <a:defRPr sz="800"/>
             </a:lvl4pPr>
             <a:lvl5pPr>
-              <a:defRPr sz="1600"/>
+              <a:defRPr sz="800"/>
             </a:lvl5pPr>
             <a:lvl6pPr>
-              <a:defRPr sz="1600"/>
+              <a:defRPr sz="800"/>
             </a:lvl6pPr>
             <a:lvl7pPr>
-              <a:defRPr sz="1600"/>
+              <a:defRPr sz="800"/>
             </a:lvl7pPr>
             <a:lvl8pPr>
-              <a:defRPr sz="1600"/>
+              <a:defRPr sz="800"/>
             </a:lvl8pPr>
             <a:lvl9pPr>
-              <a:defRPr sz="1600"/>
+              <a:defRPr sz="800"/>
             </a:lvl9pPr>
           </a:lstStyle>
           <a:p>
@@ -2046,8 +2046,8 @@
         </p:nvSpPr>
         <p:spPr>
           <a:xfrm>
-            <a:off x="7896547" y="1228091"/>
-            <a:ext cx="6871018" cy="511810"/>
+            <a:off x="3948274" y="614046"/>
+            <a:ext cx="3435509" cy="255905"/>
           </a:xfrm>
         </p:spPr>
         <p:txBody>
@@ -2055,39 +2055,39 @@
           <a:lstStyle>
             <a:lvl1pPr marL="0" indent="0">
               <a:buNone/>
-              <a:defRPr sz="2400" b="1"/>
+              <a:defRPr sz="1200" b="1"/>
             </a:lvl1pPr>
-            <a:lvl2pPr marL="457200" indent="0">
-              <a:buNone/>
-              <a:defRPr sz="2000" b="1"/>
+            <a:lvl2pPr marL="228600" indent="0">
+              <a:buNone/>
+              <a:defRPr sz="1000" b="1"/>
             </a:lvl2pPr>
-            <a:lvl3pPr marL="914400" indent="0">
-              <a:buNone/>
-              <a:defRPr sz="1800" b="1"/>
+            <a:lvl3pPr marL="457200" indent="0">
+              <a:buNone/>
+              <a:defRPr sz="900" b="1"/>
             </a:lvl3pPr>
-            <a:lvl4pPr marL="1371600" indent="0">
-              <a:buNone/>
-              <a:defRPr sz="1600" b="1"/>
+            <a:lvl4pPr marL="685800" indent="0">
+              <a:buNone/>
+              <a:defRPr sz="800" b="1"/>
             </a:lvl4pPr>
-            <a:lvl5pPr marL="1828800" indent="0">
-              <a:buNone/>
-              <a:defRPr sz="1600" b="1"/>
+            <a:lvl5pPr marL="914400" indent="0">
+              <a:buNone/>
+              <a:defRPr sz="800" b="1"/>
             </a:lvl5pPr>
-            <a:lvl6pPr marL="2286000" indent="0">
-              <a:buNone/>
-              <a:defRPr sz="1600" b="1"/>
+            <a:lvl6pPr marL="1143000" indent="0">
+              <a:buNone/>
+              <a:defRPr sz="800" b="1"/>
             </a:lvl6pPr>
-            <a:lvl7pPr marL="2743200" indent="0">
-              <a:buNone/>
-              <a:defRPr sz="1600" b="1"/>
+            <a:lvl7pPr marL="1371600" indent="0">
+              <a:buNone/>
+              <a:defRPr sz="800" b="1"/>
             </a:lvl7pPr>
-            <a:lvl8pPr marL="3200400" indent="0">
-              <a:buNone/>
-              <a:defRPr sz="1600" b="1"/>
+            <a:lvl8pPr marL="1600200" indent="0">
+              <a:buNone/>
+              <a:defRPr sz="800" b="1"/>
             </a:lvl8pPr>
-            <a:lvl9pPr marL="3657600" indent="0">
-              <a:buNone/>
-              <a:defRPr sz="1600" b="1"/>
+            <a:lvl9pPr marL="1828800" indent="0">
+              <a:buNone/>
+              <a:defRPr sz="800" b="1"/>
             </a:lvl9pPr>
           </a:lstStyle>
           <a:p>
@@ -2111,39 +2111,39 @@
         </p:nvSpPr>
         <p:spPr>
           <a:xfrm>
-            <a:off x="7896547" y="1739901"/>
-            <a:ext cx="6871018" cy="3161030"/>
+            <a:off x="3948274" y="869950"/>
+            <a:ext cx="3435509" cy="1580515"/>
           </a:xfrm>
         </p:spPr>
         <p:txBody>
           <a:bodyPr/>
           <a:lstStyle>
             <a:lvl1pPr>
-              <a:defRPr sz="2400"/>
+              <a:defRPr sz="1200"/>
             </a:lvl1pPr>
             <a:lvl2pPr>
-              <a:defRPr sz="2000"/>
+              <a:defRPr sz="1000"/>
             </a:lvl2pPr>
             <a:lvl3pPr>
-              <a:defRPr sz="1800"/>
+              <a:defRPr sz="900"/>
             </a:lvl3pPr>
             <a:lvl4pPr>
-              <a:defRPr sz="1600"/>
+              <a:defRPr sz="800"/>
             </a:lvl4pPr>
             <a:lvl5pPr>
-              <a:defRPr sz="1600"/>
+              <a:defRPr sz="800"/>
             </a:lvl5pPr>
             <a:lvl6pPr>
-              <a:defRPr sz="1600"/>
+              <a:defRPr sz="800"/>
             </a:lvl6pPr>
             <a:lvl7pPr>
-              <a:defRPr sz="1600"/>
+              <a:defRPr sz="800"/>
             </a:lvl7pPr>
             <a:lvl8pPr>
-              <a:defRPr sz="1600"/>
+              <a:defRPr sz="800"/>
             </a:lvl8pPr>
             <a:lvl9pPr>
-              <a:defRPr sz="1600"/>
+              <a:defRPr sz="800"/>
             </a:lvl9pPr>
           </a:lstStyle>
           <a:p>
@@ -2201,7 +2201,7 @@
           <a:p>
             <a:fld id="{E4E64FA6-EB03-AE42-9D16-539ACBA29E8E}" type="datetimeFigureOut">
               <a:rPr lang="en-US" smtClean="0"/>
-              <a:t>9/10/16</a:t>
+              <a:t>9/6/16</a:t>
             </a:fld>
             <a:endParaRPr lang="en-US"/>
           </a:p>
@@ -2319,7 +2319,7 @@
           <a:p>
             <a:fld id="{E4E64FA6-EB03-AE42-9D16-539ACBA29E8E}" type="datetimeFigureOut">
               <a:rPr lang="en-US" smtClean="0"/>
-              <a:t>9/10/16</a:t>
+              <a:t>9/6/16</a:t>
             </a:fld>
             <a:endParaRPr lang="en-US"/>
           </a:p>
@@ -2414,7 +2414,7 @@
           <a:p>
             <a:fld id="{E4E64FA6-EB03-AE42-9D16-539ACBA29E8E}" type="datetimeFigureOut">
               <a:rPr lang="en-US" smtClean="0"/>
-              <a:t>9/10/16</a:t>
+              <a:t>9/6/16</a:t>
             </a:fld>
             <a:endParaRPr lang="en-US"/>
           </a:p>
@@ -2504,15 +2504,15 @@
         </p:nvSpPr>
         <p:spPr>
           <a:xfrm>
-            <a:off x="777244" y="218440"/>
-            <a:ext cx="5114133" cy="929640"/>
+            <a:off x="388622" y="109220"/>
+            <a:ext cx="2557067" cy="464820"/>
           </a:xfrm>
         </p:spPr>
         <p:txBody>
           <a:bodyPr anchor="b"/>
           <a:lstStyle>
             <a:lvl1pPr algn="l">
-              <a:defRPr sz="2000" b="1"/>
+              <a:defRPr sz="1000" b="1"/>
             </a:lvl1pPr>
           </a:lstStyle>
           <a:p>
@@ -2536,39 +2536,39 @@
         </p:nvSpPr>
         <p:spPr>
           <a:xfrm>
-            <a:off x="6077586" y="218441"/>
-            <a:ext cx="8689975" cy="4682490"/>
+            <a:off x="3038793" y="109221"/>
+            <a:ext cx="4344988" cy="2341245"/>
           </a:xfrm>
         </p:spPr>
         <p:txBody>
           <a:bodyPr/>
           <a:lstStyle>
             <a:lvl1pPr>
-              <a:defRPr sz="3200"/>
+              <a:defRPr sz="1600"/>
             </a:lvl1pPr>
             <a:lvl2pPr>
-              <a:defRPr sz="2800"/>
+              <a:defRPr sz="1400"/>
             </a:lvl2pPr>
             <a:lvl3pPr>
-              <a:defRPr sz="2400"/>
+              <a:defRPr sz="1200"/>
             </a:lvl3pPr>
             <a:lvl4pPr>
-              <a:defRPr sz="2000"/>
+              <a:defRPr sz="1000"/>
             </a:lvl4pPr>
             <a:lvl5pPr>
-              <a:defRPr sz="2000"/>
+              <a:defRPr sz="1000"/>
             </a:lvl5pPr>
             <a:lvl6pPr>
-              <a:defRPr sz="2000"/>
+              <a:defRPr sz="1000"/>
             </a:lvl6pPr>
             <a:lvl7pPr>
-              <a:defRPr sz="2000"/>
+              <a:defRPr sz="1000"/>
             </a:lvl7pPr>
             <a:lvl8pPr>
-              <a:defRPr sz="2000"/>
+              <a:defRPr sz="1000"/>
             </a:lvl8pPr>
             <a:lvl9pPr>
-              <a:defRPr sz="2000"/>
+              <a:defRPr sz="1000"/>
             </a:lvl9pPr>
           </a:lstStyle>
           <a:p>
@@ -2621,8 +2621,8 @@
         </p:nvSpPr>
         <p:spPr>
           <a:xfrm>
-            <a:off x="777244" y="1148081"/>
-            <a:ext cx="5114133" cy="3752850"/>
+            <a:off x="388622" y="574041"/>
+            <a:ext cx="2557067" cy="1876425"/>
           </a:xfrm>
         </p:spPr>
         <p:txBody>
@@ -2630,39 +2630,39 @@
           <a:lstStyle>
             <a:lvl1pPr marL="0" indent="0">
               <a:buNone/>
-              <a:defRPr sz="1400"/>
+              <a:defRPr sz="700"/>
             </a:lvl1pPr>
-            <a:lvl2pPr marL="457200" indent="0">
-              <a:buNone/>
-              <a:defRPr sz="1200"/>
+            <a:lvl2pPr marL="228600" indent="0">
+              <a:buNone/>
+              <a:defRPr sz="600"/>
             </a:lvl2pPr>
-            <a:lvl3pPr marL="914400" indent="0">
-              <a:buNone/>
-              <a:defRPr sz="1000"/>
+            <a:lvl3pPr marL="457200" indent="0">
+              <a:buNone/>
+              <a:defRPr sz="500"/>
             </a:lvl3pPr>
-            <a:lvl4pPr marL="1371600" indent="0">
-              <a:buNone/>
-              <a:defRPr sz="900"/>
+            <a:lvl4pPr marL="685800" indent="0">
+              <a:buNone/>
+              <a:defRPr sz="500"/>
             </a:lvl4pPr>
-            <a:lvl5pPr marL="1828800" indent="0">
-              <a:buNone/>
-              <a:defRPr sz="900"/>
+            <a:lvl5pPr marL="914400" indent="0">
+              <a:buNone/>
+              <a:defRPr sz="500"/>
             </a:lvl5pPr>
-            <a:lvl6pPr marL="2286000" indent="0">
-              <a:buNone/>
-              <a:defRPr sz="900"/>
+            <a:lvl6pPr marL="1143000" indent="0">
+              <a:buNone/>
+              <a:defRPr sz="500"/>
             </a:lvl6pPr>
-            <a:lvl7pPr marL="2743200" indent="0">
-              <a:buNone/>
-              <a:defRPr sz="900"/>
+            <a:lvl7pPr marL="1371600" indent="0">
+              <a:buNone/>
+              <a:defRPr sz="500"/>
             </a:lvl7pPr>
-            <a:lvl8pPr marL="3200400" indent="0">
-              <a:buNone/>
-              <a:defRPr sz="900"/>
+            <a:lvl8pPr marL="1600200" indent="0">
+              <a:buNone/>
+              <a:defRPr sz="500"/>
             </a:lvl8pPr>
-            <a:lvl9pPr marL="3657600" indent="0">
-              <a:buNone/>
-              <a:defRPr sz="900"/>
+            <a:lvl9pPr marL="1828800" indent="0">
+              <a:buNone/>
+              <a:defRPr sz="500"/>
             </a:lvl9pPr>
           </a:lstStyle>
           <a:p>
@@ -2691,7 +2691,7 @@
           <a:p>
             <a:fld id="{E4E64FA6-EB03-AE42-9D16-539ACBA29E8E}" type="datetimeFigureOut">
               <a:rPr lang="en-US" smtClean="0"/>
-              <a:t>9/10/16</a:t>
+              <a:t>9/6/16</a:t>
             </a:fld>
             <a:endParaRPr lang="en-US"/>
           </a:p>
@@ -2781,15 +2781,15 @@
         </p:nvSpPr>
         <p:spPr>
           <a:xfrm>
-            <a:off x="3046890" y="3840481"/>
-            <a:ext cx="9326880" cy="453390"/>
+            <a:off x="1523445" y="1920241"/>
+            <a:ext cx="4663440" cy="226695"/>
           </a:xfrm>
         </p:spPr>
         <p:txBody>
           <a:bodyPr anchor="b"/>
           <a:lstStyle>
             <a:lvl1pPr algn="l">
-              <a:defRPr sz="2000" b="1"/>
+              <a:defRPr sz="1000" b="1"/>
             </a:lvl1pPr>
           </a:lstStyle>
           <a:p>
@@ -2813,8 +2813,8 @@
         </p:nvSpPr>
         <p:spPr>
           <a:xfrm>
-            <a:off x="3046890" y="490220"/>
-            <a:ext cx="9326880" cy="3291840"/>
+            <a:off x="1523445" y="245110"/>
+            <a:ext cx="4663440" cy="1645920"/>
           </a:xfrm>
         </p:spPr>
         <p:txBody>
@@ -2822,39 +2822,39 @@
           <a:lstStyle>
             <a:lvl1pPr marL="0" indent="0">
               <a:buNone/>
-              <a:defRPr sz="3200"/>
+              <a:defRPr sz="1600"/>
             </a:lvl1pPr>
-            <a:lvl2pPr marL="457200" indent="0">
-              <a:buNone/>
-              <a:defRPr sz="2800"/>
+            <a:lvl2pPr marL="228600" indent="0">
+              <a:buNone/>
+              <a:defRPr sz="1400"/>
             </a:lvl2pPr>
-            <a:lvl3pPr marL="914400" indent="0">
-              <a:buNone/>
-              <a:defRPr sz="2400"/>
+            <a:lvl3pPr marL="457200" indent="0">
+              <a:buNone/>
+              <a:defRPr sz="1200"/>
             </a:lvl3pPr>
-            <a:lvl4pPr marL="1371600" indent="0">
-              <a:buNone/>
-              <a:defRPr sz="2000"/>
+            <a:lvl4pPr marL="685800" indent="0">
+              <a:buNone/>
+              <a:defRPr sz="1000"/>
             </a:lvl4pPr>
-            <a:lvl5pPr marL="1828800" indent="0">
-              <a:buNone/>
-              <a:defRPr sz="2000"/>
+            <a:lvl5pPr marL="914400" indent="0">
+              <a:buNone/>
+              <a:defRPr sz="1000"/>
             </a:lvl5pPr>
-            <a:lvl6pPr marL="2286000" indent="0">
-              <a:buNone/>
-              <a:defRPr sz="2000"/>
+            <a:lvl6pPr marL="1143000" indent="0">
+              <a:buNone/>
+              <a:defRPr sz="1000"/>
             </a:lvl6pPr>
-            <a:lvl7pPr marL="2743200" indent="0">
-              <a:buNone/>
-              <a:defRPr sz="2000"/>
+            <a:lvl7pPr marL="1371600" indent="0">
+              <a:buNone/>
+              <a:defRPr sz="1000"/>
             </a:lvl7pPr>
-            <a:lvl8pPr marL="3200400" indent="0">
-              <a:buNone/>
-              <a:defRPr sz="2000"/>
+            <a:lvl8pPr marL="1600200" indent="0">
+              <a:buNone/>
+              <a:defRPr sz="1000"/>
             </a:lvl8pPr>
-            <a:lvl9pPr marL="3657600" indent="0">
-              <a:buNone/>
-              <a:defRPr sz="2000"/>
+            <a:lvl9pPr marL="1828800" indent="0">
+              <a:buNone/>
+              <a:defRPr sz="1000"/>
             </a:lvl9pPr>
           </a:lstStyle>
           <a:p>
@@ -2874,8 +2874,8 @@
         </p:nvSpPr>
         <p:spPr>
           <a:xfrm>
-            <a:off x="3046890" y="4293871"/>
-            <a:ext cx="9326880" cy="643890"/>
+            <a:off x="1523445" y="2146936"/>
+            <a:ext cx="4663440" cy="321945"/>
           </a:xfrm>
         </p:spPr>
         <p:txBody>
@@ -2883,39 +2883,39 @@
           <a:lstStyle>
             <a:lvl1pPr marL="0" indent="0">
               <a:buNone/>
-              <a:defRPr sz="1400"/>
+              <a:defRPr sz="700"/>
             </a:lvl1pPr>
-            <a:lvl2pPr marL="457200" indent="0">
-              <a:buNone/>
-              <a:defRPr sz="1200"/>
+            <a:lvl2pPr marL="228600" indent="0">
+              <a:buNone/>
+              <a:defRPr sz="600"/>
             </a:lvl2pPr>
-            <a:lvl3pPr marL="914400" indent="0">
-              <a:buNone/>
-              <a:defRPr sz="1000"/>
+            <a:lvl3pPr marL="457200" indent="0">
+              <a:buNone/>
+              <a:defRPr sz="500"/>
             </a:lvl3pPr>
-            <a:lvl4pPr marL="1371600" indent="0">
-              <a:buNone/>
-              <a:defRPr sz="900"/>
+            <a:lvl4pPr marL="685800" indent="0">
+              <a:buNone/>
+              <a:defRPr sz="500"/>
             </a:lvl4pPr>
-            <a:lvl5pPr marL="1828800" indent="0">
-              <a:buNone/>
-              <a:defRPr sz="900"/>
+            <a:lvl5pPr marL="914400" indent="0">
+              <a:buNone/>
+              <a:defRPr sz="500"/>
             </a:lvl5pPr>
-            <a:lvl6pPr marL="2286000" indent="0">
-              <a:buNone/>
-              <a:defRPr sz="900"/>
+            <a:lvl6pPr marL="1143000" indent="0">
+              <a:buNone/>
+              <a:defRPr sz="500"/>
             </a:lvl6pPr>
-            <a:lvl7pPr marL="2743200" indent="0">
-              <a:buNone/>
-              <a:defRPr sz="900"/>
+            <a:lvl7pPr marL="1371600" indent="0">
+              <a:buNone/>
+              <a:defRPr sz="500"/>
             </a:lvl7pPr>
-            <a:lvl8pPr marL="3200400" indent="0">
-              <a:buNone/>
-              <a:defRPr sz="900"/>
+            <a:lvl8pPr marL="1600200" indent="0">
+              <a:buNone/>
+              <a:defRPr sz="500"/>
             </a:lvl8pPr>
-            <a:lvl9pPr marL="3657600" indent="0">
-              <a:buNone/>
-              <a:defRPr sz="900"/>
+            <a:lvl9pPr marL="1828800" indent="0">
+              <a:buNone/>
+              <a:defRPr sz="500"/>
             </a:lvl9pPr>
           </a:lstStyle>
           <a:p>
@@ -2944,7 +2944,7 @@
           <a:p>
             <a:fld id="{E4E64FA6-EB03-AE42-9D16-539ACBA29E8E}" type="datetimeFigureOut">
               <a:rPr lang="en-US" smtClean="0"/>
-              <a:t>9/10/16</a:t>
+              <a:t>9/6/16</a:t>
             </a:fld>
             <a:endParaRPr lang="en-US"/>
           </a:p>
@@ -3039,15 +3039,15 @@
         </p:nvSpPr>
         <p:spPr>
           <a:xfrm>
-            <a:off x="777240" y="219710"/>
-            <a:ext cx="13990320" cy="914400"/>
+            <a:off x="388620" y="109855"/>
+            <a:ext cx="6995160" cy="457200"/>
           </a:xfrm>
           <a:prstGeom prst="rect">
             <a:avLst/>
           </a:prstGeom>
         </p:spPr>
         <p:txBody>
-          <a:bodyPr vert="horz" lIns="91440" tIns="45720" rIns="91440" bIns="45720" rtlCol="0" anchor="ctr">
+          <a:bodyPr vert="horz" lIns="45720" tIns="22860" rIns="45720" bIns="22860" rtlCol="0" anchor="ctr">
             <a:normAutofit/>
           </a:bodyPr>
           <a:lstStyle/>
@@ -3072,15 +3072,15 @@
         </p:nvSpPr>
         <p:spPr>
           <a:xfrm>
-            <a:off x="777240" y="1280161"/>
-            <a:ext cx="13990320" cy="3620771"/>
+            <a:off x="388620" y="640080"/>
+            <a:ext cx="6995160" cy="1810386"/>
           </a:xfrm>
           <a:prstGeom prst="rect">
             <a:avLst/>
           </a:prstGeom>
         </p:spPr>
         <p:txBody>
-          <a:bodyPr vert="horz" lIns="91440" tIns="45720" rIns="91440" bIns="45720" rtlCol="0">
+          <a:bodyPr vert="horz" lIns="45720" tIns="22860" rIns="45720" bIns="22860" rtlCol="0">
             <a:normAutofit/>
           </a:bodyPr>
           <a:lstStyle/>
@@ -3134,18 +3134,18 @@
         </p:nvSpPr>
         <p:spPr>
           <a:xfrm>
-            <a:off x="777240" y="5085081"/>
-            <a:ext cx="3627120" cy="292100"/>
+            <a:off x="388620" y="2542541"/>
+            <a:ext cx="1813560" cy="146050"/>
           </a:xfrm>
           <a:prstGeom prst="rect">
             <a:avLst/>
           </a:prstGeom>
         </p:spPr>
         <p:txBody>
-          <a:bodyPr vert="horz" lIns="91440" tIns="45720" rIns="91440" bIns="45720" rtlCol="0" anchor="ctr"/>
+          <a:bodyPr vert="horz" lIns="45720" tIns="22860" rIns="45720" bIns="22860" rtlCol="0" anchor="ctr"/>
           <a:lstStyle>
             <a:lvl1pPr algn="l">
-              <a:defRPr sz="1200">
+              <a:defRPr sz="600">
                 <a:solidFill>
                   <a:schemeClr val="tx1">
                     <a:tint val="75000"/>
@@ -3157,7 +3157,7 @@
           <a:p>
             <a:fld id="{E4E64FA6-EB03-AE42-9D16-539ACBA29E8E}" type="datetimeFigureOut">
               <a:rPr lang="en-US" smtClean="0"/>
-              <a:t>9/10/16</a:t>
+              <a:t>9/6/16</a:t>
             </a:fld>
             <a:endParaRPr lang="en-US"/>
           </a:p>
@@ -3175,18 +3175,18 @@
         </p:nvSpPr>
         <p:spPr>
           <a:xfrm>
-            <a:off x="5311140" y="5085081"/>
-            <a:ext cx="4922520" cy="292100"/>
+            <a:off x="2655570" y="2542541"/>
+            <a:ext cx="2461260" cy="146050"/>
           </a:xfrm>
           <a:prstGeom prst="rect">
             <a:avLst/>
           </a:prstGeom>
         </p:spPr>
         <p:txBody>
-          <a:bodyPr vert="horz" lIns="91440" tIns="45720" rIns="91440" bIns="45720" rtlCol="0" anchor="ctr"/>
+          <a:bodyPr vert="horz" lIns="45720" tIns="22860" rIns="45720" bIns="22860" rtlCol="0" anchor="ctr"/>
           <a:lstStyle>
             <a:lvl1pPr algn="ctr">
-              <a:defRPr sz="1200">
+              <a:defRPr sz="600">
                 <a:solidFill>
                   <a:schemeClr val="tx1">
                     <a:tint val="75000"/>
@@ -3212,18 +3212,18 @@
         </p:nvSpPr>
         <p:spPr>
           <a:xfrm>
-            <a:off x="11140440" y="5085081"/>
-            <a:ext cx="3627120" cy="292100"/>
+            <a:off x="5570220" y="2542541"/>
+            <a:ext cx="1813560" cy="146050"/>
           </a:xfrm>
           <a:prstGeom prst="rect">
             <a:avLst/>
           </a:prstGeom>
         </p:spPr>
         <p:txBody>
-          <a:bodyPr vert="horz" lIns="91440" tIns="45720" rIns="91440" bIns="45720" rtlCol="0" anchor="ctr"/>
+          <a:bodyPr vert="horz" lIns="45720" tIns="22860" rIns="45720" bIns="22860" rtlCol="0" anchor="ctr"/>
           <a:lstStyle>
             <a:lvl1pPr algn="r">
-              <a:defRPr sz="1200">
+              <a:defRPr sz="600">
                 <a:solidFill>
                   <a:schemeClr val="tx1">
                     <a:tint val="75000"/>
@@ -3264,12 +3264,12 @@
   </p:sldLayoutIdLst>
   <p:txStyles>
     <p:titleStyle>
-      <a:lvl1pPr algn="ctr" defTabSz="457200" rtl="0" eaLnBrk="1" latinLnBrk="0" hangingPunct="1">
+      <a:lvl1pPr algn="ctr" defTabSz="228600" rtl="0" eaLnBrk="1" latinLnBrk="0" hangingPunct="1">
         <a:spcBef>
           <a:spcPct val="0"/>
         </a:spcBef>
         <a:buNone/>
-        <a:defRPr sz="4400" kern="1200">
+        <a:defRPr sz="2200" kern="1200">
           <a:solidFill>
             <a:schemeClr val="tx1"/>
           </a:solidFill>
@@ -3280,13 +3280,13 @@
       </a:lvl1pPr>
     </p:titleStyle>
     <p:bodyStyle>
-      <a:lvl1pPr marL="342900" indent="-342900" algn="l" defTabSz="457200" rtl="0" eaLnBrk="1" latinLnBrk="0" hangingPunct="1">
+      <a:lvl1pPr marL="171450" indent="-171450" algn="l" defTabSz="228600" rtl="0" eaLnBrk="1" latinLnBrk="0" hangingPunct="1">
         <a:spcBef>
           <a:spcPct val="20000"/>
         </a:spcBef>
         <a:buFont typeface="Arial"/>
         <a:buChar char="•"/>
-        <a:defRPr sz="3200" kern="1200">
+        <a:defRPr sz="1600" kern="1200">
           <a:solidFill>
             <a:schemeClr val="tx1"/>
           </a:solidFill>
@@ -3295,13 +3295,13 @@
           <a:cs typeface="+mn-cs"/>
         </a:defRPr>
       </a:lvl1pPr>
-      <a:lvl2pPr marL="742950" indent="-285750" algn="l" defTabSz="457200" rtl="0" eaLnBrk="1" latinLnBrk="0" hangingPunct="1">
+      <a:lvl2pPr marL="371475" indent="-142875" algn="l" defTabSz="228600" rtl="0" eaLnBrk="1" latinLnBrk="0" hangingPunct="1">
         <a:spcBef>
           <a:spcPct val="20000"/>
         </a:spcBef>
         <a:buFont typeface="Arial"/>
         <a:buChar char="–"/>
-        <a:defRPr sz="2800" kern="1200">
+        <a:defRPr sz="1400" kern="1200">
           <a:solidFill>
             <a:schemeClr val="tx1"/>
           </a:solidFill>
@@ -3310,13 +3310,13 @@
           <a:cs typeface="+mn-cs"/>
         </a:defRPr>
       </a:lvl2pPr>
-      <a:lvl3pPr marL="1143000" indent="-228600" algn="l" defTabSz="457200" rtl="0" eaLnBrk="1" latinLnBrk="0" hangingPunct="1">
+      <a:lvl3pPr marL="571500" indent="-114300" algn="l" defTabSz="228600" rtl="0" eaLnBrk="1" latinLnBrk="0" hangingPunct="1">
         <a:spcBef>
           <a:spcPct val="20000"/>
         </a:spcBef>
         <a:buFont typeface="Arial"/>
         <a:buChar char="•"/>
-        <a:defRPr sz="2400" kern="1200">
+        <a:defRPr sz="1200" kern="1200">
           <a:solidFill>
             <a:schemeClr val="tx1"/>
           </a:solidFill>
@@ -3325,13 +3325,13 @@
           <a:cs typeface="+mn-cs"/>
         </a:defRPr>
       </a:lvl3pPr>
-      <a:lvl4pPr marL="1600200" indent="-228600" algn="l" defTabSz="457200" rtl="0" eaLnBrk="1" latinLnBrk="0" hangingPunct="1">
+      <a:lvl4pPr marL="800100" indent="-114300" algn="l" defTabSz="228600" rtl="0" eaLnBrk="1" latinLnBrk="0" hangingPunct="1">
         <a:spcBef>
           <a:spcPct val="20000"/>
         </a:spcBef>
         <a:buFont typeface="Arial"/>
         <a:buChar char="–"/>
-        <a:defRPr sz="2000" kern="1200">
+        <a:defRPr sz="1000" kern="1200">
           <a:solidFill>
             <a:schemeClr val="tx1"/>
           </a:solidFill>
@@ -3340,13 +3340,13 @@
           <a:cs typeface="+mn-cs"/>
         </a:defRPr>
       </a:lvl4pPr>
-      <a:lvl5pPr marL="2057400" indent="-228600" algn="l" defTabSz="457200" rtl="0" eaLnBrk="1" latinLnBrk="0" hangingPunct="1">
+      <a:lvl5pPr marL="1028700" indent="-114300" algn="l" defTabSz="228600" rtl="0" eaLnBrk="1" latinLnBrk="0" hangingPunct="1">
         <a:spcBef>
           <a:spcPct val="20000"/>
         </a:spcBef>
         <a:buFont typeface="Arial"/>
         <a:buChar char="»"/>
-        <a:defRPr sz="2000" kern="1200">
+        <a:defRPr sz="1000" kern="1200">
           <a:solidFill>
             <a:schemeClr val="tx1"/>
           </a:solidFill>
@@ -3355,13 +3355,13 @@
           <a:cs typeface="+mn-cs"/>
         </a:defRPr>
       </a:lvl5pPr>
-      <a:lvl6pPr marL="2514600" indent="-228600" algn="l" defTabSz="457200" rtl="0" eaLnBrk="1" latinLnBrk="0" hangingPunct="1">
+      <a:lvl6pPr marL="1257300" indent="-114300" algn="l" defTabSz="228600" rtl="0" eaLnBrk="1" latinLnBrk="0" hangingPunct="1">
         <a:spcBef>
           <a:spcPct val="20000"/>
         </a:spcBef>
         <a:buFont typeface="Arial"/>
         <a:buChar char="•"/>
-        <a:defRPr sz="2000" kern="1200">
+        <a:defRPr sz="1000" kern="1200">
           <a:solidFill>
             <a:schemeClr val="tx1"/>
           </a:solidFill>
@@ -3370,13 +3370,13 @@
           <a:cs typeface="+mn-cs"/>
         </a:defRPr>
       </a:lvl6pPr>
-      <a:lvl7pPr marL="2971800" indent="-228600" algn="l" defTabSz="457200" rtl="0" eaLnBrk="1" latinLnBrk="0" hangingPunct="1">
+      <a:lvl7pPr marL="1485900" indent="-114300" algn="l" defTabSz="228600" rtl="0" eaLnBrk="1" latinLnBrk="0" hangingPunct="1">
         <a:spcBef>
           <a:spcPct val="20000"/>
         </a:spcBef>
         <a:buFont typeface="Arial"/>
         <a:buChar char="•"/>
-        <a:defRPr sz="2000" kern="1200">
+        <a:defRPr sz="1000" kern="1200">
           <a:solidFill>
             <a:schemeClr val="tx1"/>
           </a:solidFill>
@@ -3385,13 +3385,13 @@
           <a:cs typeface="+mn-cs"/>
         </a:defRPr>
       </a:lvl7pPr>
-      <a:lvl8pPr marL="3429000" indent="-228600" algn="l" defTabSz="457200" rtl="0" eaLnBrk="1" latinLnBrk="0" hangingPunct="1">
+      <a:lvl8pPr marL="1714500" indent="-114300" algn="l" defTabSz="228600" rtl="0" eaLnBrk="1" latinLnBrk="0" hangingPunct="1">
         <a:spcBef>
           <a:spcPct val="20000"/>
         </a:spcBef>
         <a:buFont typeface="Arial"/>
         <a:buChar char="•"/>
-        <a:defRPr sz="2000" kern="1200">
+        <a:defRPr sz="1000" kern="1200">
           <a:solidFill>
             <a:schemeClr val="tx1"/>
           </a:solidFill>
@@ -3400,13 +3400,13 @@
           <a:cs typeface="+mn-cs"/>
         </a:defRPr>
       </a:lvl8pPr>
-      <a:lvl9pPr marL="3886200" indent="-228600" algn="l" defTabSz="457200" rtl="0" eaLnBrk="1" latinLnBrk="0" hangingPunct="1">
+      <a:lvl9pPr marL="1943100" indent="-114300" algn="l" defTabSz="228600" rtl="0" eaLnBrk="1" latinLnBrk="0" hangingPunct="1">
         <a:spcBef>
           <a:spcPct val="20000"/>
         </a:spcBef>
         <a:buFont typeface="Arial"/>
         <a:buChar char="•"/>
-        <a:defRPr sz="2000" kern="1200">
+        <a:defRPr sz="1000" kern="1200">
           <a:solidFill>
             <a:schemeClr val="tx1"/>
           </a:solidFill>
@@ -3420,8 +3420,8 @@
       <a:defPPr>
         <a:defRPr lang="en-US"/>
       </a:defPPr>
-      <a:lvl1pPr marL="0" algn="l" defTabSz="457200" rtl="0" eaLnBrk="1" latinLnBrk="0" hangingPunct="1">
-        <a:defRPr sz="1800" kern="1200">
+      <a:lvl1pPr marL="0" algn="l" defTabSz="228600" rtl="0" eaLnBrk="1" latinLnBrk="0" hangingPunct="1">
+        <a:defRPr sz="900" kern="1200">
           <a:solidFill>
             <a:schemeClr val="tx1"/>
           </a:solidFill>
@@ -3430,8 +3430,8 @@
           <a:cs typeface="+mn-cs"/>
         </a:defRPr>
       </a:lvl1pPr>
-      <a:lvl2pPr marL="457200" algn="l" defTabSz="457200" rtl="0" eaLnBrk="1" latinLnBrk="0" hangingPunct="1">
-        <a:defRPr sz="1800" kern="1200">
+      <a:lvl2pPr marL="228600" algn="l" defTabSz="228600" rtl="0" eaLnBrk="1" latinLnBrk="0" hangingPunct="1">
+        <a:defRPr sz="900" kern="1200">
           <a:solidFill>
             <a:schemeClr val="tx1"/>
           </a:solidFill>
@@ -3440,8 +3440,8 @@
           <a:cs typeface="+mn-cs"/>
         </a:defRPr>
       </a:lvl2pPr>
-      <a:lvl3pPr marL="914400" algn="l" defTabSz="457200" rtl="0" eaLnBrk="1" latinLnBrk="0" hangingPunct="1">
-        <a:defRPr sz="1800" kern="1200">
+      <a:lvl3pPr marL="457200" algn="l" defTabSz="228600" rtl="0" eaLnBrk="1" latinLnBrk="0" hangingPunct="1">
+        <a:defRPr sz="900" kern="1200">
           <a:solidFill>
             <a:schemeClr val="tx1"/>
           </a:solidFill>
@@ -3450,8 +3450,8 @@
           <a:cs typeface="+mn-cs"/>
         </a:defRPr>
       </a:lvl3pPr>
-      <a:lvl4pPr marL="1371600" algn="l" defTabSz="457200" rtl="0" eaLnBrk="1" latinLnBrk="0" hangingPunct="1">
-        <a:defRPr sz="1800" kern="1200">
+      <a:lvl4pPr marL="685800" algn="l" defTabSz="228600" rtl="0" eaLnBrk="1" latinLnBrk="0" hangingPunct="1">
+        <a:defRPr sz="900" kern="1200">
           <a:solidFill>
             <a:schemeClr val="tx1"/>
           </a:solidFill>
@@ -3460,8 +3460,8 @@
           <a:cs typeface="+mn-cs"/>
         </a:defRPr>
       </a:lvl4pPr>
-      <a:lvl5pPr marL="1828800" algn="l" defTabSz="457200" rtl="0" eaLnBrk="1" latinLnBrk="0" hangingPunct="1">
-        <a:defRPr sz="1800" kern="1200">
+      <a:lvl5pPr marL="914400" algn="l" defTabSz="228600" rtl="0" eaLnBrk="1" latinLnBrk="0" hangingPunct="1">
+        <a:defRPr sz="900" kern="1200">
           <a:solidFill>
             <a:schemeClr val="tx1"/>
           </a:solidFill>
@@ -3470,8 +3470,8 @@
           <a:cs typeface="+mn-cs"/>
         </a:defRPr>
       </a:lvl5pPr>
-      <a:lvl6pPr marL="2286000" algn="l" defTabSz="457200" rtl="0" eaLnBrk="1" latinLnBrk="0" hangingPunct="1">
-        <a:defRPr sz="1800" kern="1200">
+      <a:lvl6pPr marL="1143000" algn="l" defTabSz="228600" rtl="0" eaLnBrk="1" latinLnBrk="0" hangingPunct="1">
+        <a:defRPr sz="900" kern="1200">
           <a:solidFill>
             <a:schemeClr val="tx1"/>
           </a:solidFill>
@@ -3480,8 +3480,8 @@
           <a:cs typeface="+mn-cs"/>
         </a:defRPr>
       </a:lvl6pPr>
-      <a:lvl7pPr marL="2743200" algn="l" defTabSz="457200" rtl="0" eaLnBrk="1" latinLnBrk="0" hangingPunct="1">
-        <a:defRPr sz="1800" kern="1200">
+      <a:lvl7pPr marL="1371600" algn="l" defTabSz="228600" rtl="0" eaLnBrk="1" latinLnBrk="0" hangingPunct="1">
+        <a:defRPr sz="900" kern="1200">
           <a:solidFill>
             <a:schemeClr val="tx1"/>
           </a:solidFill>
@@ -3490,8 +3490,8 @@
           <a:cs typeface="+mn-cs"/>
         </a:defRPr>
       </a:lvl7pPr>
-      <a:lvl8pPr marL="3200400" algn="l" defTabSz="457200" rtl="0" eaLnBrk="1" latinLnBrk="0" hangingPunct="1">
-        <a:defRPr sz="1800" kern="1200">
+      <a:lvl8pPr marL="1600200" algn="l" defTabSz="228600" rtl="0" eaLnBrk="1" latinLnBrk="0" hangingPunct="1">
+        <a:defRPr sz="900" kern="1200">
           <a:solidFill>
             <a:schemeClr val="tx1"/>
           </a:solidFill>
@@ -3500,8 +3500,8 @@
           <a:cs typeface="+mn-cs"/>
         </a:defRPr>
       </a:lvl8pPr>
-      <a:lvl9pPr marL="3657600" algn="l" defTabSz="457200" rtl="0" eaLnBrk="1" latinLnBrk="0" hangingPunct="1">
-        <a:defRPr sz="1800" kern="1200">
+      <a:lvl9pPr marL="1828800" algn="l" defTabSz="228600" rtl="0" eaLnBrk="1" latinLnBrk="0" hangingPunct="1">
+        <a:defRPr sz="900" kern="1200">
           <a:solidFill>
             <a:schemeClr val="tx1"/>
           </a:solidFill>
@@ -3541,15 +3541,21 @@
           <p:nvPr/>
         </p:nvPicPr>
         <p:blipFill>
-          <a:blip r:embed="rId4"/>
+          <a:blip r:embed="rId4" cstate="email">
+            <a:extLst>
+              <a:ext uri="{28A0092B-C50C-407E-A947-70E740481C1C}">
+                <a14:useLocalDpi xmlns:a14="http://schemas.microsoft.com/office/drawing/2010/main"/>
+              </a:ext>
+            </a:extLst>
+          </a:blip>
           <a:stretch>
             <a:fillRect/>
           </a:stretch>
         </p:blipFill>
         <p:spPr>
           <a:xfrm>
-            <a:off x="6583532" y="13409"/>
-            <a:ext cx="4572000" cy="2794000"/>
+            <a:off x="3291766" y="6705"/>
+            <a:ext cx="2286000" cy="1397000"/>
           </a:xfrm>
           <a:prstGeom prst="rect">
             <a:avLst/>
@@ -3565,15 +3571,21 @@
           <p:nvPr/>
         </p:nvPicPr>
         <p:blipFill>
-          <a:blip r:embed="rId5"/>
+          <a:blip r:embed="rId5" cstate="email">
+            <a:extLst>
+              <a:ext uri="{28A0092B-C50C-407E-A947-70E740481C1C}">
+                <a14:useLocalDpi xmlns:a14="http://schemas.microsoft.com/office/drawing/2010/main"/>
+              </a:ext>
+            </a:extLst>
+          </a:blip>
           <a:stretch>
             <a:fillRect/>
           </a:stretch>
         </p:blipFill>
         <p:spPr>
           <a:xfrm>
-            <a:off x="11004805" y="49038"/>
-            <a:ext cx="4572000" cy="2616200"/>
+            <a:off x="5502403" y="24519"/>
+            <a:ext cx="2286000" cy="1308100"/>
           </a:xfrm>
           <a:prstGeom prst="rect">
             <a:avLst/>
@@ -3589,15 +3601,21 @@
           <p:nvPr/>
         </p:nvPicPr>
         <p:blipFill>
-          <a:blip r:embed="rId6"/>
+          <a:blip r:embed="rId6" cstate="email">
+            <a:extLst>
+              <a:ext uri="{28A0092B-C50C-407E-A947-70E740481C1C}">
+                <a14:useLocalDpi xmlns:a14="http://schemas.microsoft.com/office/drawing/2010/main"/>
+              </a:ext>
+            </a:extLst>
+          </a:blip>
           <a:stretch>
             <a:fillRect/>
           </a:stretch>
         </p:blipFill>
         <p:spPr>
           <a:xfrm>
-            <a:off x="6500537" y="2752763"/>
-            <a:ext cx="4572000" cy="2781300"/>
+            <a:off x="3250269" y="1384848"/>
+            <a:ext cx="2286000" cy="1390650"/>
           </a:xfrm>
           <a:prstGeom prst="rect">
             <a:avLst/>
@@ -3613,15 +3631,21 @@
           <p:nvPr/>
         </p:nvPicPr>
         <p:blipFill>
-          <a:blip r:embed="rId7"/>
+          <a:blip r:embed="rId7" cstate="email">
+            <a:extLst>
+              <a:ext uri="{28A0092B-C50C-407E-A947-70E740481C1C}">
+                <a14:useLocalDpi xmlns:a14="http://schemas.microsoft.com/office/drawing/2010/main"/>
+              </a:ext>
+            </a:extLst>
+          </a:blip>
           <a:stretch>
             <a:fillRect/>
           </a:stretch>
         </p:blipFill>
         <p:spPr>
           <a:xfrm>
-            <a:off x="11072537" y="2815167"/>
-            <a:ext cx="4493964" cy="2654300"/>
+            <a:off x="5536269" y="1416050"/>
+            <a:ext cx="2246982" cy="1327150"/>
           </a:xfrm>
           <a:prstGeom prst="rect">
             <a:avLst/>
@@ -3637,15 +3661,21 @@
           <p:nvPr/>
         </p:nvPicPr>
         <p:blipFill>
-          <a:blip r:embed="rId8"/>
+          <a:blip r:embed="rId8" cstate="email">
+            <a:extLst>
+              <a:ext uri="{28A0092B-C50C-407E-A947-70E740481C1C}">
+                <a14:useLocalDpi xmlns:a14="http://schemas.microsoft.com/office/drawing/2010/main"/>
+              </a:ext>
+            </a:extLst>
+          </a:blip>
           <a:stretch>
             <a:fillRect/>
           </a:stretch>
         </p:blipFill>
         <p:spPr>
           <a:xfrm>
-            <a:off x="-126749" y="527617"/>
-            <a:ext cx="4350561" cy="4350561"/>
+            <a:off x="-63374" y="263809"/>
+            <a:ext cx="2175281" cy="2175281"/>
           </a:xfrm>
           <a:prstGeom prst="rect">
             <a:avLst/>
@@ -3661,15 +3691,21 @@
           <p:nvPr/>
         </p:nvPicPr>
         <p:blipFill>
-          <a:blip r:embed="rId9"/>
+          <a:blip r:embed="rId9" cstate="email">
+            <a:extLst>
+              <a:ext uri="{28A0092B-C50C-407E-A947-70E740481C1C}">
+                <a14:useLocalDpi xmlns:a14="http://schemas.microsoft.com/office/drawing/2010/main"/>
+              </a:ext>
+            </a:extLst>
+          </a:blip>
           <a:stretch>
             <a:fillRect/>
           </a:stretch>
         </p:blipFill>
         <p:spPr>
           <a:xfrm>
-            <a:off x="6294741" y="-3918760"/>
-            <a:ext cx="4347757" cy="2693194"/>
+            <a:off x="3147371" y="-1959380"/>
+            <a:ext cx="2173879" cy="1346597"/>
           </a:xfrm>
           <a:prstGeom prst="rect">
             <a:avLst/>
@@ -3684,15 +3720,15 @@
         </p:nvSpPr>
         <p:spPr>
           <a:xfrm>
-            <a:off x="2081507" y="2336475"/>
-            <a:ext cx="901961" cy="369332"/>
+            <a:off x="1040754" y="1168238"/>
+            <a:ext cx="450981" cy="184666"/>
           </a:xfrm>
           <a:prstGeom prst="rect">
             <a:avLst/>
           </a:prstGeom>
         </p:spPr>
         <p:txBody>
-          <a:bodyPr wrap="square">
+          <a:bodyPr wrap="square" lIns="45720" tIns="22860" rIns="45720" bIns="22860">
             <a:spAutoFit/>
           </a:bodyPr>
           <a:lstStyle/>
@@ -3727,8 +3763,8 @@
         </p:nvSpPr>
         <p:spPr>
           <a:xfrm rot="4728370" flipH="1">
-            <a:off x="1456326" y="2140779"/>
-            <a:ext cx="1149449" cy="1176757"/>
+            <a:off x="728163" y="1070390"/>
+            <a:ext cx="574725" cy="588379"/>
           </a:xfrm>
           <a:prstGeom prst="circularArrow">
             <a:avLst>
@@ -3761,7 +3797,7 @@
           </a:fontRef>
         </p:style>
         <p:txBody>
-          <a:bodyPr rtlCol="0" anchor="ctr"/>
+          <a:bodyPr lIns="45720" tIns="22860" rIns="45720" bIns="22860" rtlCol="0" anchor="ctr"/>
           <a:lstStyle/>
           <a:p>
             <a:pPr algn="ctr"/>
@@ -3781,8 +3817,8 @@
         </p:nvCxnSpPr>
         <p:spPr>
           <a:xfrm>
-            <a:off x="2081507" y="2705807"/>
-            <a:ext cx="1233766" cy="0"/>
+            <a:off x="1040754" y="1352904"/>
+            <a:ext cx="616883" cy="0"/>
           </a:xfrm>
           <a:prstGeom prst="line">
             <a:avLst/>
@@ -3817,8 +3853,8 @@
         </p:nvSpPr>
         <p:spPr>
           <a:xfrm>
-            <a:off x="1710520" y="2910788"/>
-            <a:ext cx="742976" cy="369332"/>
+            <a:off x="855260" y="1455394"/>
+            <a:ext cx="371488" cy="184666"/>
           </a:xfrm>
           <a:prstGeom prst="rect">
             <a:avLst/>
@@ -3830,7 +3866,7 @@
           </a:solidFill>
         </p:spPr>
         <p:txBody>
-          <a:bodyPr wrap="square">
+          <a:bodyPr wrap="square" lIns="45720" tIns="22860" rIns="45720" bIns="22860">
             <a:spAutoFit/>
           </a:bodyPr>
           <a:lstStyle/>
@@ -3872,8 +3908,8 @@
         </p:nvSpPr>
         <p:spPr>
           <a:xfrm>
-            <a:off x="1862920" y="3247854"/>
-            <a:ext cx="513608" cy="369332"/>
+            <a:off x="931460" y="1623927"/>
+            <a:ext cx="256804" cy="184666"/>
           </a:xfrm>
           <a:prstGeom prst="rect">
             <a:avLst/>
@@ -3885,7 +3921,7 @@
           </a:solidFill>
         </p:spPr>
         <p:txBody>
-          <a:bodyPr wrap="square">
+          <a:bodyPr wrap="square" lIns="45720" tIns="22860" rIns="45720" bIns="22860">
             <a:spAutoFit/>
           </a:bodyPr>
           <a:lstStyle/>
@@ -3920,8 +3956,8 @@
         </p:nvSpPr>
         <p:spPr>
           <a:xfrm>
-            <a:off x="1976831" y="3617186"/>
-            <a:ext cx="476665" cy="369332"/>
+            <a:off x="988416" y="1808593"/>
+            <a:ext cx="238333" cy="184666"/>
           </a:xfrm>
           <a:prstGeom prst="rect">
             <a:avLst/>
@@ -3933,7 +3969,7 @@
           </a:solidFill>
         </p:spPr>
         <p:txBody>
-          <a:bodyPr wrap="square">
+          <a:bodyPr wrap="square" lIns="45720" tIns="22860" rIns="45720" bIns="22860">
             <a:spAutoFit/>
           </a:bodyPr>
           <a:lstStyle/>
@@ -3968,8 +4004,8 @@
         </p:nvSpPr>
         <p:spPr>
           <a:xfrm>
-            <a:off x="2330346" y="3769586"/>
-            <a:ext cx="476665" cy="369332"/>
+            <a:off x="1165173" y="1884793"/>
+            <a:ext cx="238333" cy="184666"/>
           </a:xfrm>
           <a:prstGeom prst="rect">
             <a:avLst/>
@@ -3981,7 +4017,7 @@
           </a:solidFill>
         </p:spPr>
         <p:txBody>
-          <a:bodyPr wrap="square">
+          <a:bodyPr wrap="square" lIns="45720" tIns="22860" rIns="45720" bIns="22860">
             <a:spAutoFit/>
           </a:bodyPr>
           <a:lstStyle/>
@@ -4008,8 +4044,8 @@
         </p:nvSpPr>
         <p:spPr>
           <a:xfrm>
-            <a:off x="2807011" y="3954252"/>
-            <a:ext cx="670170" cy="369332"/>
+            <a:off x="1403506" y="1977126"/>
+            <a:ext cx="335085" cy="184666"/>
           </a:xfrm>
           <a:prstGeom prst="rect">
             <a:avLst/>
@@ -4021,7 +4057,7 @@
           </a:solidFill>
         </p:spPr>
         <p:txBody>
-          <a:bodyPr wrap="square">
+          <a:bodyPr wrap="square" lIns="45720" tIns="22860" rIns="45720" bIns="22860">
             <a:spAutoFit/>
           </a:bodyPr>
           <a:lstStyle/>
@@ -4056,10 +4092,10 @@
         </p:nvGrpSpPr>
         <p:grpSpPr>
           <a:xfrm>
-            <a:off x="3856486" y="189904"/>
-            <a:ext cx="2697859" cy="2919107"/>
+            <a:off x="1928243" y="94952"/>
+            <a:ext cx="1348930" cy="1459553"/>
             <a:chOff x="3723884" y="2797338"/>
-            <a:chExt cx="2697859" cy="2919107"/>
+            <a:chExt cx="2697859" cy="2919106"/>
           </a:xfrm>
         </p:grpSpPr>
         <p:pic>
@@ -4136,8 +4172,8 @@
           </p:nvSpPr>
           <p:spPr>
             <a:xfrm rot="2773836">
-              <a:off x="4696014" y="4553253"/>
-              <a:ext cx="1957052" cy="369332"/>
+              <a:off x="4696014" y="4507087"/>
+              <a:ext cx="1957051" cy="461664"/>
             </a:xfrm>
             <a:prstGeom prst="rect">
               <a:avLst/>
@@ -4167,8 +4203,8 @@
         </p:nvGrpSpPr>
         <p:grpSpPr>
           <a:xfrm>
-            <a:off x="4266146" y="3233041"/>
-            <a:ext cx="2219098" cy="2532556"/>
+            <a:off x="2133073" y="1616521"/>
+            <a:ext cx="1109549" cy="1266278"/>
             <a:chOff x="4024624" y="107175"/>
             <a:chExt cx="2219098" cy="2532556"/>
           </a:xfrm>
@@ -4247,8 +4283,8 @@
           </p:nvSpPr>
           <p:spPr>
             <a:xfrm rot="3350588">
-              <a:off x="4766386" y="1476539"/>
-              <a:ext cx="1957052" cy="369332"/>
+              <a:off x="4766386" y="1430373"/>
+              <a:ext cx="1957052" cy="461664"/>
             </a:xfrm>
             <a:prstGeom prst="rect">
               <a:avLst/>
@@ -4292,8 +4328,8 @@
         </p:blipFill>
         <p:spPr>
           <a:xfrm rot="8275030">
-            <a:off x="3521972" y="138647"/>
-            <a:ext cx="506466" cy="621431"/>
+            <a:off x="1760986" y="69323"/>
+            <a:ext cx="253233" cy="310716"/>
           </a:xfrm>
           <a:prstGeom prst="rect">
             <a:avLst/>
@@ -4322,8 +4358,8 @@
         </p:blipFill>
         <p:spPr>
           <a:xfrm rot="8808167">
-            <a:off x="4061551" y="2822671"/>
-            <a:ext cx="506466" cy="621431"/>
+            <a:off x="2030776" y="1411336"/>
+            <a:ext cx="253233" cy="310716"/>
           </a:xfrm>
           <a:prstGeom prst="rect">
             <a:avLst/>
@@ -4345,14 +4381,14 @@
           </p:nvPr>
         </p:nvGraphicFramePr>
         <p:xfrm>
-          <a:off x="6886304" y="2873051"/>
-          <a:ext cx="488060" cy="579571"/>
+          <a:off x="3443152" y="1436526"/>
+          <a:ext cx="244030" cy="289786"/>
         </p:xfrm>
         <a:graphic>
           <a:graphicData uri="http://schemas.openxmlformats.org/presentationml/2006/ole">
             <mc:AlternateContent xmlns:mc="http://schemas.openxmlformats.org/markup-compatibility/2006">
               <mc:Choice xmlns:v="urn:schemas-microsoft-com:vml" Requires="v">
-                <p:oleObj spid="_x0000_s1072" name="Equation" r:id="rId13" imgW="203200" imgH="241300" progId="Equation.3">
+                <p:oleObj spid="_x0000_s1079" name="Equation" r:id="rId13" imgW="203200" imgH="241300" progId="Equation.3">
                   <p:embed/>
                 </p:oleObj>
               </mc:Choice>
@@ -4373,8 +4409,8 @@
                     </p:blipFill>
                     <p:spPr>
                       <a:xfrm>
-                        <a:off x="6886304" y="2873051"/>
-                        <a:ext cx="488060" cy="579571"/>
+                        <a:off x="3443152" y="1436526"/>
+                        <a:ext cx="244030" cy="289786"/>
                       </a:xfrm>
                       <a:prstGeom prst="rect">
                         <a:avLst/>
@@ -4402,14 +4438,14 @@
           </p:nvPr>
         </p:nvGraphicFramePr>
         <p:xfrm>
-          <a:off x="11417826" y="3097029"/>
-          <a:ext cx="549275" cy="549275"/>
+          <a:off x="5708913" y="1548515"/>
+          <a:ext cx="274638" cy="274638"/>
         </p:xfrm>
         <a:graphic>
           <a:graphicData uri="http://schemas.openxmlformats.org/presentationml/2006/ole">
             <mc:AlternateContent xmlns:mc="http://schemas.openxmlformats.org/markup-compatibility/2006">
               <mc:Choice xmlns:v="urn:schemas-microsoft-com:vml" Requires="v">
-                <p:oleObj spid="_x0000_s1073" name="Equation" r:id="rId15" imgW="228600" imgH="228600" progId="Equation.3">
+                <p:oleObj spid="_x0000_s1080" name="Equation" r:id="rId15" imgW="228600" imgH="228600" progId="Equation.3">
                   <p:embed/>
                 </p:oleObj>
               </mc:Choice>
@@ -4430,8 +4466,8 @@
                     </p:blipFill>
                     <p:spPr>
                       <a:xfrm>
-                        <a:off x="11417826" y="3097029"/>
-                        <a:ext cx="549275" cy="549275"/>
+                        <a:off x="5708913" y="1548515"/>
+                        <a:ext cx="274638" cy="274638"/>
                       </a:xfrm>
                       <a:prstGeom prst="rect">
                         <a:avLst/>
@@ -4459,14 +4495,14 @@
           </p:nvPr>
         </p:nvGraphicFramePr>
         <p:xfrm>
-          <a:off x="11443230" y="-25933"/>
-          <a:ext cx="581025" cy="549275"/>
+          <a:off x="5721615" y="-12966"/>
+          <a:ext cx="290513" cy="274638"/>
         </p:xfrm>
         <a:graphic>
           <a:graphicData uri="http://schemas.openxmlformats.org/presentationml/2006/ole">
             <mc:AlternateContent xmlns:mc="http://schemas.openxmlformats.org/markup-compatibility/2006">
               <mc:Choice xmlns:v="urn:schemas-microsoft-com:vml" Requires="v">
-                <p:oleObj spid="_x0000_s1074" name="Equation" r:id="rId17" imgW="241300" imgH="228600" progId="Equation.3">
+                <p:oleObj spid="_x0000_s1081" name="Equation" r:id="rId17" imgW="241300" imgH="228600" progId="Equation.3">
                   <p:embed/>
                 </p:oleObj>
               </mc:Choice>
@@ -4487,8 +4523,8 @@
                     </p:blipFill>
                     <p:spPr>
                       <a:xfrm>
-                        <a:off x="11443230" y="-25933"/>
-                        <a:ext cx="581025" cy="549275"/>
+                        <a:off x="5721615" y="-12966"/>
+                        <a:ext cx="290513" cy="274638"/>
                       </a:xfrm>
                       <a:prstGeom prst="rect">
                         <a:avLst/>
@@ -4516,14 +4552,14 @@
           </p:nvPr>
         </p:nvGraphicFramePr>
         <p:xfrm>
-          <a:off x="7206089" y="49038"/>
-          <a:ext cx="336550" cy="395288"/>
+          <a:off x="3603045" y="24519"/>
+          <a:ext cx="168275" cy="197644"/>
         </p:xfrm>
         <a:graphic>
           <a:graphicData uri="http://schemas.openxmlformats.org/presentationml/2006/ole">
             <mc:AlternateContent xmlns:mc="http://schemas.openxmlformats.org/markup-compatibility/2006">
               <mc:Choice xmlns:v="urn:schemas-microsoft-com:vml" Requires="v">
-                <p:oleObj spid="_x0000_s1075" name="Equation" r:id="rId19" imgW="139700" imgH="165100" progId="Equation.3">
+                <p:oleObj spid="_x0000_s1082" name="Equation" r:id="rId19" imgW="139700" imgH="165100" progId="Equation.3">
                   <p:embed/>
                 </p:oleObj>
               </mc:Choice>
@@ -4544,8 +4580,8 @@
                     </p:blipFill>
                     <p:spPr>
                       <a:xfrm>
-                        <a:off x="7206089" y="49038"/>
-                        <a:ext cx="336550" cy="395288"/>
+                        <a:off x="3603045" y="24519"/>
+                        <a:ext cx="168275" cy="197644"/>
                       </a:xfrm>
                       <a:prstGeom prst="rect">
                         <a:avLst/>
@@ -4573,14 +4609,14 @@
           </p:nvPr>
         </p:nvGraphicFramePr>
         <p:xfrm>
-          <a:off x="10626201" y="2153912"/>
-          <a:ext cx="368300" cy="365125"/>
+          <a:off x="5313101" y="1076956"/>
+          <a:ext cx="184150" cy="182563"/>
         </p:xfrm>
         <a:graphic>
           <a:graphicData uri="http://schemas.openxmlformats.org/presentationml/2006/ole">
             <mc:AlternateContent xmlns:mc="http://schemas.openxmlformats.org/markup-compatibility/2006">
               <mc:Choice xmlns:v="urn:schemas-microsoft-com:vml" Requires="v">
-                <p:oleObj spid="_x0000_s1076" name="Equation" r:id="rId21" imgW="152400" imgH="152400" progId="Equation.3">
+                <p:oleObj spid="_x0000_s1083" name="Equation" r:id="rId21" imgW="152400" imgH="152400" progId="Equation.3">
                   <p:embed/>
                 </p:oleObj>
               </mc:Choice>
@@ -4601,8 +4637,8 @@
                     </p:blipFill>
                     <p:spPr>
                       <a:xfrm>
-                        <a:off x="10626201" y="2153912"/>
-                        <a:ext cx="368300" cy="365125"/>
+                        <a:off x="5313101" y="1076956"/>
+                        <a:ext cx="184150" cy="182563"/>
                       </a:xfrm>
                       <a:prstGeom prst="rect">
                         <a:avLst/>
@@ -4630,14 +4666,14 @@
           </p:nvPr>
         </p:nvGraphicFramePr>
         <p:xfrm>
-          <a:off x="10594451" y="4878178"/>
-          <a:ext cx="368300" cy="365125"/>
+          <a:off x="5297226" y="2439089"/>
+          <a:ext cx="184150" cy="182563"/>
         </p:xfrm>
         <a:graphic>
           <a:graphicData uri="http://schemas.openxmlformats.org/presentationml/2006/ole">
             <mc:AlternateContent xmlns:mc="http://schemas.openxmlformats.org/markup-compatibility/2006">
               <mc:Choice xmlns:v="urn:schemas-microsoft-com:vml" Requires="v">
-                <p:oleObj spid="_x0000_s1077" name="Equation" r:id="rId23" imgW="152400" imgH="152400" progId="Equation.3">
+                <p:oleObj spid="_x0000_s1084" name="Equation" r:id="rId23" imgW="152400" imgH="152400" progId="Equation.3">
                   <p:embed/>
                 </p:oleObj>
               </mc:Choice>
@@ -4658,8 +4694,8 @@
                     </p:blipFill>
                     <p:spPr>
                       <a:xfrm>
-                        <a:off x="10594451" y="4878178"/>
-                        <a:ext cx="368300" cy="365125"/>
+                        <a:off x="5297226" y="2439089"/>
+                        <a:ext cx="184150" cy="182563"/>
                       </a:xfrm>
                       <a:prstGeom prst="rect">
                         <a:avLst/>
@@ -4687,14 +4723,14 @@
           </p:nvPr>
         </p:nvGraphicFramePr>
         <p:xfrm>
-          <a:off x="15062200" y="2151208"/>
-          <a:ext cx="368300" cy="365125"/>
+          <a:off x="7531100" y="1075604"/>
+          <a:ext cx="184150" cy="182563"/>
         </p:xfrm>
         <a:graphic>
           <a:graphicData uri="http://schemas.openxmlformats.org/presentationml/2006/ole">
             <mc:AlternateContent xmlns:mc="http://schemas.openxmlformats.org/markup-compatibility/2006">
               <mc:Choice xmlns:v="urn:schemas-microsoft-com:vml" Requires="v">
-                <p:oleObj spid="_x0000_s1078" name="Equation" r:id="rId24" imgW="152400" imgH="152400" progId="Equation.3">
+                <p:oleObj spid="_x0000_s1085" name="Equation" r:id="rId24" imgW="152400" imgH="152400" progId="Equation.3">
                   <p:embed/>
                 </p:oleObj>
               </mc:Choice>
@@ -4715,8 +4751,8 @@
                     </p:blipFill>
                     <p:spPr>
                       <a:xfrm>
-                        <a:off x="15062200" y="2151208"/>
-                        <a:ext cx="368300" cy="365125"/>
+                        <a:off x="7531100" y="1075604"/>
+                        <a:ext cx="184150" cy="182563"/>
                       </a:xfrm>
                       <a:prstGeom prst="rect">
                         <a:avLst/>
@@ -4744,14 +4780,14 @@
           </p:nvPr>
         </p:nvGraphicFramePr>
         <p:xfrm>
-          <a:off x="14992350" y="4862259"/>
-          <a:ext cx="368300" cy="365125"/>
+          <a:off x="7496175" y="2431130"/>
+          <a:ext cx="184150" cy="182563"/>
         </p:xfrm>
         <a:graphic>
           <a:graphicData uri="http://schemas.openxmlformats.org/presentationml/2006/ole">
             <mc:AlternateContent xmlns:mc="http://schemas.openxmlformats.org/markup-compatibility/2006">
               <mc:Choice xmlns:v="urn:schemas-microsoft-com:vml" Requires="v">
-                <p:oleObj spid="_x0000_s1079" name="Equation" r:id="rId25" imgW="152400" imgH="152400" progId="Equation.3">
+                <p:oleObj spid="_x0000_s1086" name="Equation" r:id="rId25" imgW="152400" imgH="152400" progId="Equation.3">
                   <p:embed/>
                 </p:oleObj>
               </mc:Choice>
@@ -4772,8 +4808,8 @@
                     </p:blipFill>
                     <p:spPr>
                       <a:xfrm>
-                        <a:off x="14992350" y="4862259"/>
-                        <a:ext cx="368300" cy="365125"/>
+                        <a:off x="7496175" y="2431130"/>
+                        <a:ext cx="184150" cy="182563"/>
                       </a:xfrm>
                       <a:prstGeom prst="rect">
                         <a:avLst/>

--- a/RA-L/pictures/pdf/SquareFill.pptx
+++ b/RA-L/pictures/pdf/SquareFill.pptx
@@ -10,14 +10,14 @@
   <p:sldIdLst>
     <p:sldId id="256" r:id="rId2"/>
   </p:sldIdLst>
-  <p:sldSz cx="7772400" cy="2743200"/>
+  <p:sldSz cx="15544800" cy="5486400"/>
   <p:notesSz cx="6858000" cy="9144000"/>
   <p:defaultTextStyle>
     <a:defPPr>
       <a:defRPr lang="en-US"/>
     </a:defPPr>
-    <a:lvl1pPr marL="0" algn="l" defTabSz="228600" rtl="0" eaLnBrk="1" latinLnBrk="0" hangingPunct="1">
-      <a:defRPr sz="900" kern="1200">
+    <a:lvl1pPr marL="0" algn="l" defTabSz="457200" rtl="0" eaLnBrk="1" latinLnBrk="0" hangingPunct="1">
+      <a:defRPr sz="1800" kern="1200">
         <a:solidFill>
           <a:schemeClr val="tx1"/>
         </a:solidFill>
@@ -26,8 +26,8 @@
         <a:cs typeface="+mn-cs"/>
       </a:defRPr>
     </a:lvl1pPr>
-    <a:lvl2pPr marL="228600" algn="l" defTabSz="228600" rtl="0" eaLnBrk="1" latinLnBrk="0" hangingPunct="1">
-      <a:defRPr sz="900" kern="1200">
+    <a:lvl2pPr marL="457200" algn="l" defTabSz="457200" rtl="0" eaLnBrk="1" latinLnBrk="0" hangingPunct="1">
+      <a:defRPr sz="1800" kern="1200">
         <a:solidFill>
           <a:schemeClr val="tx1"/>
         </a:solidFill>
@@ -36,8 +36,8 @@
         <a:cs typeface="+mn-cs"/>
       </a:defRPr>
     </a:lvl2pPr>
-    <a:lvl3pPr marL="457200" algn="l" defTabSz="228600" rtl="0" eaLnBrk="1" latinLnBrk="0" hangingPunct="1">
-      <a:defRPr sz="900" kern="1200">
+    <a:lvl3pPr marL="914400" algn="l" defTabSz="457200" rtl="0" eaLnBrk="1" latinLnBrk="0" hangingPunct="1">
+      <a:defRPr sz="1800" kern="1200">
         <a:solidFill>
           <a:schemeClr val="tx1"/>
         </a:solidFill>
@@ -46,8 +46,8 @@
         <a:cs typeface="+mn-cs"/>
       </a:defRPr>
     </a:lvl3pPr>
-    <a:lvl4pPr marL="685800" algn="l" defTabSz="228600" rtl="0" eaLnBrk="1" latinLnBrk="0" hangingPunct="1">
-      <a:defRPr sz="900" kern="1200">
+    <a:lvl4pPr marL="1371600" algn="l" defTabSz="457200" rtl="0" eaLnBrk="1" latinLnBrk="0" hangingPunct="1">
+      <a:defRPr sz="1800" kern="1200">
         <a:solidFill>
           <a:schemeClr val="tx1"/>
         </a:solidFill>
@@ -56,8 +56,8 @@
         <a:cs typeface="+mn-cs"/>
       </a:defRPr>
     </a:lvl4pPr>
-    <a:lvl5pPr marL="914400" algn="l" defTabSz="228600" rtl="0" eaLnBrk="1" latinLnBrk="0" hangingPunct="1">
-      <a:defRPr sz="900" kern="1200">
+    <a:lvl5pPr marL="1828800" algn="l" defTabSz="457200" rtl="0" eaLnBrk="1" latinLnBrk="0" hangingPunct="1">
+      <a:defRPr sz="1800" kern="1200">
         <a:solidFill>
           <a:schemeClr val="tx1"/>
         </a:solidFill>
@@ -66,8 +66,8 @@
         <a:cs typeface="+mn-cs"/>
       </a:defRPr>
     </a:lvl5pPr>
-    <a:lvl6pPr marL="1143000" algn="l" defTabSz="228600" rtl="0" eaLnBrk="1" latinLnBrk="0" hangingPunct="1">
-      <a:defRPr sz="900" kern="1200">
+    <a:lvl6pPr marL="2286000" algn="l" defTabSz="457200" rtl="0" eaLnBrk="1" latinLnBrk="0" hangingPunct="1">
+      <a:defRPr sz="1800" kern="1200">
         <a:solidFill>
           <a:schemeClr val="tx1"/>
         </a:solidFill>
@@ -76,8 +76,8 @@
         <a:cs typeface="+mn-cs"/>
       </a:defRPr>
     </a:lvl6pPr>
-    <a:lvl7pPr marL="1371600" algn="l" defTabSz="228600" rtl="0" eaLnBrk="1" latinLnBrk="0" hangingPunct="1">
-      <a:defRPr sz="900" kern="1200">
+    <a:lvl7pPr marL="2743200" algn="l" defTabSz="457200" rtl="0" eaLnBrk="1" latinLnBrk="0" hangingPunct="1">
+      <a:defRPr sz="1800" kern="1200">
         <a:solidFill>
           <a:schemeClr val="tx1"/>
         </a:solidFill>
@@ -86,8 +86,8 @@
         <a:cs typeface="+mn-cs"/>
       </a:defRPr>
     </a:lvl7pPr>
-    <a:lvl8pPr marL="1600200" algn="l" defTabSz="228600" rtl="0" eaLnBrk="1" latinLnBrk="0" hangingPunct="1">
-      <a:defRPr sz="900" kern="1200">
+    <a:lvl8pPr marL="3200400" algn="l" defTabSz="457200" rtl="0" eaLnBrk="1" latinLnBrk="0" hangingPunct="1">
+      <a:defRPr sz="1800" kern="1200">
         <a:solidFill>
           <a:schemeClr val="tx1"/>
         </a:solidFill>
@@ -96,8 +96,8 @@
         <a:cs typeface="+mn-cs"/>
       </a:defRPr>
     </a:lvl8pPr>
-    <a:lvl9pPr marL="1828800" algn="l" defTabSz="228600" rtl="0" eaLnBrk="1" latinLnBrk="0" hangingPunct="1">
-      <a:defRPr sz="900" kern="1200">
+    <a:lvl9pPr marL="3657600" algn="l" defTabSz="457200" rtl="0" eaLnBrk="1" latinLnBrk="0" hangingPunct="1">
+      <a:defRPr sz="1800" kern="1200">
         <a:solidFill>
           <a:schemeClr val="tx1"/>
         </a:solidFill>
@@ -192,7 +192,7 @@
           <a:p>
             <a:fld id="{A1342510-F2A4-2B41-A5F2-A9A15E718FE3}" type="datetimeFigureOut">
               <a:rPr lang="en-US" smtClean="0"/>
-              <a:t>9/6/16</a:t>
+              <a:t>9/10/16</a:t>
             </a:fld>
             <a:endParaRPr lang="en-US"/>
           </a:p>
@@ -366,8 +366,8 @@
   </p:cSld>
   <p:clrMap bg1="lt1" tx1="dk1" bg2="lt2" tx2="dk2" accent1="accent1" accent2="accent2" accent3="accent3" accent4="accent4" accent5="accent5" accent6="accent6" hlink="hlink" folHlink="folHlink"/>
   <p:notesStyle>
-    <a:lvl1pPr marL="0" algn="l" defTabSz="228600" rtl="0" eaLnBrk="1" latinLnBrk="0" hangingPunct="1">
-      <a:defRPr sz="600" kern="1200">
+    <a:lvl1pPr marL="0" algn="l" defTabSz="457200" rtl="0" eaLnBrk="1" latinLnBrk="0" hangingPunct="1">
+      <a:defRPr sz="1200" kern="1200">
         <a:solidFill>
           <a:schemeClr val="tx1"/>
         </a:solidFill>
@@ -376,8 +376,8 @@
         <a:cs typeface="+mn-cs"/>
       </a:defRPr>
     </a:lvl1pPr>
-    <a:lvl2pPr marL="228600" algn="l" defTabSz="228600" rtl="0" eaLnBrk="1" latinLnBrk="0" hangingPunct="1">
-      <a:defRPr sz="600" kern="1200">
+    <a:lvl2pPr marL="457200" algn="l" defTabSz="457200" rtl="0" eaLnBrk="1" latinLnBrk="0" hangingPunct="1">
+      <a:defRPr sz="1200" kern="1200">
         <a:solidFill>
           <a:schemeClr val="tx1"/>
         </a:solidFill>
@@ -386,8 +386,8 @@
         <a:cs typeface="+mn-cs"/>
       </a:defRPr>
     </a:lvl2pPr>
-    <a:lvl3pPr marL="457200" algn="l" defTabSz="228600" rtl="0" eaLnBrk="1" latinLnBrk="0" hangingPunct="1">
-      <a:defRPr sz="600" kern="1200">
+    <a:lvl3pPr marL="914400" algn="l" defTabSz="457200" rtl="0" eaLnBrk="1" latinLnBrk="0" hangingPunct="1">
+      <a:defRPr sz="1200" kern="1200">
         <a:solidFill>
           <a:schemeClr val="tx1"/>
         </a:solidFill>
@@ -396,8 +396,8 @@
         <a:cs typeface="+mn-cs"/>
       </a:defRPr>
     </a:lvl3pPr>
-    <a:lvl4pPr marL="685800" algn="l" defTabSz="228600" rtl="0" eaLnBrk="1" latinLnBrk="0" hangingPunct="1">
-      <a:defRPr sz="600" kern="1200">
+    <a:lvl4pPr marL="1371600" algn="l" defTabSz="457200" rtl="0" eaLnBrk="1" latinLnBrk="0" hangingPunct="1">
+      <a:defRPr sz="1200" kern="1200">
         <a:solidFill>
           <a:schemeClr val="tx1"/>
         </a:solidFill>
@@ -406,8 +406,8 @@
         <a:cs typeface="+mn-cs"/>
       </a:defRPr>
     </a:lvl4pPr>
-    <a:lvl5pPr marL="914400" algn="l" defTabSz="228600" rtl="0" eaLnBrk="1" latinLnBrk="0" hangingPunct="1">
-      <a:defRPr sz="600" kern="1200">
+    <a:lvl5pPr marL="1828800" algn="l" defTabSz="457200" rtl="0" eaLnBrk="1" latinLnBrk="0" hangingPunct="1">
+      <a:defRPr sz="1200" kern="1200">
         <a:solidFill>
           <a:schemeClr val="tx1"/>
         </a:solidFill>
@@ -416,8 +416,8 @@
         <a:cs typeface="+mn-cs"/>
       </a:defRPr>
     </a:lvl5pPr>
-    <a:lvl6pPr marL="1143000" algn="l" defTabSz="228600" rtl="0" eaLnBrk="1" latinLnBrk="0" hangingPunct="1">
-      <a:defRPr sz="600" kern="1200">
+    <a:lvl6pPr marL="2286000" algn="l" defTabSz="457200" rtl="0" eaLnBrk="1" latinLnBrk="0" hangingPunct="1">
+      <a:defRPr sz="1200" kern="1200">
         <a:solidFill>
           <a:schemeClr val="tx1"/>
         </a:solidFill>
@@ -426,8 +426,8 @@
         <a:cs typeface="+mn-cs"/>
       </a:defRPr>
     </a:lvl6pPr>
-    <a:lvl7pPr marL="1371600" algn="l" defTabSz="228600" rtl="0" eaLnBrk="1" latinLnBrk="0" hangingPunct="1">
-      <a:defRPr sz="600" kern="1200">
+    <a:lvl7pPr marL="2743200" algn="l" defTabSz="457200" rtl="0" eaLnBrk="1" latinLnBrk="0" hangingPunct="1">
+      <a:defRPr sz="1200" kern="1200">
         <a:solidFill>
           <a:schemeClr val="tx1"/>
         </a:solidFill>
@@ -436,8 +436,8 @@
         <a:cs typeface="+mn-cs"/>
       </a:defRPr>
     </a:lvl7pPr>
-    <a:lvl8pPr marL="1600200" algn="l" defTabSz="228600" rtl="0" eaLnBrk="1" latinLnBrk="0" hangingPunct="1">
-      <a:defRPr sz="600" kern="1200">
+    <a:lvl8pPr marL="3200400" algn="l" defTabSz="457200" rtl="0" eaLnBrk="1" latinLnBrk="0" hangingPunct="1">
+      <a:defRPr sz="1200" kern="1200">
         <a:solidFill>
           <a:schemeClr val="tx1"/>
         </a:solidFill>
@@ -446,8 +446,8 @@
         <a:cs typeface="+mn-cs"/>
       </a:defRPr>
     </a:lvl8pPr>
-    <a:lvl9pPr marL="1828800" algn="l" defTabSz="228600" rtl="0" eaLnBrk="1" latinLnBrk="0" hangingPunct="1">
-      <a:defRPr sz="600" kern="1200">
+    <a:lvl9pPr marL="3657600" algn="l" defTabSz="457200" rtl="0" eaLnBrk="1" latinLnBrk="0" hangingPunct="1">
+      <a:defRPr sz="1200" kern="1200">
         <a:solidFill>
           <a:schemeClr val="tx1"/>
         </a:solidFill>
@@ -573,8 +573,8 @@
         </p:nvSpPr>
         <p:spPr>
           <a:xfrm>
-            <a:off x="582930" y="852171"/>
-            <a:ext cx="6606540" cy="588010"/>
+            <a:off x="1165860" y="1704342"/>
+            <a:ext cx="13213080" cy="1176020"/>
           </a:xfrm>
         </p:spPr>
         <p:txBody>
@@ -601,8 +601,8 @@
         </p:nvSpPr>
         <p:spPr>
           <a:xfrm>
-            <a:off x="1165860" y="1554480"/>
-            <a:ext cx="5440680" cy="701040"/>
+            <a:off x="2331720" y="3108960"/>
+            <a:ext cx="10881360" cy="1402080"/>
           </a:xfrm>
         </p:spPr>
         <p:txBody>
@@ -618,7 +618,7 @@
                 </a:solidFill>
               </a:defRPr>
             </a:lvl1pPr>
-            <a:lvl2pPr marL="228600" indent="0" algn="ctr">
+            <a:lvl2pPr marL="457200" indent="0" algn="ctr">
               <a:buNone/>
               <a:defRPr>
                 <a:solidFill>
@@ -628,7 +628,7 @@
                 </a:solidFill>
               </a:defRPr>
             </a:lvl2pPr>
-            <a:lvl3pPr marL="457200" indent="0" algn="ctr">
+            <a:lvl3pPr marL="914400" indent="0" algn="ctr">
               <a:buNone/>
               <a:defRPr>
                 <a:solidFill>
@@ -638,7 +638,7 @@
                 </a:solidFill>
               </a:defRPr>
             </a:lvl3pPr>
-            <a:lvl4pPr marL="685800" indent="0" algn="ctr">
+            <a:lvl4pPr marL="1371600" indent="0" algn="ctr">
               <a:buNone/>
               <a:defRPr>
                 <a:solidFill>
@@ -648,7 +648,7 @@
                 </a:solidFill>
               </a:defRPr>
             </a:lvl4pPr>
-            <a:lvl5pPr marL="914400" indent="0" algn="ctr">
+            <a:lvl5pPr marL="1828800" indent="0" algn="ctr">
               <a:buNone/>
               <a:defRPr>
                 <a:solidFill>
@@ -658,7 +658,7 @@
                 </a:solidFill>
               </a:defRPr>
             </a:lvl5pPr>
-            <a:lvl6pPr marL="1143000" indent="0" algn="ctr">
+            <a:lvl6pPr marL="2286000" indent="0" algn="ctr">
               <a:buNone/>
               <a:defRPr>
                 <a:solidFill>
@@ -668,7 +668,7 @@
                 </a:solidFill>
               </a:defRPr>
             </a:lvl6pPr>
-            <a:lvl7pPr marL="1371600" indent="0" algn="ctr">
+            <a:lvl7pPr marL="2743200" indent="0" algn="ctr">
               <a:buNone/>
               <a:defRPr>
                 <a:solidFill>
@@ -678,7 +678,7 @@
                 </a:solidFill>
               </a:defRPr>
             </a:lvl7pPr>
-            <a:lvl8pPr marL="1600200" indent="0" algn="ctr">
+            <a:lvl8pPr marL="3200400" indent="0" algn="ctr">
               <a:buNone/>
               <a:defRPr>
                 <a:solidFill>
@@ -688,7 +688,7 @@
                 </a:solidFill>
               </a:defRPr>
             </a:lvl8pPr>
-            <a:lvl9pPr marL="1828800" indent="0" algn="ctr">
+            <a:lvl9pPr marL="3657600" indent="0" algn="ctr">
               <a:buNone/>
               <a:defRPr>
                 <a:solidFill>
@@ -725,7 +725,7 @@
           <a:p>
             <a:fld id="{E4E64FA6-EB03-AE42-9D16-539ACBA29E8E}" type="datetimeFigureOut">
               <a:rPr lang="en-US" smtClean="0"/>
-              <a:t>9/6/16</a:t>
+              <a:t>9/10/16</a:t>
             </a:fld>
             <a:endParaRPr lang="en-US"/>
           </a:p>
@@ -895,7 +895,7 @@
           <a:p>
             <a:fld id="{E4E64FA6-EB03-AE42-9D16-539ACBA29E8E}" type="datetimeFigureOut">
               <a:rPr lang="en-US" smtClean="0"/>
-              <a:t>9/6/16</a:t>
+              <a:t>9/10/16</a:t>
             </a:fld>
             <a:endParaRPr lang="en-US"/>
           </a:p>
@@ -985,8 +985,8 @@
         </p:nvSpPr>
         <p:spPr>
           <a:xfrm>
-            <a:off x="5634990" y="109856"/>
-            <a:ext cx="1748790" cy="2340610"/>
+            <a:off x="11269980" y="219711"/>
+            <a:ext cx="3497580" cy="4681220"/>
           </a:xfrm>
         </p:spPr>
         <p:txBody>
@@ -1013,8 +1013,8 @@
         </p:nvSpPr>
         <p:spPr>
           <a:xfrm>
-            <a:off x="388620" y="109856"/>
-            <a:ext cx="5116830" cy="2340610"/>
+            <a:off x="777240" y="219711"/>
+            <a:ext cx="10233660" cy="4681220"/>
           </a:xfrm>
         </p:spPr>
         <p:txBody>
@@ -1075,7 +1075,7 @@
           <a:p>
             <a:fld id="{E4E64FA6-EB03-AE42-9D16-539ACBA29E8E}" type="datetimeFigureOut">
               <a:rPr lang="en-US" smtClean="0"/>
-              <a:t>9/6/16</a:t>
+              <a:t>9/10/16</a:t>
             </a:fld>
             <a:endParaRPr lang="en-US"/>
           </a:p>
@@ -1245,7 +1245,7 @@
           <a:p>
             <a:fld id="{E4E64FA6-EB03-AE42-9D16-539ACBA29E8E}" type="datetimeFigureOut">
               <a:rPr lang="en-US" smtClean="0"/>
-              <a:t>9/6/16</a:t>
+              <a:t>9/10/16</a:t>
             </a:fld>
             <a:endParaRPr lang="en-US"/>
           </a:p>
@@ -1335,15 +1335,15 @@
         </p:nvSpPr>
         <p:spPr>
           <a:xfrm>
-            <a:off x="613967" y="1762761"/>
-            <a:ext cx="6606540" cy="544830"/>
+            <a:off x="1227933" y="3525521"/>
+            <a:ext cx="13213080" cy="1089660"/>
           </a:xfrm>
         </p:spPr>
         <p:txBody>
           <a:bodyPr anchor="t"/>
           <a:lstStyle>
             <a:lvl1pPr algn="l">
-              <a:defRPr sz="2000" b="1" cap="all"/>
+              <a:defRPr sz="4000" b="1" cap="all"/>
             </a:lvl1pPr>
           </a:lstStyle>
           <a:p>
@@ -1367,8 +1367,8 @@
         </p:nvSpPr>
         <p:spPr>
           <a:xfrm>
-            <a:off x="613967" y="1162686"/>
-            <a:ext cx="6606540" cy="600075"/>
+            <a:off x="1227933" y="2325371"/>
+            <a:ext cx="13213080" cy="1200150"/>
           </a:xfrm>
         </p:spPr>
         <p:txBody>
@@ -1376,7 +1376,7 @@
           <a:lstStyle>
             <a:lvl1pPr marL="0" indent="0">
               <a:buNone/>
-              <a:defRPr sz="1000">
+              <a:defRPr sz="2000">
                 <a:solidFill>
                   <a:schemeClr val="tx1">
                     <a:tint val="75000"/>
@@ -1384,9 +1384,9 @@
                 </a:solidFill>
               </a:defRPr>
             </a:lvl1pPr>
-            <a:lvl2pPr marL="228600" indent="0">
-              <a:buNone/>
-              <a:defRPr sz="900">
+            <a:lvl2pPr marL="457200" indent="0">
+              <a:buNone/>
+              <a:defRPr sz="1800">
                 <a:solidFill>
                   <a:schemeClr val="tx1">
                     <a:tint val="75000"/>
@@ -1394,9 +1394,9 @@
                 </a:solidFill>
               </a:defRPr>
             </a:lvl2pPr>
-            <a:lvl3pPr marL="457200" indent="0">
-              <a:buNone/>
-              <a:defRPr sz="800">
+            <a:lvl3pPr marL="914400" indent="0">
+              <a:buNone/>
+              <a:defRPr sz="1600">
                 <a:solidFill>
                   <a:schemeClr val="tx1">
                     <a:tint val="75000"/>
@@ -1404,9 +1404,9 @@
                 </a:solidFill>
               </a:defRPr>
             </a:lvl3pPr>
-            <a:lvl4pPr marL="685800" indent="0">
-              <a:buNone/>
-              <a:defRPr sz="700">
+            <a:lvl4pPr marL="1371600" indent="0">
+              <a:buNone/>
+              <a:defRPr sz="1400">
                 <a:solidFill>
                   <a:schemeClr val="tx1">
                     <a:tint val="75000"/>
@@ -1414,9 +1414,9 @@
                 </a:solidFill>
               </a:defRPr>
             </a:lvl4pPr>
-            <a:lvl5pPr marL="914400" indent="0">
-              <a:buNone/>
-              <a:defRPr sz="700">
+            <a:lvl5pPr marL="1828800" indent="0">
+              <a:buNone/>
+              <a:defRPr sz="1400">
                 <a:solidFill>
                   <a:schemeClr val="tx1">
                     <a:tint val="75000"/>
@@ -1424,9 +1424,9 @@
                 </a:solidFill>
               </a:defRPr>
             </a:lvl5pPr>
-            <a:lvl6pPr marL="1143000" indent="0">
-              <a:buNone/>
-              <a:defRPr sz="700">
+            <a:lvl6pPr marL="2286000" indent="0">
+              <a:buNone/>
+              <a:defRPr sz="1400">
                 <a:solidFill>
                   <a:schemeClr val="tx1">
                     <a:tint val="75000"/>
@@ -1434,9 +1434,9 @@
                 </a:solidFill>
               </a:defRPr>
             </a:lvl6pPr>
-            <a:lvl7pPr marL="1371600" indent="0">
-              <a:buNone/>
-              <a:defRPr sz="700">
+            <a:lvl7pPr marL="2743200" indent="0">
+              <a:buNone/>
+              <a:defRPr sz="1400">
                 <a:solidFill>
                   <a:schemeClr val="tx1">
                     <a:tint val="75000"/>
@@ -1444,9 +1444,9 @@
                 </a:solidFill>
               </a:defRPr>
             </a:lvl7pPr>
-            <a:lvl8pPr marL="1600200" indent="0">
-              <a:buNone/>
-              <a:defRPr sz="700">
+            <a:lvl8pPr marL="3200400" indent="0">
+              <a:buNone/>
+              <a:defRPr sz="1400">
                 <a:solidFill>
                   <a:schemeClr val="tx1">
                     <a:tint val="75000"/>
@@ -1454,9 +1454,9 @@
                 </a:solidFill>
               </a:defRPr>
             </a:lvl8pPr>
-            <a:lvl9pPr marL="1828800" indent="0">
-              <a:buNone/>
-              <a:defRPr sz="700">
+            <a:lvl9pPr marL="3657600" indent="0">
+              <a:buNone/>
+              <a:defRPr sz="1400">
                 <a:solidFill>
                   <a:schemeClr val="tx1">
                     <a:tint val="75000"/>
@@ -1491,7 +1491,7 @@
           <a:p>
             <a:fld id="{E4E64FA6-EB03-AE42-9D16-539ACBA29E8E}" type="datetimeFigureOut">
               <a:rPr lang="en-US" smtClean="0"/>
-              <a:t>9/6/16</a:t>
+              <a:t>9/10/16</a:t>
             </a:fld>
             <a:endParaRPr lang="en-US"/>
           </a:p>
@@ -1604,39 +1604,39 @@
         </p:nvSpPr>
         <p:spPr>
           <a:xfrm>
-            <a:off x="388620" y="640080"/>
-            <a:ext cx="3432810" cy="1810386"/>
+            <a:off x="777240" y="1280161"/>
+            <a:ext cx="6865620" cy="3620771"/>
           </a:xfrm>
         </p:spPr>
         <p:txBody>
           <a:bodyPr/>
           <a:lstStyle>
             <a:lvl1pPr>
-              <a:defRPr sz="1400"/>
+              <a:defRPr sz="2800"/>
             </a:lvl1pPr>
             <a:lvl2pPr>
-              <a:defRPr sz="1200"/>
+              <a:defRPr sz="2400"/>
             </a:lvl2pPr>
             <a:lvl3pPr>
-              <a:defRPr sz="1000"/>
+              <a:defRPr sz="2000"/>
             </a:lvl3pPr>
             <a:lvl4pPr>
-              <a:defRPr sz="900"/>
+              <a:defRPr sz="1800"/>
             </a:lvl4pPr>
             <a:lvl5pPr>
-              <a:defRPr sz="900"/>
+              <a:defRPr sz="1800"/>
             </a:lvl5pPr>
             <a:lvl6pPr>
-              <a:defRPr sz="900"/>
+              <a:defRPr sz="1800"/>
             </a:lvl6pPr>
             <a:lvl7pPr>
-              <a:defRPr sz="900"/>
+              <a:defRPr sz="1800"/>
             </a:lvl7pPr>
             <a:lvl8pPr>
-              <a:defRPr sz="900"/>
+              <a:defRPr sz="1800"/>
             </a:lvl8pPr>
             <a:lvl9pPr>
-              <a:defRPr sz="900"/>
+              <a:defRPr sz="1800"/>
             </a:lvl9pPr>
           </a:lstStyle>
           <a:p>
@@ -1689,39 +1689,39 @@
         </p:nvSpPr>
         <p:spPr>
           <a:xfrm>
-            <a:off x="3950970" y="640080"/>
-            <a:ext cx="3432810" cy="1810386"/>
+            <a:off x="7901940" y="1280161"/>
+            <a:ext cx="6865620" cy="3620771"/>
           </a:xfrm>
         </p:spPr>
         <p:txBody>
           <a:bodyPr/>
           <a:lstStyle>
             <a:lvl1pPr>
-              <a:defRPr sz="1400"/>
+              <a:defRPr sz="2800"/>
             </a:lvl1pPr>
             <a:lvl2pPr>
-              <a:defRPr sz="1200"/>
+              <a:defRPr sz="2400"/>
             </a:lvl2pPr>
             <a:lvl3pPr>
-              <a:defRPr sz="1000"/>
+              <a:defRPr sz="2000"/>
             </a:lvl3pPr>
             <a:lvl4pPr>
-              <a:defRPr sz="900"/>
+              <a:defRPr sz="1800"/>
             </a:lvl4pPr>
             <a:lvl5pPr>
-              <a:defRPr sz="900"/>
+              <a:defRPr sz="1800"/>
             </a:lvl5pPr>
             <a:lvl6pPr>
-              <a:defRPr sz="900"/>
+              <a:defRPr sz="1800"/>
             </a:lvl6pPr>
             <a:lvl7pPr>
-              <a:defRPr sz="900"/>
+              <a:defRPr sz="1800"/>
             </a:lvl7pPr>
             <a:lvl8pPr>
-              <a:defRPr sz="900"/>
+              <a:defRPr sz="1800"/>
             </a:lvl8pPr>
             <a:lvl9pPr>
-              <a:defRPr sz="900"/>
+              <a:defRPr sz="1800"/>
             </a:lvl9pPr>
           </a:lstStyle>
           <a:p>
@@ -1779,7 +1779,7 @@
           <a:p>
             <a:fld id="{E4E64FA6-EB03-AE42-9D16-539ACBA29E8E}" type="datetimeFigureOut">
               <a:rPr lang="en-US" smtClean="0"/>
-              <a:t>9/6/16</a:t>
+              <a:t>9/10/16</a:t>
             </a:fld>
             <a:endParaRPr lang="en-US"/>
           </a:p>
@@ -1896,8 +1896,8 @@
         </p:nvSpPr>
         <p:spPr>
           <a:xfrm>
-            <a:off x="388620" y="614046"/>
-            <a:ext cx="3434160" cy="255905"/>
+            <a:off x="777240" y="1228091"/>
+            <a:ext cx="6868320" cy="511810"/>
           </a:xfrm>
         </p:spPr>
         <p:txBody>
@@ -1905,39 +1905,39 @@
           <a:lstStyle>
             <a:lvl1pPr marL="0" indent="0">
               <a:buNone/>
-              <a:defRPr sz="1200" b="1"/>
+              <a:defRPr sz="2400" b="1"/>
             </a:lvl1pPr>
-            <a:lvl2pPr marL="228600" indent="0">
-              <a:buNone/>
-              <a:defRPr sz="1000" b="1"/>
+            <a:lvl2pPr marL="457200" indent="0">
+              <a:buNone/>
+              <a:defRPr sz="2000" b="1"/>
             </a:lvl2pPr>
-            <a:lvl3pPr marL="457200" indent="0">
-              <a:buNone/>
-              <a:defRPr sz="900" b="1"/>
+            <a:lvl3pPr marL="914400" indent="0">
+              <a:buNone/>
+              <a:defRPr sz="1800" b="1"/>
             </a:lvl3pPr>
-            <a:lvl4pPr marL="685800" indent="0">
-              <a:buNone/>
-              <a:defRPr sz="800" b="1"/>
+            <a:lvl4pPr marL="1371600" indent="0">
+              <a:buNone/>
+              <a:defRPr sz="1600" b="1"/>
             </a:lvl4pPr>
-            <a:lvl5pPr marL="914400" indent="0">
-              <a:buNone/>
-              <a:defRPr sz="800" b="1"/>
+            <a:lvl5pPr marL="1828800" indent="0">
+              <a:buNone/>
+              <a:defRPr sz="1600" b="1"/>
             </a:lvl5pPr>
-            <a:lvl6pPr marL="1143000" indent="0">
-              <a:buNone/>
-              <a:defRPr sz="800" b="1"/>
+            <a:lvl6pPr marL="2286000" indent="0">
+              <a:buNone/>
+              <a:defRPr sz="1600" b="1"/>
             </a:lvl6pPr>
-            <a:lvl7pPr marL="1371600" indent="0">
-              <a:buNone/>
-              <a:defRPr sz="800" b="1"/>
+            <a:lvl7pPr marL="2743200" indent="0">
+              <a:buNone/>
+              <a:defRPr sz="1600" b="1"/>
             </a:lvl7pPr>
-            <a:lvl8pPr marL="1600200" indent="0">
-              <a:buNone/>
-              <a:defRPr sz="800" b="1"/>
+            <a:lvl8pPr marL="3200400" indent="0">
+              <a:buNone/>
+              <a:defRPr sz="1600" b="1"/>
             </a:lvl8pPr>
-            <a:lvl9pPr marL="1828800" indent="0">
-              <a:buNone/>
-              <a:defRPr sz="800" b="1"/>
+            <a:lvl9pPr marL="3657600" indent="0">
+              <a:buNone/>
+              <a:defRPr sz="1600" b="1"/>
             </a:lvl9pPr>
           </a:lstStyle>
           <a:p>
@@ -1961,39 +1961,39 @@
         </p:nvSpPr>
         <p:spPr>
           <a:xfrm>
-            <a:off x="388620" y="869950"/>
-            <a:ext cx="3434160" cy="1580515"/>
+            <a:off x="777240" y="1739901"/>
+            <a:ext cx="6868320" cy="3161030"/>
           </a:xfrm>
         </p:spPr>
         <p:txBody>
           <a:bodyPr/>
           <a:lstStyle>
             <a:lvl1pPr>
-              <a:defRPr sz="1200"/>
+              <a:defRPr sz="2400"/>
             </a:lvl1pPr>
             <a:lvl2pPr>
-              <a:defRPr sz="1000"/>
+              <a:defRPr sz="2000"/>
             </a:lvl2pPr>
             <a:lvl3pPr>
-              <a:defRPr sz="900"/>
+              <a:defRPr sz="1800"/>
             </a:lvl3pPr>
             <a:lvl4pPr>
-              <a:defRPr sz="800"/>
+              <a:defRPr sz="1600"/>
             </a:lvl4pPr>
             <a:lvl5pPr>
-              <a:defRPr sz="800"/>
+              <a:defRPr sz="1600"/>
             </a:lvl5pPr>
             <a:lvl6pPr>
-              <a:defRPr sz="800"/>
+              <a:defRPr sz="1600"/>
             </a:lvl6pPr>
             <a:lvl7pPr>
-              <a:defRPr sz="800"/>
+              <a:defRPr sz="1600"/>
             </a:lvl7pPr>
             <a:lvl8pPr>
-              <a:defRPr sz="800"/>
+              <a:defRPr sz="1600"/>
             </a:lvl8pPr>
             <a:lvl9pPr>
-              <a:defRPr sz="800"/>
+              <a:defRPr sz="1600"/>
             </a:lvl9pPr>
           </a:lstStyle>
           <a:p>
@@ -2046,8 +2046,8 @@
         </p:nvSpPr>
         <p:spPr>
           <a:xfrm>
-            <a:off x="3948274" y="614046"/>
-            <a:ext cx="3435509" cy="255905"/>
+            <a:off x="7896547" y="1228091"/>
+            <a:ext cx="6871018" cy="511810"/>
           </a:xfrm>
         </p:spPr>
         <p:txBody>
@@ -2055,39 +2055,39 @@
           <a:lstStyle>
             <a:lvl1pPr marL="0" indent="0">
               <a:buNone/>
-              <a:defRPr sz="1200" b="1"/>
+              <a:defRPr sz="2400" b="1"/>
             </a:lvl1pPr>
-            <a:lvl2pPr marL="228600" indent="0">
-              <a:buNone/>
-              <a:defRPr sz="1000" b="1"/>
+            <a:lvl2pPr marL="457200" indent="0">
+              <a:buNone/>
+              <a:defRPr sz="2000" b="1"/>
             </a:lvl2pPr>
-            <a:lvl3pPr marL="457200" indent="0">
-              <a:buNone/>
-              <a:defRPr sz="900" b="1"/>
+            <a:lvl3pPr marL="914400" indent="0">
+              <a:buNone/>
+              <a:defRPr sz="1800" b="1"/>
             </a:lvl3pPr>
-            <a:lvl4pPr marL="685800" indent="0">
-              <a:buNone/>
-              <a:defRPr sz="800" b="1"/>
+            <a:lvl4pPr marL="1371600" indent="0">
+              <a:buNone/>
+              <a:defRPr sz="1600" b="1"/>
             </a:lvl4pPr>
-            <a:lvl5pPr marL="914400" indent="0">
-              <a:buNone/>
-              <a:defRPr sz="800" b="1"/>
+            <a:lvl5pPr marL="1828800" indent="0">
+              <a:buNone/>
+              <a:defRPr sz="1600" b="1"/>
             </a:lvl5pPr>
-            <a:lvl6pPr marL="1143000" indent="0">
-              <a:buNone/>
-              <a:defRPr sz="800" b="1"/>
+            <a:lvl6pPr marL="2286000" indent="0">
+              <a:buNone/>
+              <a:defRPr sz="1600" b="1"/>
             </a:lvl6pPr>
-            <a:lvl7pPr marL="1371600" indent="0">
-              <a:buNone/>
-              <a:defRPr sz="800" b="1"/>
+            <a:lvl7pPr marL="2743200" indent="0">
+              <a:buNone/>
+              <a:defRPr sz="1600" b="1"/>
             </a:lvl7pPr>
-            <a:lvl8pPr marL="1600200" indent="0">
-              <a:buNone/>
-              <a:defRPr sz="800" b="1"/>
+            <a:lvl8pPr marL="3200400" indent="0">
+              <a:buNone/>
+              <a:defRPr sz="1600" b="1"/>
             </a:lvl8pPr>
-            <a:lvl9pPr marL="1828800" indent="0">
-              <a:buNone/>
-              <a:defRPr sz="800" b="1"/>
+            <a:lvl9pPr marL="3657600" indent="0">
+              <a:buNone/>
+              <a:defRPr sz="1600" b="1"/>
             </a:lvl9pPr>
           </a:lstStyle>
           <a:p>
@@ -2111,39 +2111,39 @@
         </p:nvSpPr>
         <p:spPr>
           <a:xfrm>
-            <a:off x="3948274" y="869950"/>
-            <a:ext cx="3435509" cy="1580515"/>
+            <a:off x="7896547" y="1739901"/>
+            <a:ext cx="6871018" cy="3161030"/>
           </a:xfrm>
         </p:spPr>
         <p:txBody>
           <a:bodyPr/>
           <a:lstStyle>
             <a:lvl1pPr>
-              <a:defRPr sz="1200"/>
+              <a:defRPr sz="2400"/>
             </a:lvl1pPr>
             <a:lvl2pPr>
-              <a:defRPr sz="1000"/>
+              <a:defRPr sz="2000"/>
             </a:lvl2pPr>
             <a:lvl3pPr>
-              <a:defRPr sz="900"/>
+              <a:defRPr sz="1800"/>
             </a:lvl3pPr>
             <a:lvl4pPr>
-              <a:defRPr sz="800"/>
+              <a:defRPr sz="1600"/>
             </a:lvl4pPr>
             <a:lvl5pPr>
-              <a:defRPr sz="800"/>
+              <a:defRPr sz="1600"/>
             </a:lvl5pPr>
             <a:lvl6pPr>
-              <a:defRPr sz="800"/>
+              <a:defRPr sz="1600"/>
             </a:lvl6pPr>
             <a:lvl7pPr>
-              <a:defRPr sz="800"/>
+              <a:defRPr sz="1600"/>
             </a:lvl7pPr>
             <a:lvl8pPr>
-              <a:defRPr sz="800"/>
+              <a:defRPr sz="1600"/>
             </a:lvl8pPr>
             <a:lvl9pPr>
-              <a:defRPr sz="800"/>
+              <a:defRPr sz="1600"/>
             </a:lvl9pPr>
           </a:lstStyle>
           <a:p>
@@ -2201,7 +2201,7 @@
           <a:p>
             <a:fld id="{E4E64FA6-EB03-AE42-9D16-539ACBA29E8E}" type="datetimeFigureOut">
               <a:rPr lang="en-US" smtClean="0"/>
-              <a:t>9/6/16</a:t>
+              <a:t>9/10/16</a:t>
             </a:fld>
             <a:endParaRPr lang="en-US"/>
           </a:p>
@@ -2319,7 +2319,7 @@
           <a:p>
             <a:fld id="{E4E64FA6-EB03-AE42-9D16-539ACBA29E8E}" type="datetimeFigureOut">
               <a:rPr lang="en-US" smtClean="0"/>
-              <a:t>9/6/16</a:t>
+              <a:t>9/10/16</a:t>
             </a:fld>
             <a:endParaRPr lang="en-US"/>
           </a:p>
@@ -2414,7 +2414,7 @@
           <a:p>
             <a:fld id="{E4E64FA6-EB03-AE42-9D16-539ACBA29E8E}" type="datetimeFigureOut">
               <a:rPr lang="en-US" smtClean="0"/>
-              <a:t>9/6/16</a:t>
+              <a:t>9/10/16</a:t>
             </a:fld>
             <a:endParaRPr lang="en-US"/>
           </a:p>
@@ -2504,15 +2504,15 @@
         </p:nvSpPr>
         <p:spPr>
           <a:xfrm>
-            <a:off x="388622" y="109220"/>
-            <a:ext cx="2557067" cy="464820"/>
+            <a:off x="777244" y="218440"/>
+            <a:ext cx="5114133" cy="929640"/>
           </a:xfrm>
         </p:spPr>
         <p:txBody>
           <a:bodyPr anchor="b"/>
           <a:lstStyle>
             <a:lvl1pPr algn="l">
-              <a:defRPr sz="1000" b="1"/>
+              <a:defRPr sz="2000" b="1"/>
             </a:lvl1pPr>
           </a:lstStyle>
           <a:p>
@@ -2536,39 +2536,39 @@
         </p:nvSpPr>
         <p:spPr>
           <a:xfrm>
-            <a:off x="3038793" y="109221"/>
-            <a:ext cx="4344988" cy="2341245"/>
+            <a:off x="6077586" y="218441"/>
+            <a:ext cx="8689975" cy="4682490"/>
           </a:xfrm>
         </p:spPr>
         <p:txBody>
           <a:bodyPr/>
           <a:lstStyle>
             <a:lvl1pPr>
-              <a:defRPr sz="1600"/>
+              <a:defRPr sz="3200"/>
             </a:lvl1pPr>
             <a:lvl2pPr>
-              <a:defRPr sz="1400"/>
+              <a:defRPr sz="2800"/>
             </a:lvl2pPr>
             <a:lvl3pPr>
-              <a:defRPr sz="1200"/>
+              <a:defRPr sz="2400"/>
             </a:lvl3pPr>
             <a:lvl4pPr>
-              <a:defRPr sz="1000"/>
+              <a:defRPr sz="2000"/>
             </a:lvl4pPr>
             <a:lvl5pPr>
-              <a:defRPr sz="1000"/>
+              <a:defRPr sz="2000"/>
             </a:lvl5pPr>
             <a:lvl6pPr>
-              <a:defRPr sz="1000"/>
+              <a:defRPr sz="2000"/>
             </a:lvl6pPr>
             <a:lvl7pPr>
-              <a:defRPr sz="1000"/>
+              <a:defRPr sz="2000"/>
             </a:lvl7pPr>
             <a:lvl8pPr>
-              <a:defRPr sz="1000"/>
+              <a:defRPr sz="2000"/>
             </a:lvl8pPr>
             <a:lvl9pPr>
-              <a:defRPr sz="1000"/>
+              <a:defRPr sz="2000"/>
             </a:lvl9pPr>
           </a:lstStyle>
           <a:p>
@@ -2621,8 +2621,8 @@
         </p:nvSpPr>
         <p:spPr>
           <a:xfrm>
-            <a:off x="388622" y="574041"/>
-            <a:ext cx="2557067" cy="1876425"/>
+            <a:off x="777244" y="1148081"/>
+            <a:ext cx="5114133" cy="3752850"/>
           </a:xfrm>
         </p:spPr>
         <p:txBody>
@@ -2630,39 +2630,39 @@
           <a:lstStyle>
             <a:lvl1pPr marL="0" indent="0">
               <a:buNone/>
-              <a:defRPr sz="700"/>
+              <a:defRPr sz="1400"/>
             </a:lvl1pPr>
-            <a:lvl2pPr marL="228600" indent="0">
-              <a:buNone/>
-              <a:defRPr sz="600"/>
+            <a:lvl2pPr marL="457200" indent="0">
+              <a:buNone/>
+              <a:defRPr sz="1200"/>
             </a:lvl2pPr>
-            <a:lvl3pPr marL="457200" indent="0">
-              <a:buNone/>
-              <a:defRPr sz="500"/>
+            <a:lvl3pPr marL="914400" indent="0">
+              <a:buNone/>
+              <a:defRPr sz="1000"/>
             </a:lvl3pPr>
-            <a:lvl4pPr marL="685800" indent="0">
-              <a:buNone/>
-              <a:defRPr sz="500"/>
+            <a:lvl4pPr marL="1371600" indent="0">
+              <a:buNone/>
+              <a:defRPr sz="900"/>
             </a:lvl4pPr>
-            <a:lvl5pPr marL="914400" indent="0">
-              <a:buNone/>
-              <a:defRPr sz="500"/>
+            <a:lvl5pPr marL="1828800" indent="0">
+              <a:buNone/>
+              <a:defRPr sz="900"/>
             </a:lvl5pPr>
-            <a:lvl6pPr marL="1143000" indent="0">
-              <a:buNone/>
-              <a:defRPr sz="500"/>
+            <a:lvl6pPr marL="2286000" indent="0">
+              <a:buNone/>
+              <a:defRPr sz="900"/>
             </a:lvl6pPr>
-            <a:lvl7pPr marL="1371600" indent="0">
-              <a:buNone/>
-              <a:defRPr sz="500"/>
+            <a:lvl7pPr marL="2743200" indent="0">
+              <a:buNone/>
+              <a:defRPr sz="900"/>
             </a:lvl7pPr>
-            <a:lvl8pPr marL="1600200" indent="0">
-              <a:buNone/>
-              <a:defRPr sz="500"/>
+            <a:lvl8pPr marL="3200400" indent="0">
+              <a:buNone/>
+              <a:defRPr sz="900"/>
             </a:lvl8pPr>
-            <a:lvl9pPr marL="1828800" indent="0">
-              <a:buNone/>
-              <a:defRPr sz="500"/>
+            <a:lvl9pPr marL="3657600" indent="0">
+              <a:buNone/>
+              <a:defRPr sz="900"/>
             </a:lvl9pPr>
           </a:lstStyle>
           <a:p>
@@ -2691,7 +2691,7 @@
           <a:p>
             <a:fld id="{E4E64FA6-EB03-AE42-9D16-539ACBA29E8E}" type="datetimeFigureOut">
               <a:rPr lang="en-US" smtClean="0"/>
-              <a:t>9/6/16</a:t>
+              <a:t>9/10/16</a:t>
             </a:fld>
             <a:endParaRPr lang="en-US"/>
           </a:p>
@@ -2781,15 +2781,15 @@
         </p:nvSpPr>
         <p:spPr>
           <a:xfrm>
-            <a:off x="1523445" y="1920241"/>
-            <a:ext cx="4663440" cy="226695"/>
+            <a:off x="3046890" y="3840481"/>
+            <a:ext cx="9326880" cy="453390"/>
           </a:xfrm>
         </p:spPr>
         <p:txBody>
           <a:bodyPr anchor="b"/>
           <a:lstStyle>
             <a:lvl1pPr algn="l">
-              <a:defRPr sz="1000" b="1"/>
+              <a:defRPr sz="2000" b="1"/>
             </a:lvl1pPr>
           </a:lstStyle>
           <a:p>
@@ -2813,8 +2813,8 @@
         </p:nvSpPr>
         <p:spPr>
           <a:xfrm>
-            <a:off x="1523445" y="245110"/>
-            <a:ext cx="4663440" cy="1645920"/>
+            <a:off x="3046890" y="490220"/>
+            <a:ext cx="9326880" cy="3291840"/>
           </a:xfrm>
         </p:spPr>
         <p:txBody>
@@ -2822,39 +2822,39 @@
           <a:lstStyle>
             <a:lvl1pPr marL="0" indent="0">
               <a:buNone/>
-              <a:defRPr sz="1600"/>
+              <a:defRPr sz="3200"/>
             </a:lvl1pPr>
-            <a:lvl2pPr marL="228600" indent="0">
-              <a:buNone/>
-              <a:defRPr sz="1400"/>
+            <a:lvl2pPr marL="457200" indent="0">
+              <a:buNone/>
+              <a:defRPr sz="2800"/>
             </a:lvl2pPr>
-            <a:lvl3pPr marL="457200" indent="0">
-              <a:buNone/>
-              <a:defRPr sz="1200"/>
+            <a:lvl3pPr marL="914400" indent="0">
+              <a:buNone/>
+              <a:defRPr sz="2400"/>
             </a:lvl3pPr>
-            <a:lvl4pPr marL="685800" indent="0">
-              <a:buNone/>
-              <a:defRPr sz="1000"/>
+            <a:lvl4pPr marL="1371600" indent="0">
+              <a:buNone/>
+              <a:defRPr sz="2000"/>
             </a:lvl4pPr>
-            <a:lvl5pPr marL="914400" indent="0">
-              <a:buNone/>
-              <a:defRPr sz="1000"/>
+            <a:lvl5pPr marL="1828800" indent="0">
+              <a:buNone/>
+              <a:defRPr sz="2000"/>
             </a:lvl5pPr>
-            <a:lvl6pPr marL="1143000" indent="0">
-              <a:buNone/>
-              <a:defRPr sz="1000"/>
+            <a:lvl6pPr marL="2286000" indent="0">
+              <a:buNone/>
+              <a:defRPr sz="2000"/>
             </a:lvl6pPr>
-            <a:lvl7pPr marL="1371600" indent="0">
-              <a:buNone/>
-              <a:defRPr sz="1000"/>
+            <a:lvl7pPr marL="2743200" indent="0">
+              <a:buNone/>
+              <a:defRPr sz="2000"/>
             </a:lvl7pPr>
-            <a:lvl8pPr marL="1600200" indent="0">
-              <a:buNone/>
-              <a:defRPr sz="1000"/>
+            <a:lvl8pPr marL="3200400" indent="0">
+              <a:buNone/>
+              <a:defRPr sz="2000"/>
             </a:lvl8pPr>
-            <a:lvl9pPr marL="1828800" indent="0">
-              <a:buNone/>
-              <a:defRPr sz="1000"/>
+            <a:lvl9pPr marL="3657600" indent="0">
+              <a:buNone/>
+              <a:defRPr sz="2000"/>
             </a:lvl9pPr>
           </a:lstStyle>
           <a:p>
@@ -2874,8 +2874,8 @@
         </p:nvSpPr>
         <p:spPr>
           <a:xfrm>
-            <a:off x="1523445" y="2146936"/>
-            <a:ext cx="4663440" cy="321945"/>
+            <a:off x="3046890" y="4293871"/>
+            <a:ext cx="9326880" cy="643890"/>
           </a:xfrm>
         </p:spPr>
         <p:txBody>
@@ -2883,39 +2883,39 @@
           <a:lstStyle>
             <a:lvl1pPr marL="0" indent="0">
               <a:buNone/>
-              <a:defRPr sz="700"/>
+              <a:defRPr sz="1400"/>
             </a:lvl1pPr>
-            <a:lvl2pPr marL="228600" indent="0">
-              <a:buNone/>
-              <a:defRPr sz="600"/>
+            <a:lvl2pPr marL="457200" indent="0">
+              <a:buNone/>
+              <a:defRPr sz="1200"/>
             </a:lvl2pPr>
-            <a:lvl3pPr marL="457200" indent="0">
-              <a:buNone/>
-              <a:defRPr sz="500"/>
+            <a:lvl3pPr marL="914400" indent="0">
+              <a:buNone/>
+              <a:defRPr sz="1000"/>
             </a:lvl3pPr>
-            <a:lvl4pPr marL="685800" indent="0">
-              <a:buNone/>
-              <a:defRPr sz="500"/>
+            <a:lvl4pPr marL="1371600" indent="0">
+              <a:buNone/>
+              <a:defRPr sz="900"/>
             </a:lvl4pPr>
-            <a:lvl5pPr marL="914400" indent="0">
-              <a:buNone/>
-              <a:defRPr sz="500"/>
+            <a:lvl5pPr marL="1828800" indent="0">
+              <a:buNone/>
+              <a:defRPr sz="900"/>
             </a:lvl5pPr>
-            <a:lvl6pPr marL="1143000" indent="0">
-              <a:buNone/>
-              <a:defRPr sz="500"/>
+            <a:lvl6pPr marL="2286000" indent="0">
+              <a:buNone/>
+              <a:defRPr sz="900"/>
             </a:lvl6pPr>
-            <a:lvl7pPr marL="1371600" indent="0">
-              <a:buNone/>
-              <a:defRPr sz="500"/>
+            <a:lvl7pPr marL="2743200" indent="0">
+              <a:buNone/>
+              <a:defRPr sz="900"/>
             </a:lvl7pPr>
-            <a:lvl8pPr marL="1600200" indent="0">
-              <a:buNone/>
-              <a:defRPr sz="500"/>
+            <a:lvl8pPr marL="3200400" indent="0">
+              <a:buNone/>
+              <a:defRPr sz="900"/>
             </a:lvl8pPr>
-            <a:lvl9pPr marL="1828800" indent="0">
-              <a:buNone/>
-              <a:defRPr sz="500"/>
+            <a:lvl9pPr marL="3657600" indent="0">
+              <a:buNone/>
+              <a:defRPr sz="900"/>
             </a:lvl9pPr>
           </a:lstStyle>
           <a:p>
@@ -2944,7 +2944,7 @@
           <a:p>
             <a:fld id="{E4E64FA6-EB03-AE42-9D16-539ACBA29E8E}" type="datetimeFigureOut">
               <a:rPr lang="en-US" smtClean="0"/>
-              <a:t>9/6/16</a:t>
+              <a:t>9/10/16</a:t>
             </a:fld>
             <a:endParaRPr lang="en-US"/>
           </a:p>
@@ -3039,15 +3039,15 @@
         </p:nvSpPr>
         <p:spPr>
           <a:xfrm>
-            <a:off x="388620" y="109855"/>
-            <a:ext cx="6995160" cy="457200"/>
+            <a:off x="777240" y="219710"/>
+            <a:ext cx="13990320" cy="914400"/>
           </a:xfrm>
           <a:prstGeom prst="rect">
             <a:avLst/>
           </a:prstGeom>
         </p:spPr>
         <p:txBody>
-          <a:bodyPr vert="horz" lIns="45720" tIns="22860" rIns="45720" bIns="22860" rtlCol="0" anchor="ctr">
+          <a:bodyPr vert="horz" lIns="91440" tIns="45720" rIns="91440" bIns="45720" rtlCol="0" anchor="ctr">
             <a:normAutofit/>
           </a:bodyPr>
           <a:lstStyle/>
@@ -3072,15 +3072,15 @@
         </p:nvSpPr>
         <p:spPr>
           <a:xfrm>
-            <a:off x="388620" y="640080"/>
-            <a:ext cx="6995160" cy="1810386"/>
+            <a:off x="777240" y="1280161"/>
+            <a:ext cx="13990320" cy="3620771"/>
           </a:xfrm>
           <a:prstGeom prst="rect">
             <a:avLst/>
           </a:prstGeom>
         </p:spPr>
         <p:txBody>
-          <a:bodyPr vert="horz" lIns="45720" tIns="22860" rIns="45720" bIns="22860" rtlCol="0">
+          <a:bodyPr vert="horz" lIns="91440" tIns="45720" rIns="91440" bIns="45720" rtlCol="0">
             <a:normAutofit/>
           </a:bodyPr>
           <a:lstStyle/>
@@ -3134,18 +3134,18 @@
         </p:nvSpPr>
         <p:spPr>
           <a:xfrm>
-            <a:off x="388620" y="2542541"/>
-            <a:ext cx="1813560" cy="146050"/>
+            <a:off x="777240" y="5085081"/>
+            <a:ext cx="3627120" cy="292100"/>
           </a:xfrm>
           <a:prstGeom prst="rect">
             <a:avLst/>
           </a:prstGeom>
         </p:spPr>
         <p:txBody>
-          <a:bodyPr vert="horz" lIns="45720" tIns="22860" rIns="45720" bIns="22860" rtlCol="0" anchor="ctr"/>
+          <a:bodyPr vert="horz" lIns="91440" tIns="45720" rIns="91440" bIns="45720" rtlCol="0" anchor="ctr"/>
           <a:lstStyle>
             <a:lvl1pPr algn="l">
-              <a:defRPr sz="600">
+              <a:defRPr sz="1200">
                 <a:solidFill>
                   <a:schemeClr val="tx1">
                     <a:tint val="75000"/>
@@ -3157,7 +3157,7 @@
           <a:p>
             <a:fld id="{E4E64FA6-EB03-AE42-9D16-539ACBA29E8E}" type="datetimeFigureOut">
               <a:rPr lang="en-US" smtClean="0"/>
-              <a:t>9/6/16</a:t>
+              <a:t>9/10/16</a:t>
             </a:fld>
             <a:endParaRPr lang="en-US"/>
           </a:p>
@@ -3175,18 +3175,18 @@
         </p:nvSpPr>
         <p:spPr>
           <a:xfrm>
-            <a:off x="2655570" y="2542541"/>
-            <a:ext cx="2461260" cy="146050"/>
+            <a:off x="5311140" y="5085081"/>
+            <a:ext cx="4922520" cy="292100"/>
           </a:xfrm>
           <a:prstGeom prst="rect">
             <a:avLst/>
           </a:prstGeom>
         </p:spPr>
         <p:txBody>
-          <a:bodyPr vert="horz" lIns="45720" tIns="22860" rIns="45720" bIns="22860" rtlCol="0" anchor="ctr"/>
+          <a:bodyPr vert="horz" lIns="91440" tIns="45720" rIns="91440" bIns="45720" rtlCol="0" anchor="ctr"/>
           <a:lstStyle>
             <a:lvl1pPr algn="ctr">
-              <a:defRPr sz="600">
+              <a:defRPr sz="1200">
                 <a:solidFill>
                   <a:schemeClr val="tx1">
                     <a:tint val="75000"/>
@@ -3212,18 +3212,18 @@
         </p:nvSpPr>
         <p:spPr>
           <a:xfrm>
-            <a:off x="5570220" y="2542541"/>
-            <a:ext cx="1813560" cy="146050"/>
+            <a:off x="11140440" y="5085081"/>
+            <a:ext cx="3627120" cy="292100"/>
           </a:xfrm>
           <a:prstGeom prst="rect">
             <a:avLst/>
           </a:prstGeom>
         </p:spPr>
         <p:txBody>
-          <a:bodyPr vert="horz" lIns="45720" tIns="22860" rIns="45720" bIns="22860" rtlCol="0" anchor="ctr"/>
+          <a:bodyPr vert="horz" lIns="91440" tIns="45720" rIns="91440" bIns="45720" rtlCol="0" anchor="ctr"/>
           <a:lstStyle>
             <a:lvl1pPr algn="r">
-              <a:defRPr sz="600">
+              <a:defRPr sz="1200">
                 <a:solidFill>
                   <a:schemeClr val="tx1">
                     <a:tint val="75000"/>
@@ -3264,12 +3264,12 @@
   </p:sldLayoutIdLst>
   <p:txStyles>
     <p:titleStyle>
-      <a:lvl1pPr algn="ctr" defTabSz="228600" rtl="0" eaLnBrk="1" latinLnBrk="0" hangingPunct="1">
+      <a:lvl1pPr algn="ctr" defTabSz="457200" rtl="0" eaLnBrk="1" latinLnBrk="0" hangingPunct="1">
         <a:spcBef>
           <a:spcPct val="0"/>
         </a:spcBef>
         <a:buNone/>
-        <a:defRPr sz="2200" kern="1200">
+        <a:defRPr sz="4400" kern="1200">
           <a:solidFill>
             <a:schemeClr val="tx1"/>
           </a:solidFill>
@@ -3280,13 +3280,13 @@
       </a:lvl1pPr>
     </p:titleStyle>
     <p:bodyStyle>
-      <a:lvl1pPr marL="171450" indent="-171450" algn="l" defTabSz="228600" rtl="0" eaLnBrk="1" latinLnBrk="0" hangingPunct="1">
+      <a:lvl1pPr marL="342900" indent="-342900" algn="l" defTabSz="457200" rtl="0" eaLnBrk="1" latinLnBrk="0" hangingPunct="1">
         <a:spcBef>
           <a:spcPct val="20000"/>
         </a:spcBef>
         <a:buFont typeface="Arial"/>
         <a:buChar char="•"/>
-        <a:defRPr sz="1600" kern="1200">
+        <a:defRPr sz="3200" kern="1200">
           <a:solidFill>
             <a:schemeClr val="tx1"/>
           </a:solidFill>
@@ -3295,13 +3295,13 @@
           <a:cs typeface="+mn-cs"/>
         </a:defRPr>
       </a:lvl1pPr>
-      <a:lvl2pPr marL="371475" indent="-142875" algn="l" defTabSz="228600" rtl="0" eaLnBrk="1" latinLnBrk="0" hangingPunct="1">
+      <a:lvl2pPr marL="742950" indent="-285750" algn="l" defTabSz="457200" rtl="0" eaLnBrk="1" latinLnBrk="0" hangingPunct="1">
         <a:spcBef>
           <a:spcPct val="20000"/>
         </a:spcBef>
         <a:buFont typeface="Arial"/>
         <a:buChar char="–"/>
-        <a:defRPr sz="1400" kern="1200">
+        <a:defRPr sz="2800" kern="1200">
           <a:solidFill>
             <a:schemeClr val="tx1"/>
           </a:solidFill>
@@ -3310,13 +3310,13 @@
           <a:cs typeface="+mn-cs"/>
         </a:defRPr>
       </a:lvl2pPr>
-      <a:lvl3pPr marL="571500" indent="-114300" algn="l" defTabSz="228600" rtl="0" eaLnBrk="1" latinLnBrk="0" hangingPunct="1">
+      <a:lvl3pPr marL="1143000" indent="-228600" algn="l" defTabSz="457200" rtl="0" eaLnBrk="1" latinLnBrk="0" hangingPunct="1">
         <a:spcBef>
           <a:spcPct val="20000"/>
         </a:spcBef>
         <a:buFont typeface="Arial"/>
         <a:buChar char="•"/>
-        <a:defRPr sz="1200" kern="1200">
+        <a:defRPr sz="2400" kern="1200">
           <a:solidFill>
             <a:schemeClr val="tx1"/>
           </a:solidFill>
@@ -3325,13 +3325,13 @@
           <a:cs typeface="+mn-cs"/>
         </a:defRPr>
       </a:lvl3pPr>
-      <a:lvl4pPr marL="800100" indent="-114300" algn="l" defTabSz="228600" rtl="0" eaLnBrk="1" latinLnBrk="0" hangingPunct="1">
+      <a:lvl4pPr marL="1600200" indent="-228600" algn="l" defTabSz="457200" rtl="0" eaLnBrk="1" latinLnBrk="0" hangingPunct="1">
         <a:spcBef>
           <a:spcPct val="20000"/>
         </a:spcBef>
         <a:buFont typeface="Arial"/>
         <a:buChar char="–"/>
-        <a:defRPr sz="1000" kern="1200">
+        <a:defRPr sz="2000" kern="1200">
           <a:solidFill>
             <a:schemeClr val="tx1"/>
           </a:solidFill>
@@ -3340,13 +3340,13 @@
           <a:cs typeface="+mn-cs"/>
         </a:defRPr>
       </a:lvl4pPr>
-      <a:lvl5pPr marL="1028700" indent="-114300" algn="l" defTabSz="228600" rtl="0" eaLnBrk="1" latinLnBrk="0" hangingPunct="1">
+      <a:lvl5pPr marL="2057400" indent="-228600" algn="l" defTabSz="457200" rtl="0" eaLnBrk="1" latinLnBrk="0" hangingPunct="1">
         <a:spcBef>
           <a:spcPct val="20000"/>
         </a:spcBef>
         <a:buFont typeface="Arial"/>
         <a:buChar char="»"/>
-        <a:defRPr sz="1000" kern="1200">
+        <a:defRPr sz="2000" kern="1200">
           <a:solidFill>
             <a:schemeClr val="tx1"/>
           </a:solidFill>
@@ -3355,13 +3355,13 @@
           <a:cs typeface="+mn-cs"/>
         </a:defRPr>
       </a:lvl5pPr>
-      <a:lvl6pPr marL="1257300" indent="-114300" algn="l" defTabSz="228600" rtl="0" eaLnBrk="1" latinLnBrk="0" hangingPunct="1">
+      <a:lvl6pPr marL="2514600" indent="-228600" algn="l" defTabSz="457200" rtl="0" eaLnBrk="1" latinLnBrk="0" hangingPunct="1">
         <a:spcBef>
           <a:spcPct val="20000"/>
         </a:spcBef>
         <a:buFont typeface="Arial"/>
         <a:buChar char="•"/>
-        <a:defRPr sz="1000" kern="1200">
+        <a:defRPr sz="2000" kern="1200">
           <a:solidFill>
             <a:schemeClr val="tx1"/>
           </a:solidFill>
@@ -3370,13 +3370,13 @@
           <a:cs typeface="+mn-cs"/>
         </a:defRPr>
       </a:lvl6pPr>
-      <a:lvl7pPr marL="1485900" indent="-114300" algn="l" defTabSz="228600" rtl="0" eaLnBrk="1" latinLnBrk="0" hangingPunct="1">
+      <a:lvl7pPr marL="2971800" indent="-228600" algn="l" defTabSz="457200" rtl="0" eaLnBrk="1" latinLnBrk="0" hangingPunct="1">
         <a:spcBef>
           <a:spcPct val="20000"/>
         </a:spcBef>
         <a:buFont typeface="Arial"/>
         <a:buChar char="•"/>
-        <a:defRPr sz="1000" kern="1200">
+        <a:defRPr sz="2000" kern="1200">
           <a:solidFill>
             <a:schemeClr val="tx1"/>
           </a:solidFill>
@@ -3385,13 +3385,13 @@
           <a:cs typeface="+mn-cs"/>
         </a:defRPr>
       </a:lvl7pPr>
-      <a:lvl8pPr marL="1714500" indent="-114300" algn="l" defTabSz="228600" rtl="0" eaLnBrk="1" latinLnBrk="0" hangingPunct="1">
+      <a:lvl8pPr marL="3429000" indent="-228600" algn="l" defTabSz="457200" rtl="0" eaLnBrk="1" latinLnBrk="0" hangingPunct="1">
         <a:spcBef>
           <a:spcPct val="20000"/>
         </a:spcBef>
         <a:buFont typeface="Arial"/>
         <a:buChar char="•"/>
-        <a:defRPr sz="1000" kern="1200">
+        <a:defRPr sz="2000" kern="1200">
           <a:solidFill>
             <a:schemeClr val="tx1"/>
           </a:solidFill>
@@ -3400,13 +3400,13 @@
           <a:cs typeface="+mn-cs"/>
         </a:defRPr>
       </a:lvl8pPr>
-      <a:lvl9pPr marL="1943100" indent="-114300" algn="l" defTabSz="228600" rtl="0" eaLnBrk="1" latinLnBrk="0" hangingPunct="1">
+      <a:lvl9pPr marL="3886200" indent="-228600" algn="l" defTabSz="457200" rtl="0" eaLnBrk="1" latinLnBrk="0" hangingPunct="1">
         <a:spcBef>
           <a:spcPct val="20000"/>
         </a:spcBef>
         <a:buFont typeface="Arial"/>
         <a:buChar char="•"/>
-        <a:defRPr sz="1000" kern="1200">
+        <a:defRPr sz="2000" kern="1200">
           <a:solidFill>
             <a:schemeClr val="tx1"/>
           </a:solidFill>
@@ -3420,8 +3420,8 @@
       <a:defPPr>
         <a:defRPr lang="en-US"/>
       </a:defPPr>
-      <a:lvl1pPr marL="0" algn="l" defTabSz="228600" rtl="0" eaLnBrk="1" latinLnBrk="0" hangingPunct="1">
-        <a:defRPr sz="900" kern="1200">
+      <a:lvl1pPr marL="0" algn="l" defTabSz="457200" rtl="0" eaLnBrk="1" latinLnBrk="0" hangingPunct="1">
+        <a:defRPr sz="1800" kern="1200">
           <a:solidFill>
             <a:schemeClr val="tx1"/>
           </a:solidFill>
@@ -3430,8 +3430,8 @@
           <a:cs typeface="+mn-cs"/>
         </a:defRPr>
       </a:lvl1pPr>
-      <a:lvl2pPr marL="228600" algn="l" defTabSz="228600" rtl="0" eaLnBrk="1" latinLnBrk="0" hangingPunct="1">
-        <a:defRPr sz="900" kern="1200">
+      <a:lvl2pPr marL="457200" algn="l" defTabSz="457200" rtl="0" eaLnBrk="1" latinLnBrk="0" hangingPunct="1">
+        <a:defRPr sz="1800" kern="1200">
           <a:solidFill>
             <a:schemeClr val="tx1"/>
           </a:solidFill>
@@ -3440,8 +3440,8 @@
           <a:cs typeface="+mn-cs"/>
         </a:defRPr>
       </a:lvl2pPr>
-      <a:lvl3pPr marL="457200" algn="l" defTabSz="228600" rtl="0" eaLnBrk="1" latinLnBrk="0" hangingPunct="1">
-        <a:defRPr sz="900" kern="1200">
+      <a:lvl3pPr marL="914400" algn="l" defTabSz="457200" rtl="0" eaLnBrk="1" latinLnBrk="0" hangingPunct="1">
+        <a:defRPr sz="1800" kern="1200">
           <a:solidFill>
             <a:schemeClr val="tx1"/>
           </a:solidFill>
@@ -3450,8 +3450,8 @@
           <a:cs typeface="+mn-cs"/>
         </a:defRPr>
       </a:lvl3pPr>
-      <a:lvl4pPr marL="685800" algn="l" defTabSz="228600" rtl="0" eaLnBrk="1" latinLnBrk="0" hangingPunct="1">
-        <a:defRPr sz="900" kern="1200">
+      <a:lvl4pPr marL="1371600" algn="l" defTabSz="457200" rtl="0" eaLnBrk="1" latinLnBrk="0" hangingPunct="1">
+        <a:defRPr sz="1800" kern="1200">
           <a:solidFill>
             <a:schemeClr val="tx1"/>
           </a:solidFill>
@@ -3460,8 +3460,8 @@
           <a:cs typeface="+mn-cs"/>
         </a:defRPr>
       </a:lvl4pPr>
-      <a:lvl5pPr marL="914400" algn="l" defTabSz="228600" rtl="0" eaLnBrk="1" latinLnBrk="0" hangingPunct="1">
-        <a:defRPr sz="900" kern="1200">
+      <a:lvl5pPr marL="1828800" algn="l" defTabSz="457200" rtl="0" eaLnBrk="1" latinLnBrk="0" hangingPunct="1">
+        <a:defRPr sz="1800" kern="1200">
           <a:solidFill>
             <a:schemeClr val="tx1"/>
           </a:solidFill>
@@ -3470,8 +3470,8 @@
           <a:cs typeface="+mn-cs"/>
         </a:defRPr>
       </a:lvl5pPr>
-      <a:lvl6pPr marL="1143000" algn="l" defTabSz="228600" rtl="0" eaLnBrk="1" latinLnBrk="0" hangingPunct="1">
-        <a:defRPr sz="900" kern="1200">
+      <a:lvl6pPr marL="2286000" algn="l" defTabSz="457200" rtl="0" eaLnBrk="1" latinLnBrk="0" hangingPunct="1">
+        <a:defRPr sz="1800" kern="1200">
           <a:solidFill>
             <a:schemeClr val="tx1"/>
           </a:solidFill>
@@ -3480,8 +3480,8 @@
           <a:cs typeface="+mn-cs"/>
         </a:defRPr>
       </a:lvl6pPr>
-      <a:lvl7pPr marL="1371600" algn="l" defTabSz="228600" rtl="0" eaLnBrk="1" latinLnBrk="0" hangingPunct="1">
-        <a:defRPr sz="900" kern="1200">
+      <a:lvl7pPr marL="2743200" algn="l" defTabSz="457200" rtl="0" eaLnBrk="1" latinLnBrk="0" hangingPunct="1">
+        <a:defRPr sz="1800" kern="1200">
           <a:solidFill>
             <a:schemeClr val="tx1"/>
           </a:solidFill>
@@ -3490,8 +3490,8 @@
           <a:cs typeface="+mn-cs"/>
         </a:defRPr>
       </a:lvl7pPr>
-      <a:lvl8pPr marL="1600200" algn="l" defTabSz="228600" rtl="0" eaLnBrk="1" latinLnBrk="0" hangingPunct="1">
-        <a:defRPr sz="900" kern="1200">
+      <a:lvl8pPr marL="3200400" algn="l" defTabSz="457200" rtl="0" eaLnBrk="1" latinLnBrk="0" hangingPunct="1">
+        <a:defRPr sz="1800" kern="1200">
           <a:solidFill>
             <a:schemeClr val="tx1"/>
           </a:solidFill>
@@ -3500,8 +3500,8 @@
           <a:cs typeface="+mn-cs"/>
         </a:defRPr>
       </a:lvl8pPr>
-      <a:lvl9pPr marL="1828800" algn="l" defTabSz="228600" rtl="0" eaLnBrk="1" latinLnBrk="0" hangingPunct="1">
-        <a:defRPr sz="900" kern="1200">
+      <a:lvl9pPr marL="3657600" algn="l" defTabSz="457200" rtl="0" eaLnBrk="1" latinLnBrk="0" hangingPunct="1">
+        <a:defRPr sz="1800" kern="1200">
           <a:solidFill>
             <a:schemeClr val="tx1"/>
           </a:solidFill>
@@ -3541,21 +3541,15 @@
           <p:nvPr/>
         </p:nvPicPr>
         <p:blipFill>
-          <a:blip r:embed="rId4" cstate="email">
-            <a:extLst>
-              <a:ext uri="{28A0092B-C50C-407E-A947-70E740481C1C}">
-                <a14:useLocalDpi xmlns:a14="http://schemas.microsoft.com/office/drawing/2010/main"/>
-              </a:ext>
-            </a:extLst>
-          </a:blip>
+          <a:blip r:embed="rId4"/>
           <a:stretch>
             <a:fillRect/>
           </a:stretch>
         </p:blipFill>
         <p:spPr>
           <a:xfrm>
-            <a:off x="3291766" y="6705"/>
-            <a:ext cx="2286000" cy="1397000"/>
+            <a:off x="6583532" y="13409"/>
+            <a:ext cx="4572000" cy="2794000"/>
           </a:xfrm>
           <a:prstGeom prst="rect">
             <a:avLst/>
@@ -3571,21 +3565,15 @@
           <p:nvPr/>
         </p:nvPicPr>
         <p:blipFill>
-          <a:blip r:embed="rId5" cstate="email">
-            <a:extLst>
-              <a:ext uri="{28A0092B-C50C-407E-A947-70E740481C1C}">
-                <a14:useLocalDpi xmlns:a14="http://schemas.microsoft.com/office/drawing/2010/main"/>
-              </a:ext>
-            </a:extLst>
-          </a:blip>
+          <a:blip r:embed="rId5"/>
           <a:stretch>
             <a:fillRect/>
           </a:stretch>
         </p:blipFill>
         <p:spPr>
           <a:xfrm>
-            <a:off x="5502403" y="24519"/>
-            <a:ext cx="2286000" cy="1308100"/>
+            <a:off x="11004805" y="49038"/>
+            <a:ext cx="4572000" cy="2616200"/>
           </a:xfrm>
           <a:prstGeom prst="rect">
             <a:avLst/>
@@ -3601,21 +3589,15 @@
           <p:nvPr/>
         </p:nvPicPr>
         <p:blipFill>
-          <a:blip r:embed="rId6" cstate="email">
-            <a:extLst>
-              <a:ext uri="{28A0092B-C50C-407E-A947-70E740481C1C}">
-                <a14:useLocalDpi xmlns:a14="http://schemas.microsoft.com/office/drawing/2010/main"/>
-              </a:ext>
-            </a:extLst>
-          </a:blip>
+          <a:blip r:embed="rId6"/>
           <a:stretch>
             <a:fillRect/>
           </a:stretch>
         </p:blipFill>
         <p:spPr>
           <a:xfrm>
-            <a:off x="3250269" y="1384848"/>
-            <a:ext cx="2286000" cy="1390650"/>
+            <a:off x="6500537" y="2752763"/>
+            <a:ext cx="4572000" cy="2781300"/>
           </a:xfrm>
           <a:prstGeom prst="rect">
             <a:avLst/>
@@ -3631,21 +3613,15 @@
           <p:nvPr/>
         </p:nvPicPr>
         <p:blipFill>
-          <a:blip r:embed="rId7" cstate="email">
-            <a:extLst>
-              <a:ext uri="{28A0092B-C50C-407E-A947-70E740481C1C}">
-                <a14:useLocalDpi xmlns:a14="http://schemas.microsoft.com/office/drawing/2010/main"/>
-              </a:ext>
-            </a:extLst>
-          </a:blip>
+          <a:blip r:embed="rId7"/>
           <a:stretch>
             <a:fillRect/>
           </a:stretch>
         </p:blipFill>
         <p:spPr>
           <a:xfrm>
-            <a:off x="5536269" y="1416050"/>
-            <a:ext cx="2246982" cy="1327150"/>
+            <a:off x="11072537" y="2815167"/>
+            <a:ext cx="4493964" cy="2654300"/>
           </a:xfrm>
           <a:prstGeom prst="rect">
             <a:avLst/>
@@ -3661,21 +3637,15 @@
           <p:nvPr/>
         </p:nvPicPr>
         <p:blipFill>
-          <a:blip r:embed="rId8" cstate="email">
-            <a:extLst>
-              <a:ext uri="{28A0092B-C50C-407E-A947-70E740481C1C}">
-                <a14:useLocalDpi xmlns:a14="http://schemas.microsoft.com/office/drawing/2010/main"/>
-              </a:ext>
-            </a:extLst>
-          </a:blip>
+          <a:blip r:embed="rId8"/>
           <a:stretch>
             <a:fillRect/>
           </a:stretch>
         </p:blipFill>
         <p:spPr>
           <a:xfrm>
-            <a:off x="-63374" y="263809"/>
-            <a:ext cx="2175281" cy="2175281"/>
+            <a:off x="-126749" y="527617"/>
+            <a:ext cx="4350561" cy="4350561"/>
           </a:xfrm>
           <a:prstGeom prst="rect">
             <a:avLst/>
@@ -3691,21 +3661,15 @@
           <p:nvPr/>
         </p:nvPicPr>
         <p:blipFill>
-          <a:blip r:embed="rId9" cstate="email">
-            <a:extLst>
-              <a:ext uri="{28A0092B-C50C-407E-A947-70E740481C1C}">
-                <a14:useLocalDpi xmlns:a14="http://schemas.microsoft.com/office/drawing/2010/main"/>
-              </a:ext>
-            </a:extLst>
-          </a:blip>
+          <a:blip r:embed="rId9"/>
           <a:stretch>
             <a:fillRect/>
           </a:stretch>
         </p:blipFill>
         <p:spPr>
           <a:xfrm>
-            <a:off x="3147371" y="-1959380"/>
-            <a:ext cx="2173879" cy="1346597"/>
+            <a:off x="6294741" y="-3918760"/>
+            <a:ext cx="4347757" cy="2693194"/>
           </a:xfrm>
           <a:prstGeom prst="rect">
             <a:avLst/>
@@ -3720,15 +3684,15 @@
         </p:nvSpPr>
         <p:spPr>
           <a:xfrm>
-            <a:off x="1040754" y="1168238"/>
-            <a:ext cx="450981" cy="184666"/>
+            <a:off x="2081507" y="2336475"/>
+            <a:ext cx="901961" cy="369332"/>
           </a:xfrm>
           <a:prstGeom prst="rect">
             <a:avLst/>
           </a:prstGeom>
         </p:spPr>
         <p:txBody>
-          <a:bodyPr wrap="square" lIns="45720" tIns="22860" rIns="45720" bIns="22860">
+          <a:bodyPr wrap="square">
             <a:spAutoFit/>
           </a:bodyPr>
           <a:lstStyle/>
@@ -3763,8 +3727,8 @@
         </p:nvSpPr>
         <p:spPr>
           <a:xfrm rot="4728370" flipH="1">
-            <a:off x="728163" y="1070390"/>
-            <a:ext cx="574725" cy="588379"/>
+            <a:off x="1456326" y="2140779"/>
+            <a:ext cx="1149449" cy="1176757"/>
           </a:xfrm>
           <a:prstGeom prst="circularArrow">
             <a:avLst>
@@ -3797,7 +3761,7 @@
           </a:fontRef>
         </p:style>
         <p:txBody>
-          <a:bodyPr lIns="45720" tIns="22860" rIns="45720" bIns="22860" rtlCol="0" anchor="ctr"/>
+          <a:bodyPr rtlCol="0" anchor="ctr"/>
           <a:lstStyle/>
           <a:p>
             <a:pPr algn="ctr"/>
@@ -3817,8 +3781,8 @@
         </p:nvCxnSpPr>
         <p:spPr>
           <a:xfrm>
-            <a:off x="1040754" y="1352904"/>
-            <a:ext cx="616883" cy="0"/>
+            <a:off x="2081507" y="2705807"/>
+            <a:ext cx="1233766" cy="0"/>
           </a:xfrm>
           <a:prstGeom prst="line">
             <a:avLst/>
@@ -3853,8 +3817,8 @@
         </p:nvSpPr>
         <p:spPr>
           <a:xfrm>
-            <a:off x="855260" y="1455394"/>
-            <a:ext cx="371488" cy="184666"/>
+            <a:off x="1710520" y="2910788"/>
+            <a:ext cx="742976" cy="369332"/>
           </a:xfrm>
           <a:prstGeom prst="rect">
             <a:avLst/>
@@ -3866,7 +3830,7 @@
           </a:solidFill>
         </p:spPr>
         <p:txBody>
-          <a:bodyPr wrap="square" lIns="45720" tIns="22860" rIns="45720" bIns="22860">
+          <a:bodyPr wrap="square">
             <a:spAutoFit/>
           </a:bodyPr>
           <a:lstStyle/>
@@ -3908,8 +3872,8 @@
         </p:nvSpPr>
         <p:spPr>
           <a:xfrm>
-            <a:off x="931460" y="1623927"/>
-            <a:ext cx="256804" cy="184666"/>
+            <a:off x="1862920" y="3247854"/>
+            <a:ext cx="513608" cy="369332"/>
           </a:xfrm>
           <a:prstGeom prst="rect">
             <a:avLst/>
@@ -3921,7 +3885,7 @@
           </a:solidFill>
         </p:spPr>
         <p:txBody>
-          <a:bodyPr wrap="square" lIns="45720" tIns="22860" rIns="45720" bIns="22860">
+          <a:bodyPr wrap="square">
             <a:spAutoFit/>
           </a:bodyPr>
           <a:lstStyle/>
@@ -3956,8 +3920,8 @@
         </p:nvSpPr>
         <p:spPr>
           <a:xfrm>
-            <a:off x="988416" y="1808593"/>
-            <a:ext cx="238333" cy="184666"/>
+            <a:off x="1976831" y="3617186"/>
+            <a:ext cx="476665" cy="369332"/>
           </a:xfrm>
           <a:prstGeom prst="rect">
             <a:avLst/>
@@ -3969,7 +3933,7 @@
           </a:solidFill>
         </p:spPr>
         <p:txBody>
-          <a:bodyPr wrap="square" lIns="45720" tIns="22860" rIns="45720" bIns="22860">
+          <a:bodyPr wrap="square">
             <a:spAutoFit/>
           </a:bodyPr>
           <a:lstStyle/>
@@ -4004,8 +3968,8 @@
         </p:nvSpPr>
         <p:spPr>
           <a:xfrm>
-            <a:off x="1165173" y="1884793"/>
-            <a:ext cx="238333" cy="184666"/>
+            <a:off x="2330346" y="3769586"/>
+            <a:ext cx="476665" cy="369332"/>
           </a:xfrm>
           <a:prstGeom prst="rect">
             <a:avLst/>
@@ -4017,7 +3981,7 @@
           </a:solidFill>
         </p:spPr>
         <p:txBody>
-          <a:bodyPr wrap="square" lIns="45720" tIns="22860" rIns="45720" bIns="22860">
+          <a:bodyPr wrap="square">
             <a:spAutoFit/>
           </a:bodyPr>
           <a:lstStyle/>
@@ -4044,8 +4008,8 @@
         </p:nvSpPr>
         <p:spPr>
           <a:xfrm>
-            <a:off x="1403506" y="1977126"/>
-            <a:ext cx="335085" cy="184666"/>
+            <a:off x="2807011" y="3954252"/>
+            <a:ext cx="670170" cy="369332"/>
           </a:xfrm>
           <a:prstGeom prst="rect">
             <a:avLst/>
@@ -4057,7 +4021,7 @@
           </a:solidFill>
         </p:spPr>
         <p:txBody>
-          <a:bodyPr wrap="square" lIns="45720" tIns="22860" rIns="45720" bIns="22860">
+          <a:bodyPr wrap="square">
             <a:spAutoFit/>
           </a:bodyPr>
           <a:lstStyle/>
@@ -4092,10 +4056,10 @@
         </p:nvGrpSpPr>
         <p:grpSpPr>
           <a:xfrm>
-            <a:off x="1928243" y="94952"/>
-            <a:ext cx="1348930" cy="1459553"/>
+            <a:off x="3856486" y="189904"/>
+            <a:ext cx="2697859" cy="2919107"/>
             <a:chOff x="3723884" y="2797338"/>
-            <a:chExt cx="2697859" cy="2919106"/>
+            <a:chExt cx="2697859" cy="2919107"/>
           </a:xfrm>
         </p:grpSpPr>
         <p:pic>
@@ -4172,8 +4136,8 @@
           </p:nvSpPr>
           <p:spPr>
             <a:xfrm rot="2773836">
-              <a:off x="4696014" y="4507087"/>
-              <a:ext cx="1957051" cy="461664"/>
+              <a:off x="4696014" y="4553253"/>
+              <a:ext cx="1957052" cy="369332"/>
             </a:xfrm>
             <a:prstGeom prst="rect">
               <a:avLst/>
@@ -4203,8 +4167,8 @@
         </p:nvGrpSpPr>
         <p:grpSpPr>
           <a:xfrm>
-            <a:off x="2133073" y="1616521"/>
-            <a:ext cx="1109549" cy="1266278"/>
+            <a:off x="4266146" y="3233041"/>
+            <a:ext cx="2219098" cy="2532556"/>
             <a:chOff x="4024624" y="107175"/>
             <a:chExt cx="2219098" cy="2532556"/>
           </a:xfrm>
@@ -4283,8 +4247,8 @@
           </p:nvSpPr>
           <p:spPr>
             <a:xfrm rot="3350588">
-              <a:off x="4766386" y="1430373"/>
-              <a:ext cx="1957052" cy="461664"/>
+              <a:off x="4766386" y="1476539"/>
+              <a:ext cx="1957052" cy="369332"/>
             </a:xfrm>
             <a:prstGeom prst="rect">
               <a:avLst/>
@@ -4328,8 +4292,8 @@
         </p:blipFill>
         <p:spPr>
           <a:xfrm rot="8275030">
-            <a:off x="1760986" y="69323"/>
-            <a:ext cx="253233" cy="310716"/>
+            <a:off x="3521972" y="138647"/>
+            <a:ext cx="506466" cy="621431"/>
           </a:xfrm>
           <a:prstGeom prst="rect">
             <a:avLst/>
@@ -4358,8 +4322,8 @@
         </p:blipFill>
         <p:spPr>
           <a:xfrm rot="8808167">
-            <a:off x="2030776" y="1411336"/>
-            <a:ext cx="253233" cy="310716"/>
+            <a:off x="4061551" y="2822671"/>
+            <a:ext cx="506466" cy="621431"/>
           </a:xfrm>
           <a:prstGeom prst="rect">
             <a:avLst/>
@@ -4381,14 +4345,14 @@
           </p:nvPr>
         </p:nvGraphicFramePr>
         <p:xfrm>
-          <a:off x="3443152" y="1436526"/>
-          <a:ext cx="244030" cy="289786"/>
+          <a:off x="6886304" y="2873051"/>
+          <a:ext cx="488060" cy="579571"/>
         </p:xfrm>
         <a:graphic>
           <a:graphicData uri="http://schemas.openxmlformats.org/presentationml/2006/ole">
             <mc:AlternateContent xmlns:mc="http://schemas.openxmlformats.org/markup-compatibility/2006">
               <mc:Choice xmlns:v="urn:schemas-microsoft-com:vml" Requires="v">
-                <p:oleObj spid="_x0000_s1079" name="Equation" r:id="rId13" imgW="203200" imgH="241300" progId="Equation.3">
+                <p:oleObj spid="_x0000_s1072" name="Equation" r:id="rId13" imgW="203200" imgH="241300" progId="Equation.3">
                   <p:embed/>
                 </p:oleObj>
               </mc:Choice>
@@ -4409,8 +4373,8 @@
                     </p:blipFill>
                     <p:spPr>
                       <a:xfrm>
-                        <a:off x="3443152" y="1436526"/>
-                        <a:ext cx="244030" cy="289786"/>
+                        <a:off x="6886304" y="2873051"/>
+                        <a:ext cx="488060" cy="579571"/>
                       </a:xfrm>
                       <a:prstGeom prst="rect">
                         <a:avLst/>
@@ -4438,14 +4402,14 @@
           </p:nvPr>
         </p:nvGraphicFramePr>
         <p:xfrm>
-          <a:off x="5708913" y="1548515"/>
-          <a:ext cx="274638" cy="274638"/>
+          <a:off x="11417826" y="3097029"/>
+          <a:ext cx="549275" cy="549275"/>
         </p:xfrm>
         <a:graphic>
           <a:graphicData uri="http://schemas.openxmlformats.org/presentationml/2006/ole">
             <mc:AlternateContent xmlns:mc="http://schemas.openxmlformats.org/markup-compatibility/2006">
               <mc:Choice xmlns:v="urn:schemas-microsoft-com:vml" Requires="v">
-                <p:oleObj spid="_x0000_s1080" name="Equation" r:id="rId15" imgW="228600" imgH="228600" progId="Equation.3">
+                <p:oleObj spid="_x0000_s1073" name="Equation" r:id="rId15" imgW="228600" imgH="228600" progId="Equation.3">
                   <p:embed/>
                 </p:oleObj>
               </mc:Choice>
@@ -4466,8 +4430,8 @@
                     </p:blipFill>
                     <p:spPr>
                       <a:xfrm>
-                        <a:off x="5708913" y="1548515"/>
-                        <a:ext cx="274638" cy="274638"/>
+                        <a:off x="11417826" y="3097029"/>
+                        <a:ext cx="549275" cy="549275"/>
                       </a:xfrm>
                       <a:prstGeom prst="rect">
                         <a:avLst/>
@@ -4495,14 +4459,14 @@
           </p:nvPr>
         </p:nvGraphicFramePr>
         <p:xfrm>
-          <a:off x="5721615" y="-12966"/>
-          <a:ext cx="290513" cy="274638"/>
+          <a:off x="11443230" y="-25933"/>
+          <a:ext cx="581025" cy="549275"/>
         </p:xfrm>
         <a:graphic>
           <a:graphicData uri="http://schemas.openxmlformats.org/presentationml/2006/ole">
             <mc:AlternateContent xmlns:mc="http://schemas.openxmlformats.org/markup-compatibility/2006">
               <mc:Choice xmlns:v="urn:schemas-microsoft-com:vml" Requires="v">
-                <p:oleObj spid="_x0000_s1081" name="Equation" r:id="rId17" imgW="241300" imgH="228600" progId="Equation.3">
+                <p:oleObj spid="_x0000_s1074" name="Equation" r:id="rId17" imgW="241300" imgH="228600" progId="Equation.3">
                   <p:embed/>
                 </p:oleObj>
               </mc:Choice>
@@ -4523,8 +4487,8 @@
                     </p:blipFill>
                     <p:spPr>
                       <a:xfrm>
-                        <a:off x="5721615" y="-12966"/>
-                        <a:ext cx="290513" cy="274638"/>
+                        <a:off x="11443230" y="-25933"/>
+                        <a:ext cx="581025" cy="549275"/>
                       </a:xfrm>
                       <a:prstGeom prst="rect">
                         <a:avLst/>
@@ -4552,14 +4516,14 @@
           </p:nvPr>
         </p:nvGraphicFramePr>
         <p:xfrm>
-          <a:off x="3603045" y="24519"/>
-          <a:ext cx="168275" cy="197644"/>
+          <a:off x="7206089" y="49038"/>
+          <a:ext cx="336550" cy="395288"/>
         </p:xfrm>
         <a:graphic>
           <a:graphicData uri="http://schemas.openxmlformats.org/presentationml/2006/ole">
             <mc:AlternateContent xmlns:mc="http://schemas.openxmlformats.org/markup-compatibility/2006">
               <mc:Choice xmlns:v="urn:schemas-microsoft-com:vml" Requires="v">
-                <p:oleObj spid="_x0000_s1082" name="Equation" r:id="rId19" imgW="139700" imgH="165100" progId="Equation.3">
+                <p:oleObj spid="_x0000_s1075" name="Equation" r:id="rId19" imgW="139700" imgH="165100" progId="Equation.3">
                   <p:embed/>
                 </p:oleObj>
               </mc:Choice>
@@ -4580,8 +4544,8 @@
                     </p:blipFill>
                     <p:spPr>
                       <a:xfrm>
-                        <a:off x="3603045" y="24519"/>
-                        <a:ext cx="168275" cy="197644"/>
+                        <a:off x="7206089" y="49038"/>
+                        <a:ext cx="336550" cy="395288"/>
                       </a:xfrm>
                       <a:prstGeom prst="rect">
                         <a:avLst/>
@@ -4609,14 +4573,14 @@
           </p:nvPr>
         </p:nvGraphicFramePr>
         <p:xfrm>
-          <a:off x="5313101" y="1076956"/>
-          <a:ext cx="184150" cy="182563"/>
+          <a:off x="10626201" y="2153912"/>
+          <a:ext cx="368300" cy="365125"/>
         </p:xfrm>
         <a:graphic>
           <a:graphicData uri="http://schemas.openxmlformats.org/presentationml/2006/ole">
             <mc:AlternateContent xmlns:mc="http://schemas.openxmlformats.org/markup-compatibility/2006">
               <mc:Choice xmlns:v="urn:schemas-microsoft-com:vml" Requires="v">
-                <p:oleObj spid="_x0000_s1083" name="Equation" r:id="rId21" imgW="152400" imgH="152400" progId="Equation.3">
+                <p:oleObj spid="_x0000_s1076" name="Equation" r:id="rId21" imgW="152400" imgH="152400" progId="Equation.3">
                   <p:embed/>
                 </p:oleObj>
               </mc:Choice>
@@ -4637,8 +4601,8 @@
                     </p:blipFill>
                     <p:spPr>
                       <a:xfrm>
-                        <a:off x="5313101" y="1076956"/>
-                        <a:ext cx="184150" cy="182563"/>
+                        <a:off x="10626201" y="2153912"/>
+                        <a:ext cx="368300" cy="365125"/>
                       </a:xfrm>
                       <a:prstGeom prst="rect">
                         <a:avLst/>
@@ -4666,14 +4630,14 @@
           </p:nvPr>
         </p:nvGraphicFramePr>
         <p:xfrm>
-          <a:off x="5297226" y="2439089"/>
-          <a:ext cx="184150" cy="182563"/>
+          <a:off x="10594451" y="4878178"/>
+          <a:ext cx="368300" cy="365125"/>
         </p:xfrm>
         <a:graphic>
           <a:graphicData uri="http://schemas.openxmlformats.org/presentationml/2006/ole">
             <mc:AlternateContent xmlns:mc="http://schemas.openxmlformats.org/markup-compatibility/2006">
               <mc:Choice xmlns:v="urn:schemas-microsoft-com:vml" Requires="v">
-                <p:oleObj spid="_x0000_s1084" name="Equation" r:id="rId23" imgW="152400" imgH="152400" progId="Equation.3">
+                <p:oleObj spid="_x0000_s1077" name="Equation" r:id="rId23" imgW="152400" imgH="152400" progId="Equation.3">
                   <p:embed/>
                 </p:oleObj>
               </mc:Choice>
@@ -4694,8 +4658,8 @@
                     </p:blipFill>
                     <p:spPr>
                       <a:xfrm>
-                        <a:off x="5297226" y="2439089"/>
-                        <a:ext cx="184150" cy="182563"/>
+                        <a:off x="10594451" y="4878178"/>
+                        <a:ext cx="368300" cy="365125"/>
                       </a:xfrm>
                       <a:prstGeom prst="rect">
                         <a:avLst/>
@@ -4723,14 +4687,14 @@
           </p:nvPr>
         </p:nvGraphicFramePr>
         <p:xfrm>
-          <a:off x="7531100" y="1075604"/>
-          <a:ext cx="184150" cy="182563"/>
+          <a:off x="15062200" y="2151208"/>
+          <a:ext cx="368300" cy="365125"/>
         </p:xfrm>
         <a:graphic>
           <a:graphicData uri="http://schemas.openxmlformats.org/presentationml/2006/ole">
             <mc:AlternateContent xmlns:mc="http://schemas.openxmlformats.org/markup-compatibility/2006">
               <mc:Choice xmlns:v="urn:schemas-microsoft-com:vml" Requires="v">
-                <p:oleObj spid="_x0000_s1085" name="Equation" r:id="rId24" imgW="152400" imgH="152400" progId="Equation.3">
+                <p:oleObj spid="_x0000_s1078" name="Equation" r:id="rId24" imgW="152400" imgH="152400" progId="Equation.3">
                   <p:embed/>
                 </p:oleObj>
               </mc:Choice>
@@ -4751,8 +4715,8 @@
                     </p:blipFill>
                     <p:spPr>
                       <a:xfrm>
-                        <a:off x="7531100" y="1075604"/>
-                        <a:ext cx="184150" cy="182563"/>
+                        <a:off x="15062200" y="2151208"/>
+                        <a:ext cx="368300" cy="365125"/>
                       </a:xfrm>
                       <a:prstGeom prst="rect">
                         <a:avLst/>
@@ -4780,14 +4744,14 @@
           </p:nvPr>
         </p:nvGraphicFramePr>
         <p:xfrm>
-          <a:off x="7496175" y="2431130"/>
-          <a:ext cx="184150" cy="182563"/>
+          <a:off x="14992350" y="4862259"/>
+          <a:ext cx="368300" cy="365125"/>
         </p:xfrm>
         <a:graphic>
           <a:graphicData uri="http://schemas.openxmlformats.org/presentationml/2006/ole">
             <mc:AlternateContent xmlns:mc="http://schemas.openxmlformats.org/markup-compatibility/2006">
               <mc:Choice xmlns:v="urn:schemas-microsoft-com:vml" Requires="v">
-                <p:oleObj spid="_x0000_s1086" name="Equation" r:id="rId25" imgW="152400" imgH="152400" progId="Equation.3">
+                <p:oleObj spid="_x0000_s1079" name="Equation" r:id="rId25" imgW="152400" imgH="152400" progId="Equation.3">
                   <p:embed/>
                 </p:oleObj>
               </mc:Choice>
@@ -4808,8 +4772,8 @@
                     </p:blipFill>
                     <p:spPr>
                       <a:xfrm>
-                        <a:off x="7496175" y="2431130"/>
-                        <a:ext cx="184150" cy="182563"/>
+                        <a:off x="14992350" y="4862259"/>
+                        <a:ext cx="368300" cy="365125"/>
                       </a:xfrm>
                       <a:prstGeom prst="rect">
                         <a:avLst/>
